--- a/nobuhra_ネットワーク構成.pptx
+++ b/nobuhra_ネットワーク構成.pptx
@@ -106,7 +106,7 @@
   </p:defaultTextStyle>
   <p:extLst>
     <p:ext uri="{EFAFB233-063F-42B5-8137-9DF3F51BA10A}">
-      <p15:sldGuideLst xmlns:p15="http://schemas.microsoft.com/office/powerpoint/2012/main"/>
+      <p15:sldGuideLst xmlns:p15="http://schemas.microsoft.com/office/powerpoint/2012/main" xmlns=""/>
     </p:ext>
   </p:extLst>
 </p:presentation>
@@ -355,7 +355,7 @@
           <p:cNvPr id="2" name="タイトル 1">
             <a:extLst>
               <a:ext uri="{FF2B5EF4-FFF2-40B4-BE49-F238E27FC236}">
-                <a16:creationId xmlns:a16="http://schemas.microsoft.com/office/drawing/2014/main" id="{F565788A-5B70-462D-A8BA-0781C6B65F4A}"/>
+                <a16:creationId xmlns:a16="http://schemas.microsoft.com/office/drawing/2014/main" xmlns="" id="{F565788A-5B70-462D-A8BA-0781C6B65F4A}"/>
               </a:ext>
             </a:extLst>
           </p:cNvPr>
@@ -392,7 +392,7 @@
           <p:cNvPr id="3" name="字幕 2">
             <a:extLst>
               <a:ext uri="{FF2B5EF4-FFF2-40B4-BE49-F238E27FC236}">
-                <a16:creationId xmlns:a16="http://schemas.microsoft.com/office/drawing/2014/main" id="{53A3E5C1-4574-45EA-AE1F-3984DC30FC51}"/>
+                <a16:creationId xmlns:a16="http://schemas.microsoft.com/office/drawing/2014/main" xmlns="" id="{53A3E5C1-4574-45EA-AE1F-3984DC30FC51}"/>
               </a:ext>
             </a:extLst>
           </p:cNvPr>
@@ -462,7 +462,7 @@
           <p:cNvPr id="4" name="日付プレースホルダー 3">
             <a:extLst>
               <a:ext uri="{FF2B5EF4-FFF2-40B4-BE49-F238E27FC236}">
-                <a16:creationId xmlns:a16="http://schemas.microsoft.com/office/drawing/2014/main" id="{40E59775-8E7B-4EBF-B2B0-BCAAC5E9E0D6}"/>
+                <a16:creationId xmlns:a16="http://schemas.microsoft.com/office/drawing/2014/main" xmlns="" id="{40E59775-8E7B-4EBF-B2B0-BCAAC5E9E0D6}"/>
               </a:ext>
             </a:extLst>
           </p:cNvPr>
@@ -480,7 +480,7 @@
           <a:p>
             <a:fld id="{B4878984-8C4B-40A8-B0FF-F35BB8548DFC}" type="datetimeFigureOut">
               <a:rPr kumimoji="1" lang="ja-JP" altLang="en-US" smtClean="0"/>
-              <a:t>2021/12/1</a:t>
+              <a:t>21/12/01</a:t>
             </a:fld>
             <a:endParaRPr kumimoji="1" lang="ja-JP" altLang="en-US"/>
           </a:p>
@@ -491,7 +491,7 @@
           <p:cNvPr id="5" name="フッター プレースホルダー 4">
             <a:extLst>
               <a:ext uri="{FF2B5EF4-FFF2-40B4-BE49-F238E27FC236}">
-                <a16:creationId xmlns:a16="http://schemas.microsoft.com/office/drawing/2014/main" id="{9E646584-DD13-4A69-9FB9-572AE2053A34}"/>
+                <a16:creationId xmlns:a16="http://schemas.microsoft.com/office/drawing/2014/main" xmlns="" id="{9E646584-DD13-4A69-9FB9-572AE2053A34}"/>
               </a:ext>
             </a:extLst>
           </p:cNvPr>
@@ -516,7 +516,7 @@
           <p:cNvPr id="6" name="スライド番号プレースホルダー 5">
             <a:extLst>
               <a:ext uri="{FF2B5EF4-FFF2-40B4-BE49-F238E27FC236}">
-                <a16:creationId xmlns:a16="http://schemas.microsoft.com/office/drawing/2014/main" id="{838064D6-76A6-40B9-B64C-5B5E16C0EAA7}"/>
+                <a16:creationId xmlns:a16="http://schemas.microsoft.com/office/drawing/2014/main" xmlns="" id="{838064D6-76A6-40B9-B64C-5B5E16C0EAA7}"/>
               </a:ext>
             </a:extLst>
           </p:cNvPr>
@@ -575,7 +575,7 @@
           <p:cNvPr id="2" name="タイトル 1">
             <a:extLst>
               <a:ext uri="{FF2B5EF4-FFF2-40B4-BE49-F238E27FC236}">
-                <a16:creationId xmlns:a16="http://schemas.microsoft.com/office/drawing/2014/main" id="{F57D5104-2856-4CE0-9854-F27B75E12E2E}"/>
+                <a16:creationId xmlns:a16="http://schemas.microsoft.com/office/drawing/2014/main" xmlns="" id="{F57D5104-2856-4CE0-9854-F27B75E12E2E}"/>
               </a:ext>
             </a:extLst>
           </p:cNvPr>
@@ -603,7 +603,7 @@
           <p:cNvPr id="3" name="縦書きテキスト プレースホルダー 2">
             <a:extLst>
               <a:ext uri="{FF2B5EF4-FFF2-40B4-BE49-F238E27FC236}">
-                <a16:creationId xmlns:a16="http://schemas.microsoft.com/office/drawing/2014/main" id="{3ED1B5FF-C581-47C9-AF43-1EBF7C011F64}"/>
+                <a16:creationId xmlns:a16="http://schemas.microsoft.com/office/drawing/2014/main" xmlns="" id="{3ED1B5FF-C581-47C9-AF43-1EBF7C011F64}"/>
               </a:ext>
             </a:extLst>
           </p:cNvPr>
@@ -692,7 +692,7 @@
           <p:cNvPr id="4" name="日付プレースホルダー 3">
             <a:extLst>
               <a:ext uri="{FF2B5EF4-FFF2-40B4-BE49-F238E27FC236}">
-                <a16:creationId xmlns:a16="http://schemas.microsoft.com/office/drawing/2014/main" id="{CC31BB77-A87B-4244-AA3D-560DF5E6ED35}"/>
+                <a16:creationId xmlns:a16="http://schemas.microsoft.com/office/drawing/2014/main" xmlns="" id="{CC31BB77-A87B-4244-AA3D-560DF5E6ED35}"/>
               </a:ext>
             </a:extLst>
           </p:cNvPr>
@@ -710,7 +710,7 @@
           <a:p>
             <a:fld id="{B4878984-8C4B-40A8-B0FF-F35BB8548DFC}" type="datetimeFigureOut">
               <a:rPr kumimoji="1" lang="ja-JP" altLang="en-US" smtClean="0"/>
-              <a:t>2021/12/1</a:t>
+              <a:t>21/12/01</a:t>
             </a:fld>
             <a:endParaRPr kumimoji="1" lang="ja-JP" altLang="en-US"/>
           </a:p>
@@ -721,7 +721,7 @@
           <p:cNvPr id="5" name="フッター プレースホルダー 4">
             <a:extLst>
               <a:ext uri="{FF2B5EF4-FFF2-40B4-BE49-F238E27FC236}">
-                <a16:creationId xmlns:a16="http://schemas.microsoft.com/office/drawing/2014/main" id="{AD12B88C-2DB2-4A99-A8AB-79CFC6D63BD3}"/>
+                <a16:creationId xmlns:a16="http://schemas.microsoft.com/office/drawing/2014/main" xmlns="" id="{AD12B88C-2DB2-4A99-A8AB-79CFC6D63BD3}"/>
               </a:ext>
             </a:extLst>
           </p:cNvPr>
@@ -746,7 +746,7 @@
           <p:cNvPr id="6" name="スライド番号プレースホルダー 5">
             <a:extLst>
               <a:ext uri="{FF2B5EF4-FFF2-40B4-BE49-F238E27FC236}">
-                <a16:creationId xmlns:a16="http://schemas.microsoft.com/office/drawing/2014/main" id="{82692385-B26E-43C7-AB0A-0D93483C89E9}"/>
+                <a16:creationId xmlns:a16="http://schemas.microsoft.com/office/drawing/2014/main" xmlns="" id="{82692385-B26E-43C7-AB0A-0D93483C89E9}"/>
               </a:ext>
             </a:extLst>
           </p:cNvPr>
@@ -805,7 +805,7 @@
           <p:cNvPr id="2" name="縦書きタイトル 1">
             <a:extLst>
               <a:ext uri="{FF2B5EF4-FFF2-40B4-BE49-F238E27FC236}">
-                <a16:creationId xmlns:a16="http://schemas.microsoft.com/office/drawing/2014/main" id="{AE5D8732-5713-4439-A0F4-C953545575F9}"/>
+                <a16:creationId xmlns:a16="http://schemas.microsoft.com/office/drawing/2014/main" xmlns="" id="{AE5D8732-5713-4439-A0F4-C953545575F9}"/>
               </a:ext>
             </a:extLst>
           </p:cNvPr>
@@ -838,7 +838,7 @@
           <p:cNvPr id="3" name="縦書きテキスト プレースホルダー 2">
             <a:extLst>
               <a:ext uri="{FF2B5EF4-FFF2-40B4-BE49-F238E27FC236}">
-                <a16:creationId xmlns:a16="http://schemas.microsoft.com/office/drawing/2014/main" id="{F5B37159-415E-4BD8-9744-B69218C875A8}"/>
+                <a16:creationId xmlns:a16="http://schemas.microsoft.com/office/drawing/2014/main" xmlns="" id="{F5B37159-415E-4BD8-9744-B69218C875A8}"/>
               </a:ext>
             </a:extLst>
           </p:cNvPr>
@@ -932,7 +932,7 @@
           <p:cNvPr id="4" name="日付プレースホルダー 3">
             <a:extLst>
               <a:ext uri="{FF2B5EF4-FFF2-40B4-BE49-F238E27FC236}">
-                <a16:creationId xmlns:a16="http://schemas.microsoft.com/office/drawing/2014/main" id="{81FC50B5-15A4-48B3-8832-8A50CFA10F24}"/>
+                <a16:creationId xmlns:a16="http://schemas.microsoft.com/office/drawing/2014/main" xmlns="" id="{81FC50B5-15A4-48B3-8832-8A50CFA10F24}"/>
               </a:ext>
             </a:extLst>
           </p:cNvPr>
@@ -950,7 +950,7 @@
           <a:p>
             <a:fld id="{B4878984-8C4B-40A8-B0FF-F35BB8548DFC}" type="datetimeFigureOut">
               <a:rPr kumimoji="1" lang="ja-JP" altLang="en-US" smtClean="0"/>
-              <a:t>2021/12/1</a:t>
+              <a:t>21/12/01</a:t>
             </a:fld>
             <a:endParaRPr kumimoji="1" lang="ja-JP" altLang="en-US"/>
           </a:p>
@@ -961,7 +961,7 @@
           <p:cNvPr id="5" name="フッター プレースホルダー 4">
             <a:extLst>
               <a:ext uri="{FF2B5EF4-FFF2-40B4-BE49-F238E27FC236}">
-                <a16:creationId xmlns:a16="http://schemas.microsoft.com/office/drawing/2014/main" id="{716E10C6-A697-48BF-80BF-413D5CB88CA6}"/>
+                <a16:creationId xmlns:a16="http://schemas.microsoft.com/office/drawing/2014/main" xmlns="" id="{716E10C6-A697-48BF-80BF-413D5CB88CA6}"/>
               </a:ext>
             </a:extLst>
           </p:cNvPr>
@@ -986,7 +986,7 @@
           <p:cNvPr id="6" name="スライド番号プレースホルダー 5">
             <a:extLst>
               <a:ext uri="{FF2B5EF4-FFF2-40B4-BE49-F238E27FC236}">
-                <a16:creationId xmlns:a16="http://schemas.microsoft.com/office/drawing/2014/main" id="{E18631C6-6180-4EAE-A0C4-925E425EF489}"/>
+                <a16:creationId xmlns:a16="http://schemas.microsoft.com/office/drawing/2014/main" xmlns="" id="{E18631C6-6180-4EAE-A0C4-925E425EF489}"/>
               </a:ext>
             </a:extLst>
           </p:cNvPr>
@@ -1045,7 +1045,7 @@
           <p:cNvPr id="2" name="タイトル 1">
             <a:extLst>
               <a:ext uri="{FF2B5EF4-FFF2-40B4-BE49-F238E27FC236}">
-                <a16:creationId xmlns:a16="http://schemas.microsoft.com/office/drawing/2014/main" id="{A00AE975-0006-4497-AF36-2EA4F2CDEB41}"/>
+                <a16:creationId xmlns:a16="http://schemas.microsoft.com/office/drawing/2014/main" xmlns="" id="{A00AE975-0006-4497-AF36-2EA4F2CDEB41}"/>
               </a:ext>
             </a:extLst>
           </p:cNvPr>
@@ -1073,7 +1073,7 @@
           <p:cNvPr id="3" name="コンテンツ プレースホルダー 2">
             <a:extLst>
               <a:ext uri="{FF2B5EF4-FFF2-40B4-BE49-F238E27FC236}">
-                <a16:creationId xmlns:a16="http://schemas.microsoft.com/office/drawing/2014/main" id="{482E4799-625F-4CC8-BDA2-4E60B8DBF548}"/>
+                <a16:creationId xmlns:a16="http://schemas.microsoft.com/office/drawing/2014/main" xmlns="" id="{482E4799-625F-4CC8-BDA2-4E60B8DBF548}"/>
               </a:ext>
             </a:extLst>
           </p:cNvPr>
@@ -1162,7 +1162,7 @@
           <p:cNvPr id="4" name="日付プレースホルダー 3">
             <a:extLst>
               <a:ext uri="{FF2B5EF4-FFF2-40B4-BE49-F238E27FC236}">
-                <a16:creationId xmlns:a16="http://schemas.microsoft.com/office/drawing/2014/main" id="{D66BCD26-F5C5-40D0-8257-5FB34ED409B4}"/>
+                <a16:creationId xmlns:a16="http://schemas.microsoft.com/office/drawing/2014/main" xmlns="" id="{D66BCD26-F5C5-40D0-8257-5FB34ED409B4}"/>
               </a:ext>
             </a:extLst>
           </p:cNvPr>
@@ -1180,7 +1180,7 @@
           <a:p>
             <a:fld id="{B4878984-8C4B-40A8-B0FF-F35BB8548DFC}" type="datetimeFigureOut">
               <a:rPr kumimoji="1" lang="ja-JP" altLang="en-US" smtClean="0"/>
-              <a:t>2021/12/1</a:t>
+              <a:t>21/12/01</a:t>
             </a:fld>
             <a:endParaRPr kumimoji="1" lang="ja-JP" altLang="en-US"/>
           </a:p>
@@ -1191,7 +1191,7 @@
           <p:cNvPr id="5" name="フッター プレースホルダー 4">
             <a:extLst>
               <a:ext uri="{FF2B5EF4-FFF2-40B4-BE49-F238E27FC236}">
-                <a16:creationId xmlns:a16="http://schemas.microsoft.com/office/drawing/2014/main" id="{73872F56-C1B8-4A95-A992-F0619CCFC9C1}"/>
+                <a16:creationId xmlns:a16="http://schemas.microsoft.com/office/drawing/2014/main" xmlns="" id="{73872F56-C1B8-4A95-A992-F0619CCFC9C1}"/>
               </a:ext>
             </a:extLst>
           </p:cNvPr>
@@ -1216,7 +1216,7 @@
           <p:cNvPr id="6" name="スライド番号プレースホルダー 5">
             <a:extLst>
               <a:ext uri="{FF2B5EF4-FFF2-40B4-BE49-F238E27FC236}">
-                <a16:creationId xmlns:a16="http://schemas.microsoft.com/office/drawing/2014/main" id="{0CCCC091-6A0C-4F1C-B099-31AD8AB95010}"/>
+                <a16:creationId xmlns:a16="http://schemas.microsoft.com/office/drawing/2014/main" xmlns="" id="{0CCCC091-6A0C-4F1C-B099-31AD8AB95010}"/>
               </a:ext>
             </a:extLst>
           </p:cNvPr>
@@ -1275,7 +1275,7 @@
           <p:cNvPr id="2" name="タイトル 1">
             <a:extLst>
               <a:ext uri="{FF2B5EF4-FFF2-40B4-BE49-F238E27FC236}">
-                <a16:creationId xmlns:a16="http://schemas.microsoft.com/office/drawing/2014/main" id="{267C3F24-12A3-47B2-B3AC-ADE02B0258A6}"/>
+                <a16:creationId xmlns:a16="http://schemas.microsoft.com/office/drawing/2014/main" xmlns="" id="{267C3F24-12A3-47B2-B3AC-ADE02B0258A6}"/>
               </a:ext>
             </a:extLst>
           </p:cNvPr>
@@ -1312,7 +1312,7 @@
           <p:cNvPr id="3" name="テキスト プレースホルダー 2">
             <a:extLst>
               <a:ext uri="{FF2B5EF4-FFF2-40B4-BE49-F238E27FC236}">
-                <a16:creationId xmlns:a16="http://schemas.microsoft.com/office/drawing/2014/main" id="{9C371E48-BD4B-47F2-BD11-A55E3C289909}"/>
+                <a16:creationId xmlns:a16="http://schemas.microsoft.com/office/drawing/2014/main" xmlns="" id="{9C371E48-BD4B-47F2-BD11-A55E3C289909}"/>
               </a:ext>
             </a:extLst>
           </p:cNvPr>
@@ -1437,7 +1437,7 @@
           <p:cNvPr id="4" name="日付プレースホルダー 3">
             <a:extLst>
               <a:ext uri="{FF2B5EF4-FFF2-40B4-BE49-F238E27FC236}">
-                <a16:creationId xmlns:a16="http://schemas.microsoft.com/office/drawing/2014/main" id="{BE394099-37A6-41D4-B0CE-AEA12F9F5C96}"/>
+                <a16:creationId xmlns:a16="http://schemas.microsoft.com/office/drawing/2014/main" xmlns="" id="{BE394099-37A6-41D4-B0CE-AEA12F9F5C96}"/>
               </a:ext>
             </a:extLst>
           </p:cNvPr>
@@ -1455,7 +1455,7 @@
           <a:p>
             <a:fld id="{B4878984-8C4B-40A8-B0FF-F35BB8548DFC}" type="datetimeFigureOut">
               <a:rPr kumimoji="1" lang="ja-JP" altLang="en-US" smtClean="0"/>
-              <a:t>2021/12/1</a:t>
+              <a:t>21/12/01</a:t>
             </a:fld>
             <a:endParaRPr kumimoji="1" lang="ja-JP" altLang="en-US"/>
           </a:p>
@@ -1466,7 +1466,7 @@
           <p:cNvPr id="5" name="フッター プレースホルダー 4">
             <a:extLst>
               <a:ext uri="{FF2B5EF4-FFF2-40B4-BE49-F238E27FC236}">
-                <a16:creationId xmlns:a16="http://schemas.microsoft.com/office/drawing/2014/main" id="{E164E153-E253-442C-BFA0-028EDD83BBDC}"/>
+                <a16:creationId xmlns:a16="http://schemas.microsoft.com/office/drawing/2014/main" xmlns="" id="{E164E153-E253-442C-BFA0-028EDD83BBDC}"/>
               </a:ext>
             </a:extLst>
           </p:cNvPr>
@@ -1491,7 +1491,7 @@
           <p:cNvPr id="6" name="スライド番号プレースホルダー 5">
             <a:extLst>
               <a:ext uri="{FF2B5EF4-FFF2-40B4-BE49-F238E27FC236}">
-                <a16:creationId xmlns:a16="http://schemas.microsoft.com/office/drawing/2014/main" id="{8E795C6B-CD04-4B4E-B0CB-68D1EFA159C3}"/>
+                <a16:creationId xmlns:a16="http://schemas.microsoft.com/office/drawing/2014/main" xmlns="" id="{8E795C6B-CD04-4B4E-B0CB-68D1EFA159C3}"/>
               </a:ext>
             </a:extLst>
           </p:cNvPr>
@@ -1550,7 +1550,7 @@
           <p:cNvPr id="2" name="タイトル 1">
             <a:extLst>
               <a:ext uri="{FF2B5EF4-FFF2-40B4-BE49-F238E27FC236}">
-                <a16:creationId xmlns:a16="http://schemas.microsoft.com/office/drawing/2014/main" id="{7DC19B18-2532-476D-A991-720AFB0133A5}"/>
+                <a16:creationId xmlns:a16="http://schemas.microsoft.com/office/drawing/2014/main" xmlns="" id="{7DC19B18-2532-476D-A991-720AFB0133A5}"/>
               </a:ext>
             </a:extLst>
           </p:cNvPr>
@@ -1578,7 +1578,7 @@
           <p:cNvPr id="3" name="コンテンツ プレースホルダー 2">
             <a:extLst>
               <a:ext uri="{FF2B5EF4-FFF2-40B4-BE49-F238E27FC236}">
-                <a16:creationId xmlns:a16="http://schemas.microsoft.com/office/drawing/2014/main" id="{AEE5535C-D2C8-4BEB-859C-8393AA702F0E}"/>
+                <a16:creationId xmlns:a16="http://schemas.microsoft.com/office/drawing/2014/main" xmlns="" id="{AEE5535C-D2C8-4BEB-859C-8393AA702F0E}"/>
               </a:ext>
             </a:extLst>
           </p:cNvPr>
@@ -1672,7 +1672,7 @@
           <p:cNvPr id="4" name="コンテンツ プレースホルダー 3">
             <a:extLst>
               <a:ext uri="{FF2B5EF4-FFF2-40B4-BE49-F238E27FC236}">
-                <a16:creationId xmlns:a16="http://schemas.microsoft.com/office/drawing/2014/main" id="{2CBF0FE0-6BD1-4A4C-8B89-604E4205C5CD}"/>
+                <a16:creationId xmlns:a16="http://schemas.microsoft.com/office/drawing/2014/main" xmlns="" id="{2CBF0FE0-6BD1-4A4C-8B89-604E4205C5CD}"/>
               </a:ext>
             </a:extLst>
           </p:cNvPr>
@@ -1766,7 +1766,7 @@
           <p:cNvPr id="5" name="日付プレースホルダー 4">
             <a:extLst>
               <a:ext uri="{FF2B5EF4-FFF2-40B4-BE49-F238E27FC236}">
-                <a16:creationId xmlns:a16="http://schemas.microsoft.com/office/drawing/2014/main" id="{6BF33039-7C60-4631-82D1-B8FF868317C2}"/>
+                <a16:creationId xmlns:a16="http://schemas.microsoft.com/office/drawing/2014/main" xmlns="" id="{6BF33039-7C60-4631-82D1-B8FF868317C2}"/>
               </a:ext>
             </a:extLst>
           </p:cNvPr>
@@ -1784,7 +1784,7 @@
           <a:p>
             <a:fld id="{B4878984-8C4B-40A8-B0FF-F35BB8548DFC}" type="datetimeFigureOut">
               <a:rPr kumimoji="1" lang="ja-JP" altLang="en-US" smtClean="0"/>
-              <a:t>2021/12/1</a:t>
+              <a:t>21/12/01</a:t>
             </a:fld>
             <a:endParaRPr kumimoji="1" lang="ja-JP" altLang="en-US"/>
           </a:p>
@@ -1795,7 +1795,7 @@
           <p:cNvPr id="6" name="フッター プレースホルダー 5">
             <a:extLst>
               <a:ext uri="{FF2B5EF4-FFF2-40B4-BE49-F238E27FC236}">
-                <a16:creationId xmlns:a16="http://schemas.microsoft.com/office/drawing/2014/main" id="{50B95CEF-ED08-4100-B787-89FABF62C189}"/>
+                <a16:creationId xmlns:a16="http://schemas.microsoft.com/office/drawing/2014/main" xmlns="" id="{50B95CEF-ED08-4100-B787-89FABF62C189}"/>
               </a:ext>
             </a:extLst>
           </p:cNvPr>
@@ -1820,7 +1820,7 @@
           <p:cNvPr id="7" name="スライド番号プレースホルダー 6">
             <a:extLst>
               <a:ext uri="{FF2B5EF4-FFF2-40B4-BE49-F238E27FC236}">
-                <a16:creationId xmlns:a16="http://schemas.microsoft.com/office/drawing/2014/main" id="{62BF1404-39A2-48C1-B83A-6921A72C1C51}"/>
+                <a16:creationId xmlns:a16="http://schemas.microsoft.com/office/drawing/2014/main" xmlns="" id="{62BF1404-39A2-48C1-B83A-6921A72C1C51}"/>
               </a:ext>
             </a:extLst>
           </p:cNvPr>
@@ -1879,7 +1879,7 @@
           <p:cNvPr id="2" name="タイトル 1">
             <a:extLst>
               <a:ext uri="{FF2B5EF4-FFF2-40B4-BE49-F238E27FC236}">
-                <a16:creationId xmlns:a16="http://schemas.microsoft.com/office/drawing/2014/main" id="{ECA05C46-77B4-4651-BC8F-733BFCEF04DB}"/>
+                <a16:creationId xmlns:a16="http://schemas.microsoft.com/office/drawing/2014/main" xmlns="" id="{ECA05C46-77B4-4651-BC8F-733BFCEF04DB}"/>
               </a:ext>
             </a:extLst>
           </p:cNvPr>
@@ -1912,7 +1912,7 @@
           <p:cNvPr id="3" name="テキスト プレースホルダー 2">
             <a:extLst>
               <a:ext uri="{FF2B5EF4-FFF2-40B4-BE49-F238E27FC236}">
-                <a16:creationId xmlns:a16="http://schemas.microsoft.com/office/drawing/2014/main" id="{E3CB018D-1DDD-4F9C-A80F-591F7E7E5F41}"/>
+                <a16:creationId xmlns:a16="http://schemas.microsoft.com/office/drawing/2014/main" xmlns="" id="{E3CB018D-1DDD-4F9C-A80F-591F7E7E5F41}"/>
               </a:ext>
             </a:extLst>
           </p:cNvPr>
@@ -1983,7 +1983,7 @@
           <p:cNvPr id="4" name="コンテンツ プレースホルダー 3">
             <a:extLst>
               <a:ext uri="{FF2B5EF4-FFF2-40B4-BE49-F238E27FC236}">
-                <a16:creationId xmlns:a16="http://schemas.microsoft.com/office/drawing/2014/main" id="{EB023278-17B8-4B30-AA04-8CFDBEC975F2}"/>
+                <a16:creationId xmlns:a16="http://schemas.microsoft.com/office/drawing/2014/main" xmlns="" id="{EB023278-17B8-4B30-AA04-8CFDBEC975F2}"/>
               </a:ext>
             </a:extLst>
           </p:cNvPr>
@@ -2077,7 +2077,7 @@
           <p:cNvPr id="5" name="テキスト プレースホルダー 4">
             <a:extLst>
               <a:ext uri="{FF2B5EF4-FFF2-40B4-BE49-F238E27FC236}">
-                <a16:creationId xmlns:a16="http://schemas.microsoft.com/office/drawing/2014/main" id="{345CA641-0370-4B2D-9973-1DDCFB26D1EF}"/>
+                <a16:creationId xmlns:a16="http://schemas.microsoft.com/office/drawing/2014/main" xmlns="" id="{345CA641-0370-4B2D-9973-1DDCFB26D1EF}"/>
               </a:ext>
             </a:extLst>
           </p:cNvPr>
@@ -2148,7 +2148,7 @@
           <p:cNvPr id="6" name="コンテンツ プレースホルダー 5">
             <a:extLst>
               <a:ext uri="{FF2B5EF4-FFF2-40B4-BE49-F238E27FC236}">
-                <a16:creationId xmlns:a16="http://schemas.microsoft.com/office/drawing/2014/main" id="{DFCCF5BA-C1F3-40DA-97AA-06BC60FC8941}"/>
+                <a16:creationId xmlns:a16="http://schemas.microsoft.com/office/drawing/2014/main" xmlns="" id="{DFCCF5BA-C1F3-40DA-97AA-06BC60FC8941}"/>
               </a:ext>
             </a:extLst>
           </p:cNvPr>
@@ -2242,7 +2242,7 @@
           <p:cNvPr id="7" name="日付プレースホルダー 6">
             <a:extLst>
               <a:ext uri="{FF2B5EF4-FFF2-40B4-BE49-F238E27FC236}">
-                <a16:creationId xmlns:a16="http://schemas.microsoft.com/office/drawing/2014/main" id="{0F1F3801-94A2-47C3-A798-39D20906A5D2}"/>
+                <a16:creationId xmlns:a16="http://schemas.microsoft.com/office/drawing/2014/main" xmlns="" id="{0F1F3801-94A2-47C3-A798-39D20906A5D2}"/>
               </a:ext>
             </a:extLst>
           </p:cNvPr>
@@ -2260,7 +2260,7 @@
           <a:p>
             <a:fld id="{B4878984-8C4B-40A8-B0FF-F35BB8548DFC}" type="datetimeFigureOut">
               <a:rPr kumimoji="1" lang="ja-JP" altLang="en-US" smtClean="0"/>
-              <a:t>2021/12/1</a:t>
+              <a:t>21/12/01</a:t>
             </a:fld>
             <a:endParaRPr kumimoji="1" lang="ja-JP" altLang="en-US"/>
           </a:p>
@@ -2271,7 +2271,7 @@
           <p:cNvPr id="8" name="フッター プレースホルダー 7">
             <a:extLst>
               <a:ext uri="{FF2B5EF4-FFF2-40B4-BE49-F238E27FC236}">
-                <a16:creationId xmlns:a16="http://schemas.microsoft.com/office/drawing/2014/main" id="{75083E6D-DF76-4E1D-BDBA-FADA76339ABF}"/>
+                <a16:creationId xmlns:a16="http://schemas.microsoft.com/office/drawing/2014/main" xmlns="" id="{75083E6D-DF76-4E1D-BDBA-FADA76339ABF}"/>
               </a:ext>
             </a:extLst>
           </p:cNvPr>
@@ -2296,7 +2296,7 @@
           <p:cNvPr id="9" name="スライド番号プレースホルダー 8">
             <a:extLst>
               <a:ext uri="{FF2B5EF4-FFF2-40B4-BE49-F238E27FC236}">
-                <a16:creationId xmlns:a16="http://schemas.microsoft.com/office/drawing/2014/main" id="{F5508D5E-D7D0-4BC3-BCCB-B4D88E3918A6}"/>
+                <a16:creationId xmlns:a16="http://schemas.microsoft.com/office/drawing/2014/main" xmlns="" id="{F5508D5E-D7D0-4BC3-BCCB-B4D88E3918A6}"/>
               </a:ext>
             </a:extLst>
           </p:cNvPr>
@@ -2355,7 +2355,7 @@
           <p:cNvPr id="2" name="タイトル 1">
             <a:extLst>
               <a:ext uri="{FF2B5EF4-FFF2-40B4-BE49-F238E27FC236}">
-                <a16:creationId xmlns:a16="http://schemas.microsoft.com/office/drawing/2014/main" id="{D0022A30-7902-4907-AEA6-47E1FE7EB16D}"/>
+                <a16:creationId xmlns:a16="http://schemas.microsoft.com/office/drawing/2014/main" xmlns="" id="{D0022A30-7902-4907-AEA6-47E1FE7EB16D}"/>
               </a:ext>
             </a:extLst>
           </p:cNvPr>
@@ -2383,7 +2383,7 @@
           <p:cNvPr id="3" name="日付プレースホルダー 2">
             <a:extLst>
               <a:ext uri="{FF2B5EF4-FFF2-40B4-BE49-F238E27FC236}">
-                <a16:creationId xmlns:a16="http://schemas.microsoft.com/office/drawing/2014/main" id="{4A02BBA6-1FC1-433A-9C51-8765BB1D995E}"/>
+                <a16:creationId xmlns:a16="http://schemas.microsoft.com/office/drawing/2014/main" xmlns="" id="{4A02BBA6-1FC1-433A-9C51-8765BB1D995E}"/>
               </a:ext>
             </a:extLst>
           </p:cNvPr>
@@ -2401,7 +2401,7 @@
           <a:p>
             <a:fld id="{B4878984-8C4B-40A8-B0FF-F35BB8548DFC}" type="datetimeFigureOut">
               <a:rPr kumimoji="1" lang="ja-JP" altLang="en-US" smtClean="0"/>
-              <a:t>2021/12/1</a:t>
+              <a:t>21/12/01</a:t>
             </a:fld>
             <a:endParaRPr kumimoji="1" lang="ja-JP" altLang="en-US"/>
           </a:p>
@@ -2412,7 +2412,7 @@
           <p:cNvPr id="4" name="フッター プレースホルダー 3">
             <a:extLst>
               <a:ext uri="{FF2B5EF4-FFF2-40B4-BE49-F238E27FC236}">
-                <a16:creationId xmlns:a16="http://schemas.microsoft.com/office/drawing/2014/main" id="{80B4FCF7-058A-42C6-82C1-D8EF18ABB37A}"/>
+                <a16:creationId xmlns:a16="http://schemas.microsoft.com/office/drawing/2014/main" xmlns="" id="{80B4FCF7-058A-42C6-82C1-D8EF18ABB37A}"/>
               </a:ext>
             </a:extLst>
           </p:cNvPr>
@@ -2437,7 +2437,7 @@
           <p:cNvPr id="5" name="スライド番号プレースホルダー 4">
             <a:extLst>
               <a:ext uri="{FF2B5EF4-FFF2-40B4-BE49-F238E27FC236}">
-                <a16:creationId xmlns:a16="http://schemas.microsoft.com/office/drawing/2014/main" id="{CAF8917D-BD2F-4D98-BD80-91065670BE8C}"/>
+                <a16:creationId xmlns:a16="http://schemas.microsoft.com/office/drawing/2014/main" xmlns="" id="{CAF8917D-BD2F-4D98-BD80-91065670BE8C}"/>
               </a:ext>
             </a:extLst>
           </p:cNvPr>
@@ -2496,7 +2496,7 @@
           <p:cNvPr id="2" name="日付プレースホルダー 1">
             <a:extLst>
               <a:ext uri="{FF2B5EF4-FFF2-40B4-BE49-F238E27FC236}">
-                <a16:creationId xmlns:a16="http://schemas.microsoft.com/office/drawing/2014/main" id="{42A30C48-5F5F-474F-B036-E63DB900A3C6}"/>
+                <a16:creationId xmlns:a16="http://schemas.microsoft.com/office/drawing/2014/main" xmlns="" id="{42A30C48-5F5F-474F-B036-E63DB900A3C6}"/>
               </a:ext>
             </a:extLst>
           </p:cNvPr>
@@ -2514,7 +2514,7 @@
           <a:p>
             <a:fld id="{B4878984-8C4B-40A8-B0FF-F35BB8548DFC}" type="datetimeFigureOut">
               <a:rPr kumimoji="1" lang="ja-JP" altLang="en-US" smtClean="0"/>
-              <a:t>2021/12/1</a:t>
+              <a:t>21/12/01</a:t>
             </a:fld>
             <a:endParaRPr kumimoji="1" lang="ja-JP" altLang="en-US"/>
           </a:p>
@@ -2525,7 +2525,7 @@
           <p:cNvPr id="3" name="フッター プレースホルダー 2">
             <a:extLst>
               <a:ext uri="{FF2B5EF4-FFF2-40B4-BE49-F238E27FC236}">
-                <a16:creationId xmlns:a16="http://schemas.microsoft.com/office/drawing/2014/main" id="{880E8B03-3FB4-42CF-BA77-77E8BB9E383D}"/>
+                <a16:creationId xmlns:a16="http://schemas.microsoft.com/office/drawing/2014/main" xmlns="" id="{880E8B03-3FB4-42CF-BA77-77E8BB9E383D}"/>
               </a:ext>
             </a:extLst>
           </p:cNvPr>
@@ -2550,7 +2550,7 @@
           <p:cNvPr id="4" name="スライド番号プレースホルダー 3">
             <a:extLst>
               <a:ext uri="{FF2B5EF4-FFF2-40B4-BE49-F238E27FC236}">
-                <a16:creationId xmlns:a16="http://schemas.microsoft.com/office/drawing/2014/main" id="{1FAD4921-ADAF-4D07-AF70-D4C33C82A12F}"/>
+                <a16:creationId xmlns:a16="http://schemas.microsoft.com/office/drawing/2014/main" xmlns="" id="{1FAD4921-ADAF-4D07-AF70-D4C33C82A12F}"/>
               </a:ext>
             </a:extLst>
           </p:cNvPr>
@@ -2609,7 +2609,7 @@
           <p:cNvPr id="2" name="タイトル 1">
             <a:extLst>
               <a:ext uri="{FF2B5EF4-FFF2-40B4-BE49-F238E27FC236}">
-                <a16:creationId xmlns:a16="http://schemas.microsoft.com/office/drawing/2014/main" id="{74D94455-9EFA-4E2F-90DC-4E2B5F07DCB8}"/>
+                <a16:creationId xmlns:a16="http://schemas.microsoft.com/office/drawing/2014/main" xmlns="" id="{74D94455-9EFA-4E2F-90DC-4E2B5F07DCB8}"/>
               </a:ext>
             </a:extLst>
           </p:cNvPr>
@@ -2646,7 +2646,7 @@
           <p:cNvPr id="3" name="コンテンツ プレースホルダー 2">
             <a:extLst>
               <a:ext uri="{FF2B5EF4-FFF2-40B4-BE49-F238E27FC236}">
-                <a16:creationId xmlns:a16="http://schemas.microsoft.com/office/drawing/2014/main" id="{8D15F46B-2B54-4EE4-A540-9919D90CBF6C}"/>
+                <a16:creationId xmlns:a16="http://schemas.microsoft.com/office/drawing/2014/main" xmlns="" id="{8D15F46B-2B54-4EE4-A540-9919D90CBF6C}"/>
               </a:ext>
             </a:extLst>
           </p:cNvPr>
@@ -2768,7 +2768,7 @@
           <p:cNvPr id="4" name="テキスト プレースホルダー 3">
             <a:extLst>
               <a:ext uri="{FF2B5EF4-FFF2-40B4-BE49-F238E27FC236}">
-                <a16:creationId xmlns:a16="http://schemas.microsoft.com/office/drawing/2014/main" id="{1E84B6CB-9B58-4835-AA68-9BA19B361C2A}"/>
+                <a16:creationId xmlns:a16="http://schemas.microsoft.com/office/drawing/2014/main" xmlns="" id="{1E84B6CB-9B58-4835-AA68-9BA19B361C2A}"/>
               </a:ext>
             </a:extLst>
           </p:cNvPr>
@@ -2839,7 +2839,7 @@
           <p:cNvPr id="5" name="日付プレースホルダー 4">
             <a:extLst>
               <a:ext uri="{FF2B5EF4-FFF2-40B4-BE49-F238E27FC236}">
-                <a16:creationId xmlns:a16="http://schemas.microsoft.com/office/drawing/2014/main" id="{83452D17-11F1-43D6-8CEB-344F3EAB800C}"/>
+                <a16:creationId xmlns:a16="http://schemas.microsoft.com/office/drawing/2014/main" xmlns="" id="{83452D17-11F1-43D6-8CEB-344F3EAB800C}"/>
               </a:ext>
             </a:extLst>
           </p:cNvPr>
@@ -2857,7 +2857,7 @@
           <a:p>
             <a:fld id="{B4878984-8C4B-40A8-B0FF-F35BB8548DFC}" type="datetimeFigureOut">
               <a:rPr kumimoji="1" lang="ja-JP" altLang="en-US" smtClean="0"/>
-              <a:t>2021/12/1</a:t>
+              <a:t>21/12/01</a:t>
             </a:fld>
             <a:endParaRPr kumimoji="1" lang="ja-JP" altLang="en-US"/>
           </a:p>
@@ -2868,7 +2868,7 @@
           <p:cNvPr id="6" name="フッター プレースホルダー 5">
             <a:extLst>
               <a:ext uri="{FF2B5EF4-FFF2-40B4-BE49-F238E27FC236}">
-                <a16:creationId xmlns:a16="http://schemas.microsoft.com/office/drawing/2014/main" id="{3DB491E2-F72C-43A5-BAF7-0623E2DDB7DD}"/>
+                <a16:creationId xmlns:a16="http://schemas.microsoft.com/office/drawing/2014/main" xmlns="" id="{3DB491E2-F72C-43A5-BAF7-0623E2DDB7DD}"/>
               </a:ext>
             </a:extLst>
           </p:cNvPr>
@@ -2893,7 +2893,7 @@
           <p:cNvPr id="7" name="スライド番号プレースホルダー 6">
             <a:extLst>
               <a:ext uri="{FF2B5EF4-FFF2-40B4-BE49-F238E27FC236}">
-                <a16:creationId xmlns:a16="http://schemas.microsoft.com/office/drawing/2014/main" id="{41A54B1E-5ABD-42CD-9D62-D809C39E06CD}"/>
+                <a16:creationId xmlns:a16="http://schemas.microsoft.com/office/drawing/2014/main" xmlns="" id="{41A54B1E-5ABD-42CD-9D62-D809C39E06CD}"/>
               </a:ext>
             </a:extLst>
           </p:cNvPr>
@@ -2952,7 +2952,7 @@
           <p:cNvPr id="2" name="タイトル 1">
             <a:extLst>
               <a:ext uri="{FF2B5EF4-FFF2-40B4-BE49-F238E27FC236}">
-                <a16:creationId xmlns:a16="http://schemas.microsoft.com/office/drawing/2014/main" id="{47D56391-AF7F-418F-8C0C-978A60A6102B}"/>
+                <a16:creationId xmlns:a16="http://schemas.microsoft.com/office/drawing/2014/main" xmlns="" id="{47D56391-AF7F-418F-8C0C-978A60A6102B}"/>
               </a:ext>
             </a:extLst>
           </p:cNvPr>
@@ -2989,7 +2989,7 @@
           <p:cNvPr id="3" name="図プレースホルダー 2">
             <a:extLst>
               <a:ext uri="{FF2B5EF4-FFF2-40B4-BE49-F238E27FC236}">
-                <a16:creationId xmlns:a16="http://schemas.microsoft.com/office/drawing/2014/main" id="{436ABB77-B38A-469D-9686-8774990C670A}"/>
+                <a16:creationId xmlns:a16="http://schemas.microsoft.com/office/drawing/2014/main" xmlns="" id="{436ABB77-B38A-469D-9686-8774990C670A}"/>
               </a:ext>
             </a:extLst>
           </p:cNvPr>
@@ -3056,7 +3056,7 @@
           <p:cNvPr id="4" name="テキスト プレースホルダー 3">
             <a:extLst>
               <a:ext uri="{FF2B5EF4-FFF2-40B4-BE49-F238E27FC236}">
-                <a16:creationId xmlns:a16="http://schemas.microsoft.com/office/drawing/2014/main" id="{0405797C-AD30-4FBA-8FB6-969AEA04C2BA}"/>
+                <a16:creationId xmlns:a16="http://schemas.microsoft.com/office/drawing/2014/main" xmlns="" id="{0405797C-AD30-4FBA-8FB6-969AEA04C2BA}"/>
               </a:ext>
             </a:extLst>
           </p:cNvPr>
@@ -3127,7 +3127,7 @@
           <p:cNvPr id="5" name="日付プレースホルダー 4">
             <a:extLst>
               <a:ext uri="{FF2B5EF4-FFF2-40B4-BE49-F238E27FC236}">
-                <a16:creationId xmlns:a16="http://schemas.microsoft.com/office/drawing/2014/main" id="{D0C5844D-036C-453D-9235-47BFCB7718CC}"/>
+                <a16:creationId xmlns:a16="http://schemas.microsoft.com/office/drawing/2014/main" xmlns="" id="{D0C5844D-036C-453D-9235-47BFCB7718CC}"/>
               </a:ext>
             </a:extLst>
           </p:cNvPr>
@@ -3145,7 +3145,7 @@
           <a:p>
             <a:fld id="{B4878984-8C4B-40A8-B0FF-F35BB8548DFC}" type="datetimeFigureOut">
               <a:rPr kumimoji="1" lang="ja-JP" altLang="en-US" smtClean="0"/>
-              <a:t>2021/12/1</a:t>
+              <a:t>21/12/01</a:t>
             </a:fld>
             <a:endParaRPr kumimoji="1" lang="ja-JP" altLang="en-US"/>
           </a:p>
@@ -3156,7 +3156,7 @@
           <p:cNvPr id="6" name="フッター プレースホルダー 5">
             <a:extLst>
               <a:ext uri="{FF2B5EF4-FFF2-40B4-BE49-F238E27FC236}">
-                <a16:creationId xmlns:a16="http://schemas.microsoft.com/office/drawing/2014/main" id="{D06E5795-CE48-4F3D-BEA4-5D06353058A0}"/>
+                <a16:creationId xmlns:a16="http://schemas.microsoft.com/office/drawing/2014/main" xmlns="" id="{D06E5795-CE48-4F3D-BEA4-5D06353058A0}"/>
               </a:ext>
             </a:extLst>
           </p:cNvPr>
@@ -3181,7 +3181,7 @@
           <p:cNvPr id="7" name="スライド番号プレースホルダー 6">
             <a:extLst>
               <a:ext uri="{FF2B5EF4-FFF2-40B4-BE49-F238E27FC236}">
-                <a16:creationId xmlns:a16="http://schemas.microsoft.com/office/drawing/2014/main" id="{7BA6995B-CC1B-4477-B173-8FC68CE60E6D}"/>
+                <a16:creationId xmlns:a16="http://schemas.microsoft.com/office/drawing/2014/main" xmlns="" id="{7BA6995B-CC1B-4477-B173-8FC68CE60E6D}"/>
               </a:ext>
             </a:extLst>
           </p:cNvPr>
@@ -3245,7 +3245,7 @@
           <p:cNvPr id="2" name="タイトル プレースホルダー 1">
             <a:extLst>
               <a:ext uri="{FF2B5EF4-FFF2-40B4-BE49-F238E27FC236}">
-                <a16:creationId xmlns:a16="http://schemas.microsoft.com/office/drawing/2014/main" id="{75D24954-F87B-47BE-B07A-A1A6FF3DF833}"/>
+                <a16:creationId xmlns:a16="http://schemas.microsoft.com/office/drawing/2014/main" xmlns="" id="{75D24954-F87B-47BE-B07A-A1A6FF3DF833}"/>
               </a:ext>
             </a:extLst>
           </p:cNvPr>
@@ -3283,7 +3283,7 @@
           <p:cNvPr id="3" name="テキスト プレースホルダー 2">
             <a:extLst>
               <a:ext uri="{FF2B5EF4-FFF2-40B4-BE49-F238E27FC236}">
-                <a16:creationId xmlns:a16="http://schemas.microsoft.com/office/drawing/2014/main" id="{514C8308-BDE3-4558-B429-50DCB25922E2}"/>
+                <a16:creationId xmlns:a16="http://schemas.microsoft.com/office/drawing/2014/main" xmlns="" id="{514C8308-BDE3-4558-B429-50DCB25922E2}"/>
               </a:ext>
             </a:extLst>
           </p:cNvPr>
@@ -3382,7 +3382,7 @@
           <p:cNvPr id="4" name="日付プレースホルダー 3">
             <a:extLst>
               <a:ext uri="{FF2B5EF4-FFF2-40B4-BE49-F238E27FC236}">
-                <a16:creationId xmlns:a16="http://schemas.microsoft.com/office/drawing/2014/main" id="{1A0492CB-4E03-4204-A26A-B14336A68096}"/>
+                <a16:creationId xmlns:a16="http://schemas.microsoft.com/office/drawing/2014/main" xmlns="" id="{1A0492CB-4E03-4204-A26A-B14336A68096}"/>
               </a:ext>
             </a:extLst>
           </p:cNvPr>
@@ -3418,7 +3418,7 @@
           <a:p>
             <a:fld id="{B4878984-8C4B-40A8-B0FF-F35BB8548DFC}" type="datetimeFigureOut">
               <a:rPr kumimoji="1" lang="ja-JP" altLang="en-US" smtClean="0"/>
-              <a:t>2021/12/1</a:t>
+              <a:t>21/12/01</a:t>
             </a:fld>
             <a:endParaRPr kumimoji="1" lang="ja-JP" altLang="en-US"/>
           </a:p>
@@ -3429,7 +3429,7 @@
           <p:cNvPr id="5" name="フッター プレースホルダー 4">
             <a:extLst>
               <a:ext uri="{FF2B5EF4-FFF2-40B4-BE49-F238E27FC236}">
-                <a16:creationId xmlns:a16="http://schemas.microsoft.com/office/drawing/2014/main" id="{B483254D-F15A-4BF6-9D18-92AE6192F88C}"/>
+                <a16:creationId xmlns:a16="http://schemas.microsoft.com/office/drawing/2014/main" xmlns="" id="{B483254D-F15A-4BF6-9D18-92AE6192F88C}"/>
               </a:ext>
             </a:extLst>
           </p:cNvPr>
@@ -3472,7 +3472,7 @@
           <p:cNvPr id="6" name="スライド番号プレースホルダー 5">
             <a:extLst>
               <a:ext uri="{FF2B5EF4-FFF2-40B4-BE49-F238E27FC236}">
-                <a16:creationId xmlns:a16="http://schemas.microsoft.com/office/drawing/2014/main" id="{A5883DE0-25E3-4A05-ABD8-9A1EBFF40C40}"/>
+                <a16:creationId xmlns:a16="http://schemas.microsoft.com/office/drawing/2014/main" xmlns="" id="{A5883DE0-25E3-4A05-ABD8-9A1EBFF40C40}"/>
               </a:ext>
             </a:extLst>
           </p:cNvPr>
@@ -3840,7 +3840,7 @@
           <p:cNvPr id="4" name="Rectangle 9">
             <a:extLst>
               <a:ext uri="{FF2B5EF4-FFF2-40B4-BE49-F238E27FC236}">
-                <a16:creationId xmlns:a16="http://schemas.microsoft.com/office/drawing/2014/main" id="{4295C3B8-6482-404E-99F4-35A8E055AA70}"/>
+                <a16:creationId xmlns:a16="http://schemas.microsoft.com/office/drawing/2014/main" xmlns="" id="{4295C3B8-6482-404E-99F4-35A8E055AA70}"/>
               </a:ext>
             </a:extLst>
           </p:cNvPr>
@@ -3850,7 +3850,7 @@
         <p:spPr>
           <a:xfrm>
             <a:off x="1031875" y="966788"/>
-            <a:ext cx="6134099" cy="4310062"/>
+            <a:ext cx="7985125" cy="5668962"/>
           </a:xfrm>
           <a:prstGeom prst="rect">
             <a:avLst/>
@@ -3882,13 +3882,7 @@
           <a:bodyPr lIns="502920" tIns="91440"/>
           <a:lstStyle/>
           <a:p>
-            <a:pPr eaLnBrk="1" fontAlgn="auto" hangingPunct="1">
-              <a:spcBef>
-                <a:spcPts val="0"/>
-              </a:spcBef>
-              <a:spcAft>
-                <a:spcPts val="0"/>
-              </a:spcAft>
+            <a:pPr>
               <a:defRPr/>
             </a:pPr>
             <a:r>
@@ -3922,7 +3916,7 @@
               <a:t>Region</a:t>
             </a:r>
             <a:r>
-              <a:rPr lang="ja-JP" altLang="en-US" sz="1200" dirty="0">
+              <a:rPr lang="ja-JP" altLang="en-US" sz="1200" dirty="0" smtClean="0">
                 <a:solidFill>
                   <a:sysClr val="windowText" lastClr="000000"/>
                 </a:solidFill>
@@ -3930,6 +3924,16 @@
                 <a:cs typeface="Arial" panose="020B0604020202020204" pitchFamily="34" charset="0"/>
               </a:rPr>
               <a:t>）</a:t>
+            </a:r>
+            <a:r>
+              <a:rPr lang="en-US" altLang="ja-JP" sz="1200" dirty="0" smtClean="0">
+                <a:solidFill>
+                  <a:sysClr val="windowText" lastClr="000000"/>
+                </a:solidFill>
+                <a:latin typeface="Arial" panose="020B0604020202020204" pitchFamily="34" charset="0"/>
+                <a:cs typeface="Arial" panose="020B0604020202020204" pitchFamily="34" charset="0"/>
+              </a:rPr>
+              <a:t> </a:t>
             </a:r>
             <a:endParaRPr lang="en-US" sz="1200" dirty="0">
               <a:solidFill>
@@ -3946,7 +3950,7 @@
           <p:cNvPr id="5" name="Graphic 35">
             <a:extLst>
               <a:ext uri="{FF2B5EF4-FFF2-40B4-BE49-F238E27FC236}">
-                <a16:creationId xmlns:a16="http://schemas.microsoft.com/office/drawing/2014/main" id="{BE9CBDEA-CB17-4E7F-BA84-4B06ADEF1A41}"/>
+                <a16:creationId xmlns:a16="http://schemas.microsoft.com/office/drawing/2014/main" xmlns="" id="{BE9CBDEA-CB17-4E7F-BA84-4B06ADEF1A41}"/>
               </a:ext>
             </a:extLst>
           </p:cNvPr>
@@ -3959,7 +3963,7 @@
           <a:blip r:embed="rId2">
             <a:extLst>
               <a:ext uri="{96DAC541-7B7A-43D3-8B79-37D633B846F1}">
-                <asvg:svgBlip xmlns:asvg="http://schemas.microsoft.com/office/drawing/2016/SVG/main" r:embed="rId3"/>
+                <asvg:svgBlip xmlns:asvg="http://schemas.microsoft.com/office/drawing/2016/SVG/main" xmlns="" r:embed="rId3"/>
               </a:ext>
             </a:extLst>
           </a:blip>
@@ -3981,7 +3985,7 @@
           <p:cNvPr id="6" name="Rectangle 6">
             <a:extLst>
               <a:ext uri="{FF2B5EF4-FFF2-40B4-BE49-F238E27FC236}">
-                <a16:creationId xmlns:a16="http://schemas.microsoft.com/office/drawing/2014/main" id="{191DCA50-1A69-478A-9A56-DDC7E7CBAF0C}"/>
+                <a16:creationId xmlns:a16="http://schemas.microsoft.com/office/drawing/2014/main" xmlns="" id="{191DCA50-1A69-478A-9A56-DDC7E7CBAF0C}"/>
               </a:ext>
             </a:extLst>
           </p:cNvPr>
@@ -3991,7 +3995,7 @@
         <p:spPr>
           <a:xfrm>
             <a:off x="1236662" y="1446215"/>
-            <a:ext cx="4430713" cy="3725859"/>
+            <a:ext cx="5875338" cy="5014910"/>
           </a:xfrm>
           <a:prstGeom prst="rect">
             <a:avLst/>
@@ -4051,7 +4055,7 @@
           <p:cNvPr id="7" name="Graphic 16">
             <a:extLst>
               <a:ext uri="{FF2B5EF4-FFF2-40B4-BE49-F238E27FC236}">
-                <a16:creationId xmlns:a16="http://schemas.microsoft.com/office/drawing/2014/main" id="{A9BC719B-4708-4E9B-B744-A5E236634215}"/>
+                <a16:creationId xmlns:a16="http://schemas.microsoft.com/office/drawing/2014/main" xmlns="" id="{A9BC719B-4708-4E9B-B744-A5E236634215}"/>
               </a:ext>
             </a:extLst>
           </p:cNvPr>
@@ -4064,7 +4068,7 @@
           <a:blip r:embed="rId4">
             <a:extLst>
               <a:ext uri="{96DAC541-7B7A-43D3-8B79-37D633B846F1}">
-                <asvg:svgBlip xmlns:asvg="http://schemas.microsoft.com/office/drawing/2016/SVG/main" r:embed="rId5"/>
+                <asvg:svgBlip xmlns:asvg="http://schemas.microsoft.com/office/drawing/2016/SVG/main" xmlns="" r:embed="rId5"/>
               </a:ext>
             </a:extLst>
           </a:blip>
@@ -4087,7 +4091,7 @@
           <p:cNvPr id="8" name="Rectangle 8">
             <a:extLst>
               <a:ext uri="{FF2B5EF4-FFF2-40B4-BE49-F238E27FC236}">
-                <a16:creationId xmlns:a16="http://schemas.microsoft.com/office/drawing/2014/main" id="{7A1E5D32-03B1-4D55-A50A-54CB474E70E7}"/>
+                <a16:creationId xmlns:a16="http://schemas.microsoft.com/office/drawing/2014/main" xmlns="" id="{7A1E5D32-03B1-4D55-A50A-54CB474E70E7}"/>
               </a:ext>
             </a:extLst>
           </p:cNvPr>
@@ -4097,7 +4101,7 @@
         <p:spPr>
           <a:xfrm>
             <a:off x="246062" y="590550"/>
-            <a:ext cx="7088187" cy="4924425"/>
+            <a:ext cx="8993188" cy="6156325"/>
           </a:xfrm>
           <a:prstGeom prst="rect">
             <a:avLst/>
@@ -4164,10 +4168,10 @@
       </p:sp>
       <p:sp>
         <p:nvSpPr>
-          <p:cNvPr id="10" name="Rectangle 7">
-            <a:extLst>
-              <a:ext uri="{FF2B5EF4-FFF2-40B4-BE49-F238E27FC236}">
-                <a16:creationId xmlns:a16="http://schemas.microsoft.com/office/drawing/2014/main" id="{0FE6B552-3063-4AA7-857A-DDA653017754}"/>
+          <p:cNvPr id="11" name="Rectangle 32">
+            <a:extLst>
+              <a:ext uri="{FF2B5EF4-FFF2-40B4-BE49-F238E27FC236}">
+                <a16:creationId xmlns:a16="http://schemas.microsoft.com/office/drawing/2014/main" xmlns="" id="{D3710B63-20A0-4DFF-B07F-A55930E924F1}"/>
               </a:ext>
             </a:extLst>
           </p:cNvPr>
@@ -4176,7 +4180,1403 @@
         </p:nvSpPr>
         <p:spPr>
           <a:xfrm>
-            <a:off x="2230157" y="3851757"/>
+            <a:off x="2230156" y="2528537"/>
+            <a:ext cx="2268969" cy="1598963"/>
+          </a:xfrm>
+          <a:prstGeom prst="rect">
+            <a:avLst/>
+          </a:prstGeom>
+          <a:solidFill>
+            <a:srgbClr val="1D8900">
+              <a:alpha val="9804"/>
+            </a:srgbClr>
+          </a:solidFill>
+          <a:ln w="12700">
+            <a:noFill/>
+            <a:prstDash val="dash"/>
+          </a:ln>
+        </p:spPr>
+        <p:style>
+          <a:lnRef idx="2">
+            <a:schemeClr val="accent1">
+              <a:shade val="50000"/>
+            </a:schemeClr>
+          </a:lnRef>
+          <a:fillRef idx="1">
+            <a:schemeClr val="accent1"/>
+          </a:fillRef>
+          <a:effectRef idx="0">
+            <a:schemeClr val="accent1"/>
+          </a:effectRef>
+          <a:fontRef idx="minor">
+            <a:schemeClr val="lt1"/>
+          </a:fontRef>
+        </p:style>
+        <p:txBody>
+          <a:bodyPr lIns="502920"/>
+          <a:lstStyle/>
+          <a:p>
+            <a:pPr eaLnBrk="1" fontAlgn="auto" hangingPunct="1">
+              <a:spcBef>
+                <a:spcPts val="0"/>
+              </a:spcBef>
+              <a:spcAft>
+                <a:spcPts val="0"/>
+              </a:spcAft>
+              <a:defRPr/>
+            </a:pPr>
+            <a:r>
+              <a:rPr lang="en-US" sz="1200" dirty="0">
+                <a:solidFill>
+                  <a:srgbClr val="1E8900"/>
+                </a:solidFill>
+                <a:latin typeface="Arial" panose="020B0604020202020204" pitchFamily="34" charset="0"/>
+                <a:cs typeface="Arial" panose="020B0604020202020204" pitchFamily="34" charset="0"/>
+              </a:rPr>
+              <a:t>Public subnet</a:t>
+            </a:r>
+          </a:p>
+        </p:txBody>
+      </p:sp>
+      <p:pic>
+        <p:nvPicPr>
+          <p:cNvPr id="12" name="Graphic 19">
+            <a:extLst>
+              <a:ext uri="{FF2B5EF4-FFF2-40B4-BE49-F238E27FC236}">
+                <a16:creationId xmlns:a16="http://schemas.microsoft.com/office/drawing/2014/main" xmlns="" id="{66CE35C2-3FFB-43A6-B0E0-1809C707DA04}"/>
+              </a:ext>
+            </a:extLst>
+          </p:cNvPr>
+          <p:cNvPicPr>
+            <a:picLocks noChangeAspect="1"/>
+          </p:cNvPicPr>
+          <p:nvPr/>
+        </p:nvPicPr>
+        <p:blipFill>
+          <a:blip r:embed="rId6">
+            <a:extLst>
+              <a:ext uri="{96DAC541-7B7A-43D3-8B79-37D633B846F1}">
+                <asvg:svgBlip xmlns:asvg="http://schemas.microsoft.com/office/drawing/2016/SVG/main" xmlns="" r:embed="rId7"/>
+              </a:ext>
+            </a:extLst>
+          </a:blip>
+          <a:stretch>
+            <a:fillRect/>
+          </a:stretch>
+        </p:blipFill>
+        <p:spPr>
+          <a:xfrm>
+            <a:off x="2230792" y="2530126"/>
+            <a:ext cx="381000" cy="381000"/>
+          </a:xfrm>
+          <a:prstGeom prst="rect">
+            <a:avLst/>
+          </a:prstGeom>
+        </p:spPr>
+      </p:pic>
+      <p:sp>
+        <p:nvSpPr>
+          <p:cNvPr id="14" name="Rectangle 31">
+            <a:extLst>
+              <a:ext uri="{FF2B5EF4-FFF2-40B4-BE49-F238E27FC236}">
+                <a16:creationId xmlns:a16="http://schemas.microsoft.com/office/drawing/2014/main" xmlns="" id="{C5F97327-AD16-4CCB-9D4D-9539C0A61124}"/>
+              </a:ext>
+            </a:extLst>
+          </p:cNvPr>
+          <p:cNvSpPr/>
+          <p:nvPr/>
+        </p:nvSpPr>
+        <p:spPr>
+          <a:xfrm>
+            <a:off x="1748987" y="1968529"/>
+            <a:ext cx="5156638" cy="4048096"/>
+          </a:xfrm>
+          <a:prstGeom prst="rect">
+            <a:avLst/>
+          </a:prstGeom>
+          <a:noFill/>
+          <a:ln w="12700">
+            <a:solidFill>
+              <a:srgbClr val="D86613"/>
+            </a:solidFill>
+          </a:ln>
+        </p:spPr>
+        <p:style>
+          <a:lnRef idx="2">
+            <a:schemeClr val="accent1">
+              <a:shade val="50000"/>
+            </a:schemeClr>
+          </a:lnRef>
+          <a:fillRef idx="1">
+            <a:schemeClr val="accent1"/>
+          </a:fillRef>
+          <a:effectRef idx="0">
+            <a:schemeClr val="accent1"/>
+          </a:effectRef>
+          <a:fontRef idx="minor">
+            <a:schemeClr val="lt1"/>
+          </a:fontRef>
+        </p:style>
+        <p:txBody>
+          <a:bodyPr lIns="502920" tIns="91440"/>
+          <a:lstStyle/>
+          <a:p>
+            <a:pPr eaLnBrk="1" fontAlgn="auto" hangingPunct="1">
+              <a:spcBef>
+                <a:spcPts val="0"/>
+              </a:spcBef>
+              <a:spcAft>
+                <a:spcPts val="0"/>
+              </a:spcAft>
+              <a:defRPr/>
+            </a:pPr>
+            <a:r>
+              <a:rPr lang="en-US" sz="1200" dirty="0">
+                <a:ln w="0"/>
+                <a:solidFill>
+                  <a:srgbClr val="D86613"/>
+                </a:solidFill>
+                <a:latin typeface="Arial" panose="020B0604020202020204" pitchFamily="34" charset="0"/>
+                <a:cs typeface="Arial" panose="020B0604020202020204" pitchFamily="34" charset="0"/>
+              </a:rPr>
+              <a:t>EC2 instance </a:t>
+            </a:r>
+            <a:r>
+              <a:rPr lang="en-US" sz="1200" dirty="0" smtClean="0">
+                <a:ln w="0"/>
+                <a:solidFill>
+                  <a:srgbClr val="D86613"/>
+                </a:solidFill>
+                <a:latin typeface="Arial" panose="020B0604020202020204" pitchFamily="34" charset="0"/>
+                <a:cs typeface="Arial" panose="020B0604020202020204" pitchFamily="34" charset="0"/>
+              </a:rPr>
+              <a:t>contents</a:t>
+            </a:r>
+            <a:r>
+              <a:rPr lang="en-US" sz="1200" dirty="0" smtClean="0">
+                <a:ln w="0"/>
+                <a:solidFill>
+                  <a:srgbClr val="D86613"/>
+                </a:solidFill>
+                <a:latin typeface="Arial" panose="020B0604020202020204" pitchFamily="34" charset="0"/>
+                <a:cs typeface="Arial" panose="020B0604020202020204" pitchFamily="34" charset="0"/>
+              </a:rPr>
+              <a:t> (Linux)</a:t>
+            </a:r>
+            <a:endParaRPr lang="en-US" sz="1200" dirty="0">
+              <a:ln w="0"/>
+              <a:solidFill>
+                <a:srgbClr val="D86613"/>
+              </a:solidFill>
+              <a:latin typeface="Arial" panose="020B0604020202020204" pitchFamily="34" charset="0"/>
+              <a:cs typeface="Arial" panose="020B0604020202020204" pitchFamily="34" charset="0"/>
+            </a:endParaRPr>
+          </a:p>
+        </p:txBody>
+      </p:sp>
+      <p:pic>
+        <p:nvPicPr>
+          <p:cNvPr id="15" name="Graphic 39">
+            <a:extLst>
+              <a:ext uri="{FF2B5EF4-FFF2-40B4-BE49-F238E27FC236}">
+                <a16:creationId xmlns:a16="http://schemas.microsoft.com/office/drawing/2014/main" xmlns="" id="{D7DA1D9B-96F1-4AA6-B1C2-FB68274BE38F}"/>
+              </a:ext>
+            </a:extLst>
+          </p:cNvPr>
+          <p:cNvPicPr>
+            <a:picLocks noChangeAspect="1"/>
+          </p:cNvPicPr>
+          <p:nvPr/>
+        </p:nvPicPr>
+        <p:blipFill>
+          <a:blip r:embed="rId8">
+            <a:extLst>
+              <a:ext uri="{96DAC541-7B7A-43D3-8B79-37D633B846F1}">
+                <asvg:svgBlip xmlns:asvg="http://schemas.microsoft.com/office/drawing/2016/SVG/main" xmlns="" r:embed="rId11"/>
+              </a:ext>
+            </a:extLst>
+          </a:blip>
+          <a:stretch>
+            <a:fillRect/>
+          </a:stretch>
+        </p:blipFill>
+        <p:spPr>
+          <a:xfrm>
+            <a:off x="1748987" y="1968529"/>
+            <a:ext cx="381000" cy="381000"/>
+          </a:xfrm>
+          <a:prstGeom prst="rect">
+            <a:avLst/>
+          </a:prstGeom>
+        </p:spPr>
+      </p:pic>
+      <p:sp>
+        <p:nvSpPr>
+          <p:cNvPr id="16" name="Rectangle 30">
+            <a:extLst>
+              <a:ext uri="{FF2B5EF4-FFF2-40B4-BE49-F238E27FC236}">
+                <a16:creationId xmlns:a16="http://schemas.microsoft.com/office/drawing/2014/main" xmlns="" id="{DD71A436-7CFE-4AAB-9C07-FBAD9AE23C01}"/>
+              </a:ext>
+            </a:extLst>
+          </p:cNvPr>
+          <p:cNvSpPr/>
+          <p:nvPr/>
+        </p:nvSpPr>
+        <p:spPr>
+          <a:xfrm>
+            <a:off x="2230158" y="2256267"/>
+            <a:ext cx="2273140" cy="1918858"/>
+          </a:xfrm>
+          <a:prstGeom prst="rect">
+            <a:avLst/>
+          </a:prstGeom>
+          <a:noFill/>
+          <a:ln w="12700">
+            <a:solidFill>
+              <a:srgbClr val="DF3312"/>
+            </a:solidFill>
+          </a:ln>
+        </p:spPr>
+        <p:style>
+          <a:lnRef idx="2">
+            <a:schemeClr val="accent1">
+              <a:shade val="50000"/>
+            </a:schemeClr>
+          </a:lnRef>
+          <a:fillRef idx="1">
+            <a:schemeClr val="accent1"/>
+          </a:fillRef>
+          <a:effectRef idx="0">
+            <a:schemeClr val="accent1"/>
+          </a:effectRef>
+          <a:fontRef idx="minor">
+            <a:schemeClr val="lt1"/>
+          </a:fontRef>
+        </p:style>
+        <p:txBody>
+          <a:bodyPr tIns="91440" anchorCtr="1"/>
+          <a:lstStyle/>
+          <a:p>
+            <a:pPr lvl="1">
+              <a:defRPr/>
+            </a:pPr>
+            <a:r>
+              <a:rPr lang="en-US" sz="1200" dirty="0">
+                <a:solidFill>
+                  <a:srgbClr val="DF3312"/>
+                </a:solidFill>
+                <a:latin typeface="Arial" panose="020B0604020202020204" pitchFamily="34" charset="0"/>
+                <a:cs typeface="Arial" panose="020B0604020202020204" pitchFamily="34" charset="0"/>
+              </a:rPr>
+              <a:t>Security group</a:t>
+            </a:r>
+            <a:r>
+              <a:rPr lang="ja-JP" altLang="en-US" sz="1200" dirty="0">
+                <a:solidFill>
+                  <a:srgbClr val="DF3312"/>
+                </a:solidFill>
+                <a:latin typeface="Arial" panose="020B0604020202020204" pitchFamily="34" charset="0"/>
+                <a:cs typeface="Arial" panose="020B0604020202020204" pitchFamily="34" charset="0"/>
+              </a:rPr>
+              <a:t>①</a:t>
+            </a:r>
+            <a:endParaRPr lang="en-US" sz="1200" dirty="0">
+              <a:solidFill>
+                <a:srgbClr val="DF3312"/>
+              </a:solidFill>
+              <a:latin typeface="Arial" panose="020B0604020202020204" pitchFamily="34" charset="0"/>
+              <a:cs typeface="Arial" panose="020B0604020202020204" pitchFamily="34" charset="0"/>
+            </a:endParaRPr>
+          </a:p>
+        </p:txBody>
+      </p:sp>
+      <p:sp>
+        <p:nvSpPr>
+          <p:cNvPr id="25" name="TextBox 14">
+            <a:extLst>
+              <a:ext uri="{FF2B5EF4-FFF2-40B4-BE49-F238E27FC236}">
+                <a16:creationId xmlns:a16="http://schemas.microsoft.com/office/drawing/2014/main" xmlns="" id="{8F4D03D2-03C5-48D3-ABA5-BBA46444155F}"/>
+              </a:ext>
+            </a:extLst>
+          </p:cNvPr>
+          <p:cNvSpPr txBox="1">
+            <a:spLocks noChangeArrowheads="1"/>
+          </p:cNvSpPr>
+          <p:nvPr/>
+        </p:nvSpPr>
+        <p:spPr bwMode="auto">
+          <a:xfrm>
+            <a:off x="3108044" y="3898349"/>
+            <a:ext cx="2006600" cy="246063"/>
+          </a:xfrm>
+          <a:prstGeom prst="rect">
+            <a:avLst/>
+          </a:prstGeom>
+          <a:noFill/>
+          <a:ln>
+            <a:noFill/>
+          </a:ln>
+          <a:extLst>
+            <a:ext uri="{909E8E84-426E-40dd-AFC4-6F175D3DCCD1}">
+              <a14:hiddenFill xmlns:a14="http://schemas.microsoft.com/office/drawing/2010/main">
+                <a:solidFill>
+                  <a:srgbClr val="FFFFFF"/>
+                </a:solidFill>
+              </a14:hiddenFill>
+            </a:ext>
+            <a:ext uri="{91240B29-F687-4f45-9708-019B960494DF}">
+              <a14:hiddenLine xmlns:a14="http://schemas.microsoft.com/office/drawing/2010/main" w="9525">
+                <a:solidFill>
+                  <a:srgbClr val="000000"/>
+                </a:solidFill>
+                <a:miter lim="800000"/>
+                <a:headEnd/>
+                <a:tailEnd/>
+              </a14:hiddenLine>
+            </a:ext>
+          </a:extLst>
+        </p:spPr>
+        <p:txBody>
+          <a:bodyPr>
+            <a:spAutoFit/>
+          </a:bodyPr>
+          <a:lstStyle>
+            <a:lvl1pPr>
+              <a:defRPr>
+                <a:solidFill>
+                  <a:schemeClr val="tx1"/>
+                </a:solidFill>
+                <a:latin typeface="Calibri" panose="020F0502020204030204" pitchFamily="34" charset="0"/>
+              </a:defRPr>
+            </a:lvl1pPr>
+            <a:lvl2pPr marL="742950" indent="-285750">
+              <a:defRPr>
+                <a:solidFill>
+                  <a:schemeClr val="tx1"/>
+                </a:solidFill>
+                <a:latin typeface="Calibri" panose="020F0502020204030204" pitchFamily="34" charset="0"/>
+              </a:defRPr>
+            </a:lvl2pPr>
+            <a:lvl3pPr marL="1143000" indent="-228600">
+              <a:defRPr>
+                <a:solidFill>
+                  <a:schemeClr val="tx1"/>
+                </a:solidFill>
+                <a:latin typeface="Calibri" panose="020F0502020204030204" pitchFamily="34" charset="0"/>
+              </a:defRPr>
+            </a:lvl3pPr>
+            <a:lvl4pPr marL="1600200" indent="-228600">
+              <a:defRPr>
+                <a:solidFill>
+                  <a:schemeClr val="tx1"/>
+                </a:solidFill>
+                <a:latin typeface="Calibri" panose="020F0502020204030204" pitchFamily="34" charset="0"/>
+              </a:defRPr>
+            </a:lvl4pPr>
+            <a:lvl5pPr marL="2057400" indent="-228600">
+              <a:defRPr>
+                <a:solidFill>
+                  <a:schemeClr val="tx1"/>
+                </a:solidFill>
+                <a:latin typeface="Calibri" panose="020F0502020204030204" pitchFamily="34" charset="0"/>
+              </a:defRPr>
+            </a:lvl5pPr>
+            <a:lvl6pPr marL="2514600" indent="-228600" eaLnBrk="0" fontAlgn="base" hangingPunct="0">
+              <a:spcBef>
+                <a:spcPct val="0"/>
+              </a:spcBef>
+              <a:spcAft>
+                <a:spcPct val="0"/>
+              </a:spcAft>
+              <a:defRPr>
+                <a:solidFill>
+                  <a:schemeClr val="tx1"/>
+                </a:solidFill>
+                <a:latin typeface="Calibri" panose="020F0502020204030204" pitchFamily="34" charset="0"/>
+              </a:defRPr>
+            </a:lvl6pPr>
+            <a:lvl7pPr marL="2971800" indent="-228600" eaLnBrk="0" fontAlgn="base" hangingPunct="0">
+              <a:spcBef>
+                <a:spcPct val="0"/>
+              </a:spcBef>
+              <a:spcAft>
+                <a:spcPct val="0"/>
+              </a:spcAft>
+              <a:defRPr>
+                <a:solidFill>
+                  <a:schemeClr val="tx1"/>
+                </a:solidFill>
+                <a:latin typeface="Calibri" panose="020F0502020204030204" pitchFamily="34" charset="0"/>
+              </a:defRPr>
+            </a:lvl7pPr>
+            <a:lvl8pPr marL="3429000" indent="-228600" eaLnBrk="0" fontAlgn="base" hangingPunct="0">
+              <a:spcBef>
+                <a:spcPct val="0"/>
+              </a:spcBef>
+              <a:spcAft>
+                <a:spcPct val="0"/>
+              </a:spcAft>
+              <a:defRPr>
+                <a:solidFill>
+                  <a:schemeClr val="tx1"/>
+                </a:solidFill>
+                <a:latin typeface="Calibri" panose="020F0502020204030204" pitchFamily="34" charset="0"/>
+              </a:defRPr>
+            </a:lvl8pPr>
+            <a:lvl9pPr marL="3886200" indent="-228600" eaLnBrk="0" fontAlgn="base" hangingPunct="0">
+              <a:spcBef>
+                <a:spcPct val="0"/>
+              </a:spcBef>
+              <a:spcAft>
+                <a:spcPct val="0"/>
+              </a:spcAft>
+              <a:defRPr>
+                <a:solidFill>
+                  <a:schemeClr val="tx1"/>
+                </a:solidFill>
+                <a:latin typeface="Calibri" panose="020F0502020204030204" pitchFamily="34" charset="0"/>
+              </a:defRPr>
+            </a:lvl9pPr>
+          </a:lstStyle>
+          <a:p>
+            <a:pPr algn="ctr" eaLnBrk="1" hangingPunct="1"/>
+            <a:r>
+              <a:rPr lang="en-US" altLang="en-US" sz="1000" dirty="0">
+                <a:solidFill>
+                  <a:srgbClr val="1E8900"/>
+                </a:solidFill>
+                <a:latin typeface="Arial" panose="020B0604020202020204" pitchFamily="34" charset="0"/>
+                <a:cs typeface="Arial" panose="020B0604020202020204" pitchFamily="34" charset="0"/>
+              </a:rPr>
+              <a:t>10.0.10.0/24</a:t>
+            </a:r>
+          </a:p>
+        </p:txBody>
+      </p:sp>
+      <p:sp>
+        <p:nvSpPr>
+          <p:cNvPr id="26" name="TextBox 14">
+            <a:extLst>
+              <a:ext uri="{FF2B5EF4-FFF2-40B4-BE49-F238E27FC236}">
+                <a16:creationId xmlns:a16="http://schemas.microsoft.com/office/drawing/2014/main" xmlns="" id="{8B156ADA-131D-4161-9A4E-52788D50349E}"/>
+              </a:ext>
+            </a:extLst>
+          </p:cNvPr>
+          <p:cNvSpPr txBox="1">
+            <a:spLocks noChangeArrowheads="1"/>
+          </p:cNvSpPr>
+          <p:nvPr/>
+        </p:nvSpPr>
+        <p:spPr bwMode="auto">
+          <a:xfrm>
+            <a:off x="3108044" y="5496554"/>
+            <a:ext cx="2006600" cy="246063"/>
+          </a:xfrm>
+          <a:prstGeom prst="rect">
+            <a:avLst/>
+          </a:prstGeom>
+          <a:noFill/>
+          <a:ln>
+            <a:noFill/>
+          </a:ln>
+          <a:extLst>
+            <a:ext uri="{909E8E84-426E-40dd-AFC4-6F175D3DCCD1}">
+              <a14:hiddenFill xmlns:a14="http://schemas.microsoft.com/office/drawing/2010/main">
+                <a:solidFill>
+                  <a:srgbClr val="FFFFFF"/>
+                </a:solidFill>
+              </a14:hiddenFill>
+            </a:ext>
+            <a:ext uri="{91240B29-F687-4f45-9708-019B960494DF}">
+              <a14:hiddenLine xmlns:a14="http://schemas.microsoft.com/office/drawing/2010/main" w="9525">
+                <a:solidFill>
+                  <a:srgbClr val="000000"/>
+                </a:solidFill>
+                <a:miter lim="800000"/>
+                <a:headEnd/>
+                <a:tailEnd/>
+              </a14:hiddenLine>
+            </a:ext>
+          </a:extLst>
+        </p:spPr>
+        <p:txBody>
+          <a:bodyPr>
+            <a:spAutoFit/>
+          </a:bodyPr>
+          <a:lstStyle>
+            <a:lvl1pPr>
+              <a:defRPr>
+                <a:solidFill>
+                  <a:schemeClr val="tx1"/>
+                </a:solidFill>
+                <a:latin typeface="Calibri" panose="020F0502020204030204" pitchFamily="34" charset="0"/>
+              </a:defRPr>
+            </a:lvl1pPr>
+            <a:lvl2pPr marL="742950" indent="-285750">
+              <a:defRPr>
+                <a:solidFill>
+                  <a:schemeClr val="tx1"/>
+                </a:solidFill>
+                <a:latin typeface="Calibri" panose="020F0502020204030204" pitchFamily="34" charset="0"/>
+              </a:defRPr>
+            </a:lvl2pPr>
+            <a:lvl3pPr marL="1143000" indent="-228600">
+              <a:defRPr>
+                <a:solidFill>
+                  <a:schemeClr val="tx1"/>
+                </a:solidFill>
+                <a:latin typeface="Calibri" panose="020F0502020204030204" pitchFamily="34" charset="0"/>
+              </a:defRPr>
+            </a:lvl3pPr>
+            <a:lvl4pPr marL="1600200" indent="-228600">
+              <a:defRPr>
+                <a:solidFill>
+                  <a:schemeClr val="tx1"/>
+                </a:solidFill>
+                <a:latin typeface="Calibri" panose="020F0502020204030204" pitchFamily="34" charset="0"/>
+              </a:defRPr>
+            </a:lvl4pPr>
+            <a:lvl5pPr marL="2057400" indent="-228600">
+              <a:defRPr>
+                <a:solidFill>
+                  <a:schemeClr val="tx1"/>
+                </a:solidFill>
+                <a:latin typeface="Calibri" panose="020F0502020204030204" pitchFamily="34" charset="0"/>
+              </a:defRPr>
+            </a:lvl5pPr>
+            <a:lvl6pPr marL="2514600" indent="-228600" eaLnBrk="0" fontAlgn="base" hangingPunct="0">
+              <a:spcBef>
+                <a:spcPct val="0"/>
+              </a:spcBef>
+              <a:spcAft>
+                <a:spcPct val="0"/>
+              </a:spcAft>
+              <a:defRPr>
+                <a:solidFill>
+                  <a:schemeClr val="tx1"/>
+                </a:solidFill>
+                <a:latin typeface="Calibri" panose="020F0502020204030204" pitchFamily="34" charset="0"/>
+              </a:defRPr>
+            </a:lvl6pPr>
+            <a:lvl7pPr marL="2971800" indent="-228600" eaLnBrk="0" fontAlgn="base" hangingPunct="0">
+              <a:spcBef>
+                <a:spcPct val="0"/>
+              </a:spcBef>
+              <a:spcAft>
+                <a:spcPct val="0"/>
+              </a:spcAft>
+              <a:defRPr>
+                <a:solidFill>
+                  <a:schemeClr val="tx1"/>
+                </a:solidFill>
+                <a:latin typeface="Calibri" panose="020F0502020204030204" pitchFamily="34" charset="0"/>
+              </a:defRPr>
+            </a:lvl7pPr>
+            <a:lvl8pPr marL="3429000" indent="-228600" eaLnBrk="0" fontAlgn="base" hangingPunct="0">
+              <a:spcBef>
+                <a:spcPct val="0"/>
+              </a:spcBef>
+              <a:spcAft>
+                <a:spcPct val="0"/>
+              </a:spcAft>
+              <a:defRPr>
+                <a:solidFill>
+                  <a:schemeClr val="tx1"/>
+                </a:solidFill>
+                <a:latin typeface="Calibri" panose="020F0502020204030204" pitchFamily="34" charset="0"/>
+              </a:defRPr>
+            </a:lvl8pPr>
+            <a:lvl9pPr marL="3886200" indent="-228600" eaLnBrk="0" fontAlgn="base" hangingPunct="0">
+              <a:spcBef>
+                <a:spcPct val="0"/>
+              </a:spcBef>
+              <a:spcAft>
+                <a:spcPct val="0"/>
+              </a:spcAft>
+              <a:defRPr>
+                <a:solidFill>
+                  <a:schemeClr val="tx1"/>
+                </a:solidFill>
+                <a:latin typeface="Calibri" panose="020F0502020204030204" pitchFamily="34" charset="0"/>
+              </a:defRPr>
+            </a:lvl9pPr>
+          </a:lstStyle>
+          <a:p>
+            <a:pPr algn="ctr" eaLnBrk="1" hangingPunct="1"/>
+            <a:r>
+              <a:rPr lang="en-US" altLang="en-US" sz="1000" dirty="0">
+                <a:solidFill>
+                  <a:srgbClr val="1E8900"/>
+                </a:solidFill>
+                <a:latin typeface="Arial" panose="020B0604020202020204" pitchFamily="34" charset="0"/>
+                <a:cs typeface="Arial" panose="020B0604020202020204" pitchFamily="34" charset="0"/>
+              </a:rPr>
+              <a:t>10.0.20.0/24</a:t>
+            </a:r>
+          </a:p>
+        </p:txBody>
+      </p:sp>
+      <p:sp>
+        <p:nvSpPr>
+          <p:cNvPr id="27" name="TextBox 14">
+            <a:extLst>
+              <a:ext uri="{FF2B5EF4-FFF2-40B4-BE49-F238E27FC236}">
+                <a16:creationId xmlns:a16="http://schemas.microsoft.com/office/drawing/2014/main" xmlns="" id="{AC9E2F28-671B-423C-829F-228CF5744F91}"/>
+              </a:ext>
+            </a:extLst>
+          </p:cNvPr>
+          <p:cNvSpPr txBox="1">
+            <a:spLocks noChangeArrowheads="1"/>
+          </p:cNvSpPr>
+          <p:nvPr/>
+        </p:nvSpPr>
+        <p:spPr bwMode="auto">
+          <a:xfrm>
+            <a:off x="5567362" y="6179750"/>
+            <a:ext cx="2006600" cy="246063"/>
+          </a:xfrm>
+          <a:prstGeom prst="rect">
+            <a:avLst/>
+          </a:prstGeom>
+          <a:noFill/>
+          <a:ln>
+            <a:noFill/>
+          </a:ln>
+          <a:extLst>
+            <a:ext uri="{909E8E84-426E-40dd-AFC4-6F175D3DCCD1}">
+              <a14:hiddenFill xmlns:a14="http://schemas.microsoft.com/office/drawing/2010/main">
+                <a:solidFill>
+                  <a:srgbClr val="FFFFFF"/>
+                </a:solidFill>
+              </a14:hiddenFill>
+            </a:ext>
+            <a:ext uri="{91240B29-F687-4f45-9708-019B960494DF}">
+              <a14:hiddenLine xmlns:a14="http://schemas.microsoft.com/office/drawing/2010/main" w="9525">
+                <a:solidFill>
+                  <a:srgbClr val="000000"/>
+                </a:solidFill>
+                <a:miter lim="800000"/>
+                <a:headEnd/>
+                <a:tailEnd/>
+              </a14:hiddenLine>
+            </a:ext>
+          </a:extLst>
+        </p:spPr>
+        <p:txBody>
+          <a:bodyPr>
+            <a:spAutoFit/>
+          </a:bodyPr>
+          <a:lstStyle>
+            <a:lvl1pPr>
+              <a:defRPr>
+                <a:solidFill>
+                  <a:schemeClr val="tx1"/>
+                </a:solidFill>
+                <a:latin typeface="Calibri" panose="020F0502020204030204" pitchFamily="34" charset="0"/>
+              </a:defRPr>
+            </a:lvl1pPr>
+            <a:lvl2pPr marL="742950" indent="-285750">
+              <a:defRPr>
+                <a:solidFill>
+                  <a:schemeClr val="tx1"/>
+                </a:solidFill>
+                <a:latin typeface="Calibri" panose="020F0502020204030204" pitchFamily="34" charset="0"/>
+              </a:defRPr>
+            </a:lvl2pPr>
+            <a:lvl3pPr marL="1143000" indent="-228600">
+              <a:defRPr>
+                <a:solidFill>
+                  <a:schemeClr val="tx1"/>
+                </a:solidFill>
+                <a:latin typeface="Calibri" panose="020F0502020204030204" pitchFamily="34" charset="0"/>
+              </a:defRPr>
+            </a:lvl3pPr>
+            <a:lvl4pPr marL="1600200" indent="-228600">
+              <a:defRPr>
+                <a:solidFill>
+                  <a:schemeClr val="tx1"/>
+                </a:solidFill>
+                <a:latin typeface="Calibri" panose="020F0502020204030204" pitchFamily="34" charset="0"/>
+              </a:defRPr>
+            </a:lvl4pPr>
+            <a:lvl5pPr marL="2057400" indent="-228600">
+              <a:defRPr>
+                <a:solidFill>
+                  <a:schemeClr val="tx1"/>
+                </a:solidFill>
+                <a:latin typeface="Calibri" panose="020F0502020204030204" pitchFamily="34" charset="0"/>
+              </a:defRPr>
+            </a:lvl5pPr>
+            <a:lvl6pPr marL="2514600" indent="-228600" eaLnBrk="0" fontAlgn="base" hangingPunct="0">
+              <a:spcBef>
+                <a:spcPct val="0"/>
+              </a:spcBef>
+              <a:spcAft>
+                <a:spcPct val="0"/>
+              </a:spcAft>
+              <a:defRPr>
+                <a:solidFill>
+                  <a:schemeClr val="tx1"/>
+                </a:solidFill>
+                <a:latin typeface="Calibri" panose="020F0502020204030204" pitchFamily="34" charset="0"/>
+              </a:defRPr>
+            </a:lvl6pPr>
+            <a:lvl7pPr marL="2971800" indent="-228600" eaLnBrk="0" fontAlgn="base" hangingPunct="0">
+              <a:spcBef>
+                <a:spcPct val="0"/>
+              </a:spcBef>
+              <a:spcAft>
+                <a:spcPct val="0"/>
+              </a:spcAft>
+              <a:defRPr>
+                <a:solidFill>
+                  <a:schemeClr val="tx1"/>
+                </a:solidFill>
+                <a:latin typeface="Calibri" panose="020F0502020204030204" pitchFamily="34" charset="0"/>
+              </a:defRPr>
+            </a:lvl7pPr>
+            <a:lvl8pPr marL="3429000" indent="-228600" eaLnBrk="0" fontAlgn="base" hangingPunct="0">
+              <a:spcBef>
+                <a:spcPct val="0"/>
+              </a:spcBef>
+              <a:spcAft>
+                <a:spcPct val="0"/>
+              </a:spcAft>
+              <a:defRPr>
+                <a:solidFill>
+                  <a:schemeClr val="tx1"/>
+                </a:solidFill>
+                <a:latin typeface="Calibri" panose="020F0502020204030204" pitchFamily="34" charset="0"/>
+              </a:defRPr>
+            </a:lvl8pPr>
+            <a:lvl9pPr marL="3886200" indent="-228600" eaLnBrk="0" fontAlgn="base" hangingPunct="0">
+              <a:spcBef>
+                <a:spcPct val="0"/>
+              </a:spcBef>
+              <a:spcAft>
+                <a:spcPct val="0"/>
+              </a:spcAft>
+              <a:defRPr>
+                <a:solidFill>
+                  <a:schemeClr val="tx1"/>
+                </a:solidFill>
+                <a:latin typeface="Calibri" panose="020F0502020204030204" pitchFamily="34" charset="0"/>
+              </a:defRPr>
+            </a:lvl9pPr>
+          </a:lstStyle>
+          <a:p>
+            <a:pPr algn="ctr" eaLnBrk="1" hangingPunct="1"/>
+            <a:r>
+              <a:rPr lang="en-US" altLang="en-US" sz="1000" dirty="0">
+                <a:solidFill>
+                  <a:srgbClr val="1E8900"/>
+                </a:solidFill>
+                <a:latin typeface="Arial" panose="020B0604020202020204" pitchFamily="34" charset="0"/>
+                <a:cs typeface="Arial" panose="020B0604020202020204" pitchFamily="34" charset="0"/>
+              </a:rPr>
+              <a:t>10.0.0.0/16</a:t>
+            </a:r>
+          </a:p>
+        </p:txBody>
+      </p:sp>
+      <p:cxnSp>
+        <p:nvCxnSpPr>
+          <p:cNvPr id="31" name="Straight Arrow Connector 13">
+            <a:extLst>
+              <a:ext uri="{FF2B5EF4-FFF2-40B4-BE49-F238E27FC236}">
+                <a16:creationId xmlns:a16="http://schemas.microsoft.com/office/drawing/2014/main" xmlns="" id="{E092DCDA-E8E3-4F30-B64D-E1997A2172E2}"/>
+              </a:ext>
+            </a:extLst>
+          </p:cNvPr>
+          <p:cNvCxnSpPr>
+            <a:cxnSpLocks/>
+          </p:cNvCxnSpPr>
+          <p:nvPr/>
+        </p:nvCxnSpPr>
+        <p:spPr>
+          <a:xfrm>
+            <a:off x="2701487" y="4164255"/>
+            <a:ext cx="0" cy="375231"/>
+          </a:xfrm>
+          <a:prstGeom prst="straightConnector1">
+            <a:avLst/>
+          </a:prstGeom>
+          <a:ln w="12700">
+            <a:solidFill>
+              <a:srgbClr val="545B64"/>
+            </a:solidFill>
+            <a:headEnd type="arrow" w="med" len="med"/>
+            <a:tailEnd type="arrow" w="med" len="med"/>
+          </a:ln>
+        </p:spPr>
+        <p:style>
+          <a:lnRef idx="1">
+            <a:schemeClr val="accent1"/>
+          </a:lnRef>
+          <a:fillRef idx="0">
+            <a:schemeClr val="accent1"/>
+          </a:fillRef>
+          <a:effectRef idx="0">
+            <a:schemeClr val="accent1"/>
+          </a:effectRef>
+          <a:fontRef idx="minor">
+            <a:schemeClr val="tx1"/>
+          </a:fontRef>
+        </p:style>
+      </p:cxnSp>
+      <p:pic>
+        <p:nvPicPr>
+          <p:cNvPr id="43" name="Graphic 12">
+            <a:extLst>
+              <a:ext uri="{FF2B5EF4-FFF2-40B4-BE49-F238E27FC236}">
+                <a16:creationId xmlns:a16="http://schemas.microsoft.com/office/drawing/2014/main" xmlns="" id="{295B33A4-A5B6-4B6D-BAD0-B37D9AD33A10}"/>
+              </a:ext>
+            </a:extLst>
+          </p:cNvPr>
+          <p:cNvPicPr>
+            <a:picLocks noChangeAspect="1" noChangeArrowheads="1"/>
+          </p:cNvPicPr>
+          <p:nvPr/>
+        </p:nvPicPr>
+        <p:blipFill>
+          <a:blip r:embed="rId12">
+            <a:extLst>
+              <a:ext uri="{28A0092B-C50C-407E-A947-70E740481C1C}">
+                <a14:useLocalDpi xmlns:a14="http://schemas.microsoft.com/office/drawing/2010/main" val="0"/>
+              </a:ext>
+            </a:extLst>
+          </a:blip>
+          <a:srcRect/>
+          <a:stretch>
+            <a:fillRect/>
+          </a:stretch>
+        </p:blipFill>
+        <p:spPr bwMode="auto">
+          <a:xfrm>
+            <a:off x="9524999" y="3070438"/>
+            <a:ext cx="469900" cy="469900"/>
+          </a:xfrm>
+          <a:prstGeom prst="rect">
+            <a:avLst/>
+          </a:prstGeom>
+          <a:noFill/>
+          <a:ln>
+            <a:noFill/>
+          </a:ln>
+          <a:extLst>
+            <a:ext uri="{909E8E84-426E-40dd-AFC4-6F175D3DCCD1}">
+              <a14:hiddenFill xmlns:a14="http://schemas.microsoft.com/office/drawing/2010/main">
+                <a:solidFill>
+                  <a:srgbClr val="FFFFFF"/>
+                </a:solidFill>
+              </a14:hiddenFill>
+            </a:ext>
+            <a:ext uri="{91240B29-F687-4f45-9708-019B960494DF}">
+              <a14:hiddenLine xmlns:a14="http://schemas.microsoft.com/office/drawing/2010/main" w="9525">
+                <a:solidFill>
+                  <a:srgbClr val="000000"/>
+                </a:solidFill>
+                <a:miter lim="800000"/>
+                <a:headEnd/>
+                <a:tailEnd/>
+              </a14:hiddenLine>
+            </a:ext>
+          </a:extLst>
+        </p:spPr>
+      </p:pic>
+      <p:sp>
+        <p:nvSpPr>
+          <p:cNvPr id="44" name="TextBox 29">
+            <a:extLst>
+              <a:ext uri="{FF2B5EF4-FFF2-40B4-BE49-F238E27FC236}">
+                <a16:creationId xmlns:a16="http://schemas.microsoft.com/office/drawing/2014/main" xmlns="" id="{432C1DE3-E9C7-4FC1-A8BB-B1D4096D6D5C}"/>
+              </a:ext>
+            </a:extLst>
+          </p:cNvPr>
+          <p:cNvSpPr txBox="1">
+            <a:spLocks noChangeArrowheads="1"/>
+          </p:cNvSpPr>
+          <p:nvPr/>
+        </p:nvSpPr>
+        <p:spPr bwMode="auto">
+          <a:xfrm>
+            <a:off x="9223374" y="3599076"/>
+            <a:ext cx="1073150" cy="261610"/>
+          </a:xfrm>
+          <a:prstGeom prst="rect">
+            <a:avLst/>
+          </a:prstGeom>
+          <a:noFill/>
+          <a:ln>
+            <a:noFill/>
+          </a:ln>
+          <a:extLst>
+            <a:ext uri="{909E8E84-426E-40dd-AFC4-6F175D3DCCD1}">
+              <a14:hiddenFill xmlns:a14="http://schemas.microsoft.com/office/drawing/2010/main">
+                <a:solidFill>
+                  <a:srgbClr val="FFFFFF"/>
+                </a:solidFill>
+              </a14:hiddenFill>
+            </a:ext>
+            <a:ext uri="{91240B29-F687-4f45-9708-019B960494DF}">
+              <a14:hiddenLine xmlns:a14="http://schemas.microsoft.com/office/drawing/2010/main" w="9525">
+                <a:solidFill>
+                  <a:srgbClr val="000000"/>
+                </a:solidFill>
+                <a:miter lim="800000"/>
+                <a:headEnd/>
+                <a:tailEnd/>
+              </a14:hiddenLine>
+            </a:ext>
+          </a:extLst>
+        </p:spPr>
+        <p:txBody>
+          <a:bodyPr>
+            <a:spAutoFit/>
+          </a:bodyPr>
+          <a:lstStyle>
+            <a:lvl1pPr>
+              <a:defRPr>
+                <a:solidFill>
+                  <a:schemeClr val="tx1"/>
+                </a:solidFill>
+                <a:latin typeface="Calibri" panose="020F0502020204030204" pitchFamily="34" charset="0"/>
+              </a:defRPr>
+            </a:lvl1pPr>
+            <a:lvl2pPr marL="742950" indent="-285750">
+              <a:defRPr>
+                <a:solidFill>
+                  <a:schemeClr val="tx1"/>
+                </a:solidFill>
+                <a:latin typeface="Calibri" panose="020F0502020204030204" pitchFamily="34" charset="0"/>
+              </a:defRPr>
+            </a:lvl2pPr>
+            <a:lvl3pPr marL="1143000" indent="-228600">
+              <a:defRPr>
+                <a:solidFill>
+                  <a:schemeClr val="tx1"/>
+                </a:solidFill>
+                <a:latin typeface="Calibri" panose="020F0502020204030204" pitchFamily="34" charset="0"/>
+              </a:defRPr>
+            </a:lvl3pPr>
+            <a:lvl4pPr marL="1600200" indent="-228600">
+              <a:defRPr>
+                <a:solidFill>
+                  <a:schemeClr val="tx1"/>
+                </a:solidFill>
+                <a:latin typeface="Calibri" panose="020F0502020204030204" pitchFamily="34" charset="0"/>
+              </a:defRPr>
+            </a:lvl4pPr>
+            <a:lvl5pPr marL="2057400" indent="-228600">
+              <a:defRPr>
+                <a:solidFill>
+                  <a:schemeClr val="tx1"/>
+                </a:solidFill>
+                <a:latin typeface="Calibri" panose="020F0502020204030204" pitchFamily="34" charset="0"/>
+              </a:defRPr>
+            </a:lvl5pPr>
+            <a:lvl6pPr marL="2514600" indent="-228600" eaLnBrk="0" fontAlgn="base" hangingPunct="0">
+              <a:spcBef>
+                <a:spcPct val="0"/>
+              </a:spcBef>
+              <a:spcAft>
+                <a:spcPct val="0"/>
+              </a:spcAft>
+              <a:defRPr>
+                <a:solidFill>
+                  <a:schemeClr val="tx1"/>
+                </a:solidFill>
+                <a:latin typeface="Calibri" panose="020F0502020204030204" pitchFamily="34" charset="0"/>
+              </a:defRPr>
+            </a:lvl6pPr>
+            <a:lvl7pPr marL="2971800" indent="-228600" eaLnBrk="0" fontAlgn="base" hangingPunct="0">
+              <a:spcBef>
+                <a:spcPct val="0"/>
+              </a:spcBef>
+              <a:spcAft>
+                <a:spcPct val="0"/>
+              </a:spcAft>
+              <a:defRPr>
+                <a:solidFill>
+                  <a:schemeClr val="tx1"/>
+                </a:solidFill>
+                <a:latin typeface="Calibri" panose="020F0502020204030204" pitchFamily="34" charset="0"/>
+              </a:defRPr>
+            </a:lvl7pPr>
+            <a:lvl8pPr marL="3429000" indent="-228600" eaLnBrk="0" fontAlgn="base" hangingPunct="0">
+              <a:spcBef>
+                <a:spcPct val="0"/>
+              </a:spcBef>
+              <a:spcAft>
+                <a:spcPct val="0"/>
+              </a:spcAft>
+              <a:defRPr>
+                <a:solidFill>
+                  <a:schemeClr val="tx1"/>
+                </a:solidFill>
+                <a:latin typeface="Calibri" panose="020F0502020204030204" pitchFamily="34" charset="0"/>
+              </a:defRPr>
+            </a:lvl8pPr>
+            <a:lvl9pPr marL="3886200" indent="-228600" eaLnBrk="0" fontAlgn="base" hangingPunct="0">
+              <a:spcBef>
+                <a:spcPct val="0"/>
+              </a:spcBef>
+              <a:spcAft>
+                <a:spcPct val="0"/>
+              </a:spcAft>
+              <a:defRPr>
+                <a:solidFill>
+                  <a:schemeClr val="tx1"/>
+                </a:solidFill>
+                <a:latin typeface="Calibri" panose="020F0502020204030204" pitchFamily="34" charset="0"/>
+              </a:defRPr>
+            </a:lvl9pPr>
+          </a:lstStyle>
+          <a:p>
+            <a:pPr algn="ctr" eaLnBrk="1" hangingPunct="1"/>
+            <a:r>
+              <a:rPr lang="en-US" altLang="en-US" sz="1100" dirty="0">
+                <a:solidFill>
+                  <a:srgbClr val="000000"/>
+                </a:solidFill>
+                <a:latin typeface="Arial" panose="020B0604020202020204" pitchFamily="34" charset="0"/>
+                <a:cs typeface="Arial" panose="020B0604020202020204" pitchFamily="34" charset="0"/>
+              </a:rPr>
+              <a:t>Internet</a:t>
+            </a:r>
+          </a:p>
+        </p:txBody>
+      </p:sp>
+      <p:cxnSp>
+        <p:nvCxnSpPr>
+          <p:cNvPr id="45" name="Straight Arrow Connector 13">
+            <a:extLst>
+              <a:ext uri="{FF2B5EF4-FFF2-40B4-BE49-F238E27FC236}">
+                <a16:creationId xmlns:a16="http://schemas.microsoft.com/office/drawing/2014/main" xmlns="" id="{AB3B3299-54AC-42A9-A4D0-06C708D4DD57}"/>
+              </a:ext>
+            </a:extLst>
+          </p:cNvPr>
+          <p:cNvCxnSpPr>
+            <a:cxnSpLocks/>
+            <a:stCxn id="43" idx="1"/>
+            <a:endCxn id="57" idx="3"/>
+          </p:cNvCxnSpPr>
+          <p:nvPr/>
+        </p:nvCxnSpPr>
+        <p:spPr>
+          <a:xfrm flipH="1">
+            <a:off x="8006105" y="3305388"/>
+            <a:ext cx="1518894" cy="12620"/>
+          </a:xfrm>
+          <a:prstGeom prst="straightConnector1">
+            <a:avLst/>
+          </a:prstGeom>
+          <a:ln w="12700">
+            <a:solidFill>
+              <a:srgbClr val="545B64"/>
+            </a:solidFill>
+            <a:headEnd type="arrow" w="med" len="med"/>
+            <a:tailEnd type="arrow" w="med" len="med"/>
+          </a:ln>
+        </p:spPr>
+        <p:style>
+          <a:lnRef idx="1">
+            <a:schemeClr val="accent1"/>
+          </a:lnRef>
+          <a:fillRef idx="0">
+            <a:schemeClr val="accent1"/>
+          </a:fillRef>
+          <a:effectRef idx="0">
+            <a:schemeClr val="accent1"/>
+          </a:effectRef>
+          <a:fontRef idx="minor">
+            <a:schemeClr val="tx1"/>
+          </a:fontRef>
+        </p:style>
+      </p:cxnSp>
+      <p:pic>
+        <p:nvPicPr>
+          <p:cNvPr id="48" name="Graphic 23">
+            <a:extLst>
+              <a:ext uri="{FF2B5EF4-FFF2-40B4-BE49-F238E27FC236}">
+                <a16:creationId xmlns:a16="http://schemas.microsoft.com/office/drawing/2014/main" xmlns="" id="{28210B69-1A8E-4190-9342-FD3B547E17B0}"/>
+              </a:ext>
+            </a:extLst>
+          </p:cNvPr>
+          <p:cNvPicPr>
+            <a:picLocks noChangeAspect="1" noChangeArrowheads="1"/>
+          </p:cNvPicPr>
+          <p:nvPr/>
+        </p:nvPicPr>
+        <p:blipFill>
+          <a:blip r:embed="rId13">
+            <a:extLst>
+              <a:ext uri="{96DAC541-7B7A-43D3-8B79-37D633B846F1}">
+                <asvg:svgBlip xmlns:asvg="http://schemas.microsoft.com/office/drawing/2016/SVG/main" xmlns="" r:embed="rId14"/>
+              </a:ext>
+            </a:extLst>
+          </a:blip>
+          <a:srcRect/>
+          <a:stretch/>
+        </p:blipFill>
+        <p:spPr bwMode="auto">
+          <a:xfrm flipH="1">
+            <a:off x="10772773" y="3064290"/>
+            <a:ext cx="469900" cy="469900"/>
+          </a:xfrm>
+          <a:prstGeom prst="rect">
+            <a:avLst/>
+          </a:prstGeom>
+          <a:noFill/>
+          <a:ln>
+            <a:noFill/>
+          </a:ln>
+          <a:extLst>
+            <a:ext uri="{909E8E84-426E-40dd-AFC4-6F175D3DCCD1}">
+              <a14:hiddenFill xmlns:a14="http://schemas.microsoft.com/office/drawing/2010/main">
+                <a:solidFill>
+                  <a:srgbClr val="FFFFFF"/>
+                </a:solidFill>
+              </a14:hiddenFill>
+            </a:ext>
+            <a:ext uri="{91240B29-F687-4f45-9708-019B960494DF}">
+              <a14:hiddenLine xmlns:a14="http://schemas.microsoft.com/office/drawing/2010/main" w="9525">
+                <a:solidFill>
+                  <a:srgbClr val="000000"/>
+                </a:solidFill>
+                <a:miter lim="800000"/>
+                <a:headEnd/>
+                <a:tailEnd/>
+              </a14:hiddenLine>
+            </a:ext>
+          </a:extLst>
+        </p:spPr>
+      </p:pic>
+      <p:sp>
+        <p:nvSpPr>
+          <p:cNvPr id="49" name="TextBox 40">
+            <a:extLst>
+              <a:ext uri="{FF2B5EF4-FFF2-40B4-BE49-F238E27FC236}">
+                <a16:creationId xmlns:a16="http://schemas.microsoft.com/office/drawing/2014/main" xmlns="" id="{6B1EAB84-8A43-4761-A56A-898017C7D172}"/>
+              </a:ext>
+            </a:extLst>
+          </p:cNvPr>
+          <p:cNvSpPr txBox="1">
+            <a:spLocks noChangeArrowheads="1"/>
+          </p:cNvSpPr>
+          <p:nvPr/>
+        </p:nvSpPr>
+        <p:spPr bwMode="auto">
+          <a:xfrm>
+            <a:off x="10471148" y="3635790"/>
+            <a:ext cx="1073150" cy="261610"/>
+          </a:xfrm>
+          <a:prstGeom prst="rect">
+            <a:avLst/>
+          </a:prstGeom>
+          <a:noFill/>
+          <a:ln>
+            <a:noFill/>
+          </a:ln>
+          <a:extLst>
+            <a:ext uri="{909E8E84-426E-40dd-AFC4-6F175D3DCCD1}">
+              <a14:hiddenFill xmlns:a14="http://schemas.microsoft.com/office/drawing/2010/main">
+                <a:solidFill>
+                  <a:srgbClr val="FFFFFF"/>
+                </a:solidFill>
+              </a14:hiddenFill>
+            </a:ext>
+            <a:ext uri="{91240B29-F687-4f45-9708-019B960494DF}">
+              <a14:hiddenLine xmlns:a14="http://schemas.microsoft.com/office/drawing/2010/main" w="9525">
+                <a:solidFill>
+                  <a:srgbClr val="000000"/>
+                </a:solidFill>
+                <a:miter lim="800000"/>
+                <a:headEnd/>
+                <a:tailEnd/>
+              </a14:hiddenLine>
+            </a:ext>
+          </a:extLst>
+        </p:spPr>
+        <p:txBody>
+          <a:bodyPr>
+            <a:spAutoFit/>
+          </a:bodyPr>
+          <a:lstStyle>
+            <a:lvl1pPr>
+              <a:defRPr>
+                <a:solidFill>
+                  <a:schemeClr val="tx1"/>
+                </a:solidFill>
+                <a:latin typeface="Calibri" panose="020F0502020204030204" pitchFamily="34" charset="0"/>
+              </a:defRPr>
+            </a:lvl1pPr>
+            <a:lvl2pPr marL="742950" indent="-285750">
+              <a:defRPr>
+                <a:solidFill>
+                  <a:schemeClr val="tx1"/>
+                </a:solidFill>
+                <a:latin typeface="Calibri" panose="020F0502020204030204" pitchFamily="34" charset="0"/>
+              </a:defRPr>
+            </a:lvl2pPr>
+            <a:lvl3pPr marL="1143000" indent="-228600">
+              <a:defRPr>
+                <a:solidFill>
+                  <a:schemeClr val="tx1"/>
+                </a:solidFill>
+                <a:latin typeface="Calibri" panose="020F0502020204030204" pitchFamily="34" charset="0"/>
+              </a:defRPr>
+            </a:lvl3pPr>
+            <a:lvl4pPr marL="1600200" indent="-228600">
+              <a:defRPr>
+                <a:solidFill>
+                  <a:schemeClr val="tx1"/>
+                </a:solidFill>
+                <a:latin typeface="Calibri" panose="020F0502020204030204" pitchFamily="34" charset="0"/>
+              </a:defRPr>
+            </a:lvl4pPr>
+            <a:lvl5pPr marL="2057400" indent="-228600">
+              <a:defRPr>
+                <a:solidFill>
+                  <a:schemeClr val="tx1"/>
+                </a:solidFill>
+                <a:latin typeface="Calibri" panose="020F0502020204030204" pitchFamily="34" charset="0"/>
+              </a:defRPr>
+            </a:lvl5pPr>
+            <a:lvl6pPr marL="2514600" indent="-228600" eaLnBrk="0" fontAlgn="base" hangingPunct="0">
+              <a:spcBef>
+                <a:spcPct val="0"/>
+              </a:spcBef>
+              <a:spcAft>
+                <a:spcPct val="0"/>
+              </a:spcAft>
+              <a:defRPr>
+                <a:solidFill>
+                  <a:schemeClr val="tx1"/>
+                </a:solidFill>
+                <a:latin typeface="Calibri" panose="020F0502020204030204" pitchFamily="34" charset="0"/>
+              </a:defRPr>
+            </a:lvl6pPr>
+            <a:lvl7pPr marL="2971800" indent="-228600" eaLnBrk="0" fontAlgn="base" hangingPunct="0">
+              <a:spcBef>
+                <a:spcPct val="0"/>
+              </a:spcBef>
+              <a:spcAft>
+                <a:spcPct val="0"/>
+              </a:spcAft>
+              <a:defRPr>
+                <a:solidFill>
+                  <a:schemeClr val="tx1"/>
+                </a:solidFill>
+                <a:latin typeface="Calibri" panose="020F0502020204030204" pitchFamily="34" charset="0"/>
+              </a:defRPr>
+            </a:lvl7pPr>
+            <a:lvl8pPr marL="3429000" indent="-228600" eaLnBrk="0" fontAlgn="base" hangingPunct="0">
+              <a:spcBef>
+                <a:spcPct val="0"/>
+              </a:spcBef>
+              <a:spcAft>
+                <a:spcPct val="0"/>
+              </a:spcAft>
+              <a:defRPr>
+                <a:solidFill>
+                  <a:schemeClr val="tx1"/>
+                </a:solidFill>
+                <a:latin typeface="Calibri" panose="020F0502020204030204" pitchFamily="34" charset="0"/>
+              </a:defRPr>
+            </a:lvl8pPr>
+            <a:lvl9pPr marL="3886200" indent="-228600" eaLnBrk="0" fontAlgn="base" hangingPunct="0">
+              <a:spcBef>
+                <a:spcPct val="0"/>
+              </a:spcBef>
+              <a:spcAft>
+                <a:spcPct val="0"/>
+              </a:spcAft>
+              <a:defRPr>
+                <a:solidFill>
+                  <a:schemeClr val="tx1"/>
+                </a:solidFill>
+                <a:latin typeface="Calibri" panose="020F0502020204030204" pitchFamily="34" charset="0"/>
+              </a:defRPr>
+            </a:lvl9pPr>
+          </a:lstStyle>
+          <a:p>
+            <a:pPr algn="ctr" eaLnBrk="1" hangingPunct="1"/>
+            <a:r>
+              <a:rPr lang="en-US" altLang="en-US" sz="1100" dirty="0">
+                <a:solidFill>
+                  <a:srgbClr val="000000"/>
+                </a:solidFill>
+                <a:latin typeface="Arial" panose="020B0604020202020204" pitchFamily="34" charset="0"/>
+                <a:cs typeface="Arial" panose="020B0604020202020204" pitchFamily="34" charset="0"/>
+              </a:rPr>
+              <a:t>Users</a:t>
+            </a:r>
+          </a:p>
+        </p:txBody>
+      </p:sp>
+      <p:cxnSp>
+        <p:nvCxnSpPr>
+          <p:cNvPr id="50" name="Straight Arrow Connector 13">
+            <a:extLst>
+              <a:ext uri="{FF2B5EF4-FFF2-40B4-BE49-F238E27FC236}">
+                <a16:creationId xmlns:a16="http://schemas.microsoft.com/office/drawing/2014/main" xmlns="" id="{50A9D7E9-EAA6-4703-91F5-E25A17DA4103}"/>
+              </a:ext>
+            </a:extLst>
+          </p:cNvPr>
+          <p:cNvCxnSpPr>
+            <a:cxnSpLocks/>
+            <a:stCxn id="48" idx="3"/>
+            <a:endCxn id="43" idx="3"/>
+          </p:cNvCxnSpPr>
+          <p:nvPr/>
+        </p:nvCxnSpPr>
+        <p:spPr>
+          <a:xfrm flipH="1">
+            <a:off x="9994899" y="3299240"/>
+            <a:ext cx="777874" cy="6148"/>
+          </a:xfrm>
+          <a:prstGeom prst="straightConnector1">
+            <a:avLst/>
+          </a:prstGeom>
+          <a:ln w="12700">
+            <a:solidFill>
+              <a:srgbClr val="545B64"/>
+            </a:solidFill>
+            <a:headEnd type="arrow" w="med" len="med"/>
+            <a:tailEnd type="arrow" w="med" len="med"/>
+          </a:ln>
+        </p:spPr>
+        <p:style>
+          <a:lnRef idx="1">
+            <a:schemeClr val="accent1"/>
+          </a:lnRef>
+          <a:fillRef idx="0">
+            <a:schemeClr val="accent1"/>
+          </a:fillRef>
+          <a:effectRef idx="0">
+            <a:schemeClr val="accent1"/>
+          </a:effectRef>
+          <a:fontRef idx="minor">
+            <a:schemeClr val="tx1"/>
+          </a:fontRef>
+        </p:style>
+      </p:cxnSp>
+      <p:sp>
+        <p:nvSpPr>
+          <p:cNvPr id="10" name="Rectangle 7">
+            <a:extLst>
+              <a:ext uri="{FF2B5EF4-FFF2-40B4-BE49-F238E27FC236}">
+                <a16:creationId xmlns:a16="http://schemas.microsoft.com/office/drawing/2014/main" xmlns="" id="{0FE6B552-3063-4AA7-857A-DDA653017754}"/>
+              </a:ext>
+            </a:extLst>
+          </p:cNvPr>
+          <p:cNvSpPr/>
+          <p:nvPr/>
+        </p:nvSpPr>
+        <p:spPr>
+          <a:xfrm>
+            <a:off x="2214282" y="4851882"/>
             <a:ext cx="2268964" cy="898521"/>
           </a:xfrm>
           <a:prstGeom prst="rect">
@@ -4234,84 +5634,12 @@
           </a:p>
         </p:txBody>
       </p:sp>
-      <p:sp>
-        <p:nvSpPr>
-          <p:cNvPr id="11" name="Rectangle 32">
-            <a:extLst>
-              <a:ext uri="{FF2B5EF4-FFF2-40B4-BE49-F238E27FC236}">
-                <a16:creationId xmlns:a16="http://schemas.microsoft.com/office/drawing/2014/main" id="{D3710B63-20A0-4DFF-B07F-A55930E924F1}"/>
-              </a:ext>
-            </a:extLst>
-          </p:cNvPr>
-          <p:cNvSpPr/>
-          <p:nvPr/>
-        </p:nvSpPr>
-        <p:spPr>
-          <a:xfrm>
-            <a:off x="2230156" y="2528537"/>
-            <a:ext cx="2268969" cy="902487"/>
-          </a:xfrm>
-          <a:prstGeom prst="rect">
-            <a:avLst/>
-          </a:prstGeom>
-          <a:solidFill>
-            <a:srgbClr val="1D8900">
-              <a:alpha val="9804"/>
-            </a:srgbClr>
-          </a:solidFill>
-          <a:ln w="12700">
-            <a:noFill/>
-            <a:prstDash val="dash"/>
-          </a:ln>
-        </p:spPr>
-        <p:style>
-          <a:lnRef idx="2">
-            <a:schemeClr val="accent1">
-              <a:shade val="50000"/>
-            </a:schemeClr>
-          </a:lnRef>
-          <a:fillRef idx="1">
-            <a:schemeClr val="accent1"/>
-          </a:fillRef>
-          <a:effectRef idx="0">
-            <a:schemeClr val="accent1"/>
-          </a:effectRef>
-          <a:fontRef idx="minor">
-            <a:schemeClr val="lt1"/>
-          </a:fontRef>
-        </p:style>
-        <p:txBody>
-          <a:bodyPr lIns="502920"/>
-          <a:lstStyle/>
-          <a:p>
-            <a:pPr eaLnBrk="1" fontAlgn="auto" hangingPunct="1">
-              <a:spcBef>
-                <a:spcPts val="0"/>
-              </a:spcBef>
-              <a:spcAft>
-                <a:spcPts val="0"/>
-              </a:spcAft>
-              <a:defRPr/>
-            </a:pPr>
-            <a:r>
-              <a:rPr lang="en-US" sz="1200" dirty="0">
-                <a:solidFill>
-                  <a:srgbClr val="1E8900"/>
-                </a:solidFill>
-                <a:latin typeface="Arial" panose="020B0604020202020204" pitchFamily="34" charset="0"/>
-                <a:cs typeface="Arial" panose="020B0604020202020204" pitchFamily="34" charset="0"/>
-              </a:rPr>
-              <a:t>Public subnet</a:t>
-            </a:r>
-          </a:p>
-        </p:txBody>
-      </p:sp>
       <p:pic>
         <p:nvPicPr>
-          <p:cNvPr id="12" name="Graphic 19">
-            <a:extLst>
-              <a:ext uri="{FF2B5EF4-FFF2-40B4-BE49-F238E27FC236}">
-                <a16:creationId xmlns:a16="http://schemas.microsoft.com/office/drawing/2014/main" id="{66CE35C2-3FFB-43A6-B0E0-1809C707DA04}"/>
+          <p:cNvPr id="13" name="Graphic 21">
+            <a:extLst>
+              <a:ext uri="{FF2B5EF4-FFF2-40B4-BE49-F238E27FC236}">
+                <a16:creationId xmlns:a16="http://schemas.microsoft.com/office/drawing/2014/main" xmlns="" id="{B795641F-4738-4043-9E66-2EE9B9839561}"/>
               </a:ext>
             </a:extLst>
           </p:cNvPr>
@@ -4321,10 +5649,10 @@
           <p:nvPr/>
         </p:nvPicPr>
         <p:blipFill>
-          <a:blip r:embed="rId6">
+          <a:blip r:embed="rId15">
             <a:extLst>
               <a:ext uri="{96DAC541-7B7A-43D3-8B79-37D633B846F1}">
-                <asvg:svgBlip xmlns:asvg="http://schemas.microsoft.com/office/drawing/2016/SVG/main" r:embed="rId7"/>
+                <asvg:svgBlip xmlns:asvg="http://schemas.microsoft.com/office/drawing/2016/SVG/main" xmlns="" r:embed="rId9"/>
               </a:ext>
             </a:extLst>
           </a:blip>
@@ -4334,7 +5662,7 @@
         </p:blipFill>
         <p:spPr>
           <a:xfrm>
-            <a:off x="2230792" y="2530126"/>
+            <a:off x="2219045" y="4853471"/>
             <a:ext cx="381000" cy="381000"/>
           </a:xfrm>
           <a:prstGeom prst="rect">
@@ -4342,249 +5670,21 @@
           </a:prstGeom>
         </p:spPr>
       </p:pic>
-      <p:pic>
-        <p:nvPicPr>
-          <p:cNvPr id="13" name="Graphic 21">
-            <a:extLst>
-              <a:ext uri="{FF2B5EF4-FFF2-40B4-BE49-F238E27FC236}">
-                <a16:creationId xmlns:a16="http://schemas.microsoft.com/office/drawing/2014/main" id="{B795641F-4738-4043-9E66-2EE9B9839561}"/>
-              </a:ext>
-            </a:extLst>
-          </p:cNvPr>
-          <p:cNvPicPr>
-            <a:picLocks noChangeAspect="1"/>
-          </p:cNvPicPr>
+      <p:sp>
+        <p:nvSpPr>
+          <p:cNvPr id="17" name="Rectangle 30">
+            <a:extLst>
+              <a:ext uri="{FF2B5EF4-FFF2-40B4-BE49-F238E27FC236}">
+                <a16:creationId xmlns:a16="http://schemas.microsoft.com/office/drawing/2014/main" xmlns="" id="{A1AD1E05-5697-4636-AD1C-F804C0A00E7E}"/>
+              </a:ext>
+            </a:extLst>
+          </p:cNvPr>
+          <p:cNvSpPr/>
           <p:nvPr/>
-        </p:nvPicPr>
-        <p:blipFill>
-          <a:blip r:embed="rId8">
-            <a:extLst>
-              <a:ext uri="{96DAC541-7B7A-43D3-8B79-37D633B846F1}">
-                <asvg:svgBlip xmlns:asvg="http://schemas.microsoft.com/office/drawing/2016/SVG/main" r:embed="rId9"/>
-              </a:ext>
-            </a:extLst>
-          </a:blip>
-          <a:stretch>
-            <a:fillRect/>
-          </a:stretch>
-        </p:blipFill>
+        </p:nvSpPr>
         <p:spPr>
           <a:xfrm>
-            <a:off x="2234920" y="3853346"/>
-            <a:ext cx="381000" cy="381000"/>
-          </a:xfrm>
-          <a:prstGeom prst="rect">
-            <a:avLst/>
-          </a:prstGeom>
-        </p:spPr>
-      </p:pic>
-      <p:sp>
-        <p:nvSpPr>
-          <p:cNvPr id="14" name="Rectangle 31">
-            <a:extLst>
-              <a:ext uri="{FF2B5EF4-FFF2-40B4-BE49-F238E27FC236}">
-                <a16:creationId xmlns:a16="http://schemas.microsoft.com/office/drawing/2014/main" id="{C5F97327-AD16-4CCB-9D4D-9539C0A61124}"/>
-              </a:ext>
-            </a:extLst>
-          </p:cNvPr>
-          <p:cNvSpPr/>
-          <p:nvPr/>
-        </p:nvSpPr>
-        <p:spPr>
-          <a:xfrm>
-            <a:off x="1748987" y="1968529"/>
-            <a:ext cx="2888102" cy="2831307"/>
-          </a:xfrm>
-          <a:prstGeom prst="rect">
-            <a:avLst/>
-          </a:prstGeom>
-          <a:noFill/>
-          <a:ln w="12700">
-            <a:solidFill>
-              <a:srgbClr val="D86613"/>
-            </a:solidFill>
-          </a:ln>
-        </p:spPr>
-        <p:style>
-          <a:lnRef idx="2">
-            <a:schemeClr val="accent1">
-              <a:shade val="50000"/>
-            </a:schemeClr>
-          </a:lnRef>
-          <a:fillRef idx="1">
-            <a:schemeClr val="accent1"/>
-          </a:fillRef>
-          <a:effectRef idx="0">
-            <a:schemeClr val="accent1"/>
-          </a:effectRef>
-          <a:fontRef idx="minor">
-            <a:schemeClr val="lt1"/>
-          </a:fontRef>
-        </p:style>
-        <p:txBody>
-          <a:bodyPr lIns="502920" tIns="91440"/>
-          <a:lstStyle/>
-          <a:p>
-            <a:pPr eaLnBrk="1" fontAlgn="auto" hangingPunct="1">
-              <a:spcBef>
-                <a:spcPts val="0"/>
-              </a:spcBef>
-              <a:spcAft>
-                <a:spcPts val="0"/>
-              </a:spcAft>
-              <a:defRPr/>
-            </a:pPr>
-            <a:r>
-              <a:rPr lang="en-US" sz="1200" dirty="0">
-                <a:ln w="0"/>
-                <a:solidFill>
-                  <a:srgbClr val="D86613"/>
-                </a:solidFill>
-                <a:latin typeface="Arial" panose="020B0604020202020204" pitchFamily="34" charset="0"/>
-                <a:cs typeface="Arial" panose="020B0604020202020204" pitchFamily="34" charset="0"/>
-              </a:rPr>
-              <a:t>EC2 instance contents</a:t>
-            </a:r>
-          </a:p>
-        </p:txBody>
-      </p:sp>
-      <p:pic>
-        <p:nvPicPr>
-          <p:cNvPr id="15" name="Graphic 39">
-            <a:extLst>
-              <a:ext uri="{FF2B5EF4-FFF2-40B4-BE49-F238E27FC236}">
-                <a16:creationId xmlns:a16="http://schemas.microsoft.com/office/drawing/2014/main" id="{D7DA1D9B-96F1-4AA6-B1C2-FB68274BE38F}"/>
-              </a:ext>
-            </a:extLst>
-          </p:cNvPr>
-          <p:cNvPicPr>
-            <a:picLocks noChangeAspect="1"/>
-          </p:cNvPicPr>
-          <p:nvPr/>
-        </p:nvPicPr>
-        <p:blipFill>
-          <a:blip r:embed="rId10">
-            <a:extLst>
-              <a:ext uri="{96DAC541-7B7A-43D3-8B79-37D633B846F1}">
-                <asvg:svgBlip xmlns:asvg="http://schemas.microsoft.com/office/drawing/2016/SVG/main" r:embed="rId11"/>
-              </a:ext>
-            </a:extLst>
-          </a:blip>
-          <a:stretch>
-            <a:fillRect/>
-          </a:stretch>
-        </p:blipFill>
-        <p:spPr>
-          <a:xfrm>
-            <a:off x="1748987" y="1968529"/>
-            <a:ext cx="381000" cy="381000"/>
-          </a:xfrm>
-          <a:prstGeom prst="rect">
-            <a:avLst/>
-          </a:prstGeom>
-        </p:spPr>
-      </p:pic>
-      <p:sp>
-        <p:nvSpPr>
-          <p:cNvPr id="16" name="Rectangle 30">
-            <a:extLst>
-              <a:ext uri="{FF2B5EF4-FFF2-40B4-BE49-F238E27FC236}">
-                <a16:creationId xmlns:a16="http://schemas.microsoft.com/office/drawing/2014/main" id="{DD71A436-7CFE-4AAB-9C07-FBAD9AE23C01}"/>
-              </a:ext>
-            </a:extLst>
-          </p:cNvPr>
-          <p:cNvSpPr/>
-          <p:nvPr/>
-        </p:nvSpPr>
-        <p:spPr>
-          <a:xfrm>
-            <a:off x="2230158" y="2256267"/>
-            <a:ext cx="2273140" cy="1176740"/>
-          </a:xfrm>
-          <a:prstGeom prst="rect">
-            <a:avLst/>
-          </a:prstGeom>
-          <a:noFill/>
-          <a:ln w="12700">
-            <a:solidFill>
-              <a:srgbClr val="DF3312"/>
-            </a:solidFill>
-          </a:ln>
-        </p:spPr>
-        <p:style>
-          <a:lnRef idx="2">
-            <a:schemeClr val="accent1">
-              <a:shade val="50000"/>
-            </a:schemeClr>
-          </a:lnRef>
-          <a:fillRef idx="1">
-            <a:schemeClr val="accent1"/>
-          </a:fillRef>
-          <a:effectRef idx="0">
-            <a:schemeClr val="accent1"/>
-          </a:effectRef>
-          <a:fontRef idx="minor">
-            <a:schemeClr val="lt1"/>
-          </a:fontRef>
-        </p:style>
-        <p:txBody>
-          <a:bodyPr tIns="91440" anchorCtr="1"/>
-          <a:lstStyle/>
-          <a:p>
-            <a:pPr eaLnBrk="1" fontAlgn="auto" hangingPunct="1">
-              <a:spcBef>
-                <a:spcPts val="0"/>
-              </a:spcBef>
-              <a:spcAft>
-                <a:spcPts val="0"/>
-              </a:spcAft>
-              <a:defRPr/>
-            </a:pPr>
-            <a:r>
-              <a:rPr lang="en-US" sz="1200" dirty="0">
-                <a:solidFill>
-                  <a:srgbClr val="DF3312"/>
-                </a:solidFill>
-                <a:latin typeface="Arial" panose="020B0604020202020204" pitchFamily="34" charset="0"/>
-                <a:cs typeface="Arial" panose="020B0604020202020204" pitchFamily="34" charset="0"/>
-              </a:rPr>
-              <a:t>Security group</a:t>
-            </a:r>
-            <a:r>
-              <a:rPr lang="ja-JP" altLang="en-US" sz="1200" dirty="0">
-                <a:solidFill>
-                  <a:srgbClr val="DF3312"/>
-                </a:solidFill>
-                <a:latin typeface="Arial" panose="020B0604020202020204" pitchFamily="34" charset="0"/>
-                <a:cs typeface="Arial" panose="020B0604020202020204" pitchFamily="34" charset="0"/>
-              </a:rPr>
-              <a:t>①</a:t>
-            </a:r>
-            <a:endParaRPr lang="en-US" sz="1200" dirty="0">
-              <a:solidFill>
-                <a:srgbClr val="DF3312"/>
-              </a:solidFill>
-              <a:latin typeface="Arial" panose="020B0604020202020204" pitchFamily="34" charset="0"/>
-              <a:cs typeface="Arial" panose="020B0604020202020204" pitchFamily="34" charset="0"/>
-            </a:endParaRPr>
-          </a:p>
-        </p:txBody>
-      </p:sp>
-      <p:sp>
-        <p:nvSpPr>
-          <p:cNvPr id="17" name="Rectangle 30">
-            <a:extLst>
-              <a:ext uri="{FF2B5EF4-FFF2-40B4-BE49-F238E27FC236}">
-                <a16:creationId xmlns:a16="http://schemas.microsoft.com/office/drawing/2014/main" id="{A1AD1E05-5697-4636-AD1C-F804C0A00E7E}"/>
-              </a:ext>
-            </a:extLst>
-          </p:cNvPr>
-          <p:cNvSpPr/>
-          <p:nvPr/>
-        </p:nvSpPr>
-        <p:spPr>
-          <a:xfrm>
-            <a:off x="2220632" y="3578469"/>
+            <a:off x="2204757" y="4578594"/>
             <a:ext cx="2282666" cy="1176740"/>
           </a:xfrm>
           <a:prstGeom prst="rect">
@@ -4627,7 +5727,7 @@
               <a:defRPr/>
             </a:pPr>
             <a:r>
-              <a:rPr lang="en-US" sz="1200" dirty="0">
+              <a:rPr lang="en-US" sz="1200" dirty="0" smtClean="0">
                 <a:solidFill>
                   <a:srgbClr val="DF3312"/>
                 </a:solidFill>
@@ -4637,7 +5737,7 @@
               <a:t>Security group</a:t>
             </a:r>
             <a:r>
-              <a:rPr lang="ja-JP" altLang="en-US" sz="1200" dirty="0">
+              <a:rPr lang="ja-JP" altLang="en-US" sz="1200" dirty="0" smtClean="0">
                 <a:solidFill>
                   <a:srgbClr val="DF3312"/>
                 </a:solidFill>
@@ -4658,10 +5758,10 @@
       </p:sp>
       <p:sp>
         <p:nvSpPr>
-          <p:cNvPr id="25" name="TextBox 14">
-            <a:extLst>
-              <a:ext uri="{FF2B5EF4-FFF2-40B4-BE49-F238E27FC236}">
-                <a16:creationId xmlns:a16="http://schemas.microsoft.com/office/drawing/2014/main" id="{8F4D03D2-03C5-48D3-ABA5-BBA46444155F}"/>
+          <p:cNvPr id="55" name="TextBox 8">
+            <a:extLst>
+              <a:ext uri="{FF2B5EF4-FFF2-40B4-BE49-F238E27FC236}">
+                <a16:creationId xmlns:a16="http://schemas.microsoft.com/office/drawing/2014/main" xmlns="" id="{0652558F-18D7-46DE-B3E5-BBF02356E20E}"/>
               </a:ext>
             </a:extLst>
           </p:cNvPr>
@@ -4672,1079 +5772,7 @@
         </p:nvSpPr>
         <p:spPr bwMode="auto">
           <a:xfrm>
-            <a:off x="3108044" y="3215724"/>
-            <a:ext cx="2006600" cy="246063"/>
-          </a:xfrm>
-          <a:prstGeom prst="rect">
-            <a:avLst/>
-          </a:prstGeom>
-          <a:noFill/>
-          <a:ln>
-            <a:noFill/>
-          </a:ln>
-          <a:extLst>
-            <a:ext uri="{909E8E84-426E-40DD-AFC4-6F175D3DCCD1}">
-              <a14:hiddenFill xmlns:a14="http://schemas.microsoft.com/office/drawing/2010/main">
-                <a:solidFill>
-                  <a:srgbClr val="FFFFFF"/>
-                </a:solidFill>
-              </a14:hiddenFill>
-            </a:ext>
-            <a:ext uri="{91240B29-F687-4F45-9708-019B960494DF}">
-              <a14:hiddenLine xmlns:a14="http://schemas.microsoft.com/office/drawing/2010/main" w="9525">
-                <a:solidFill>
-                  <a:srgbClr val="000000"/>
-                </a:solidFill>
-                <a:miter lim="800000"/>
-                <a:headEnd/>
-                <a:tailEnd/>
-              </a14:hiddenLine>
-            </a:ext>
-          </a:extLst>
-        </p:spPr>
-        <p:txBody>
-          <a:bodyPr>
-            <a:spAutoFit/>
-          </a:bodyPr>
-          <a:lstStyle>
-            <a:lvl1pPr>
-              <a:defRPr>
-                <a:solidFill>
-                  <a:schemeClr val="tx1"/>
-                </a:solidFill>
-                <a:latin typeface="Calibri" panose="020F0502020204030204" pitchFamily="34" charset="0"/>
-              </a:defRPr>
-            </a:lvl1pPr>
-            <a:lvl2pPr marL="742950" indent="-285750">
-              <a:defRPr>
-                <a:solidFill>
-                  <a:schemeClr val="tx1"/>
-                </a:solidFill>
-                <a:latin typeface="Calibri" panose="020F0502020204030204" pitchFamily="34" charset="0"/>
-              </a:defRPr>
-            </a:lvl2pPr>
-            <a:lvl3pPr marL="1143000" indent="-228600">
-              <a:defRPr>
-                <a:solidFill>
-                  <a:schemeClr val="tx1"/>
-                </a:solidFill>
-                <a:latin typeface="Calibri" panose="020F0502020204030204" pitchFamily="34" charset="0"/>
-              </a:defRPr>
-            </a:lvl3pPr>
-            <a:lvl4pPr marL="1600200" indent="-228600">
-              <a:defRPr>
-                <a:solidFill>
-                  <a:schemeClr val="tx1"/>
-                </a:solidFill>
-                <a:latin typeface="Calibri" panose="020F0502020204030204" pitchFamily="34" charset="0"/>
-              </a:defRPr>
-            </a:lvl4pPr>
-            <a:lvl5pPr marL="2057400" indent="-228600">
-              <a:defRPr>
-                <a:solidFill>
-                  <a:schemeClr val="tx1"/>
-                </a:solidFill>
-                <a:latin typeface="Calibri" panose="020F0502020204030204" pitchFamily="34" charset="0"/>
-              </a:defRPr>
-            </a:lvl5pPr>
-            <a:lvl6pPr marL="2514600" indent="-228600" eaLnBrk="0" fontAlgn="base" hangingPunct="0">
-              <a:spcBef>
-                <a:spcPct val="0"/>
-              </a:spcBef>
-              <a:spcAft>
-                <a:spcPct val="0"/>
-              </a:spcAft>
-              <a:defRPr>
-                <a:solidFill>
-                  <a:schemeClr val="tx1"/>
-                </a:solidFill>
-                <a:latin typeface="Calibri" panose="020F0502020204030204" pitchFamily="34" charset="0"/>
-              </a:defRPr>
-            </a:lvl6pPr>
-            <a:lvl7pPr marL="2971800" indent="-228600" eaLnBrk="0" fontAlgn="base" hangingPunct="0">
-              <a:spcBef>
-                <a:spcPct val="0"/>
-              </a:spcBef>
-              <a:spcAft>
-                <a:spcPct val="0"/>
-              </a:spcAft>
-              <a:defRPr>
-                <a:solidFill>
-                  <a:schemeClr val="tx1"/>
-                </a:solidFill>
-                <a:latin typeface="Calibri" panose="020F0502020204030204" pitchFamily="34" charset="0"/>
-              </a:defRPr>
-            </a:lvl7pPr>
-            <a:lvl8pPr marL="3429000" indent="-228600" eaLnBrk="0" fontAlgn="base" hangingPunct="0">
-              <a:spcBef>
-                <a:spcPct val="0"/>
-              </a:spcBef>
-              <a:spcAft>
-                <a:spcPct val="0"/>
-              </a:spcAft>
-              <a:defRPr>
-                <a:solidFill>
-                  <a:schemeClr val="tx1"/>
-                </a:solidFill>
-                <a:latin typeface="Calibri" panose="020F0502020204030204" pitchFamily="34" charset="0"/>
-              </a:defRPr>
-            </a:lvl8pPr>
-            <a:lvl9pPr marL="3886200" indent="-228600" eaLnBrk="0" fontAlgn="base" hangingPunct="0">
-              <a:spcBef>
-                <a:spcPct val="0"/>
-              </a:spcBef>
-              <a:spcAft>
-                <a:spcPct val="0"/>
-              </a:spcAft>
-              <a:defRPr>
-                <a:solidFill>
-                  <a:schemeClr val="tx1"/>
-                </a:solidFill>
-                <a:latin typeface="Calibri" panose="020F0502020204030204" pitchFamily="34" charset="0"/>
-              </a:defRPr>
-            </a:lvl9pPr>
-          </a:lstStyle>
-          <a:p>
-            <a:pPr algn="ctr" eaLnBrk="1" hangingPunct="1"/>
-            <a:r>
-              <a:rPr lang="en-US" altLang="en-US" sz="1000" dirty="0">
-                <a:solidFill>
-                  <a:srgbClr val="1E8900"/>
-                </a:solidFill>
-                <a:latin typeface="Arial" panose="020B0604020202020204" pitchFamily="34" charset="0"/>
-                <a:cs typeface="Arial" panose="020B0604020202020204" pitchFamily="34" charset="0"/>
-              </a:rPr>
-              <a:t>10.0.10.0/24</a:t>
-            </a:r>
-          </a:p>
-        </p:txBody>
-      </p:sp>
-      <p:sp>
-        <p:nvSpPr>
-          <p:cNvPr id="26" name="TextBox 14">
-            <a:extLst>
-              <a:ext uri="{FF2B5EF4-FFF2-40B4-BE49-F238E27FC236}">
-                <a16:creationId xmlns:a16="http://schemas.microsoft.com/office/drawing/2014/main" id="{8B156ADA-131D-4161-9A4E-52788D50349E}"/>
-              </a:ext>
-            </a:extLst>
-          </p:cNvPr>
-          <p:cNvSpPr txBox="1">
-            <a:spLocks noChangeArrowheads="1"/>
-          </p:cNvSpPr>
-          <p:nvPr/>
-        </p:nvSpPr>
-        <p:spPr bwMode="auto">
-          <a:xfrm>
-            <a:off x="3108044" y="4528179"/>
-            <a:ext cx="2006600" cy="246063"/>
-          </a:xfrm>
-          <a:prstGeom prst="rect">
-            <a:avLst/>
-          </a:prstGeom>
-          <a:noFill/>
-          <a:ln>
-            <a:noFill/>
-          </a:ln>
-          <a:extLst>
-            <a:ext uri="{909E8E84-426E-40DD-AFC4-6F175D3DCCD1}">
-              <a14:hiddenFill xmlns:a14="http://schemas.microsoft.com/office/drawing/2010/main">
-                <a:solidFill>
-                  <a:srgbClr val="FFFFFF"/>
-                </a:solidFill>
-              </a14:hiddenFill>
-            </a:ext>
-            <a:ext uri="{91240B29-F687-4F45-9708-019B960494DF}">
-              <a14:hiddenLine xmlns:a14="http://schemas.microsoft.com/office/drawing/2010/main" w="9525">
-                <a:solidFill>
-                  <a:srgbClr val="000000"/>
-                </a:solidFill>
-                <a:miter lim="800000"/>
-                <a:headEnd/>
-                <a:tailEnd/>
-              </a14:hiddenLine>
-            </a:ext>
-          </a:extLst>
-        </p:spPr>
-        <p:txBody>
-          <a:bodyPr>
-            <a:spAutoFit/>
-          </a:bodyPr>
-          <a:lstStyle>
-            <a:lvl1pPr>
-              <a:defRPr>
-                <a:solidFill>
-                  <a:schemeClr val="tx1"/>
-                </a:solidFill>
-                <a:latin typeface="Calibri" panose="020F0502020204030204" pitchFamily="34" charset="0"/>
-              </a:defRPr>
-            </a:lvl1pPr>
-            <a:lvl2pPr marL="742950" indent="-285750">
-              <a:defRPr>
-                <a:solidFill>
-                  <a:schemeClr val="tx1"/>
-                </a:solidFill>
-                <a:latin typeface="Calibri" panose="020F0502020204030204" pitchFamily="34" charset="0"/>
-              </a:defRPr>
-            </a:lvl2pPr>
-            <a:lvl3pPr marL="1143000" indent="-228600">
-              <a:defRPr>
-                <a:solidFill>
-                  <a:schemeClr val="tx1"/>
-                </a:solidFill>
-                <a:latin typeface="Calibri" panose="020F0502020204030204" pitchFamily="34" charset="0"/>
-              </a:defRPr>
-            </a:lvl3pPr>
-            <a:lvl4pPr marL="1600200" indent="-228600">
-              <a:defRPr>
-                <a:solidFill>
-                  <a:schemeClr val="tx1"/>
-                </a:solidFill>
-                <a:latin typeface="Calibri" panose="020F0502020204030204" pitchFamily="34" charset="0"/>
-              </a:defRPr>
-            </a:lvl4pPr>
-            <a:lvl5pPr marL="2057400" indent="-228600">
-              <a:defRPr>
-                <a:solidFill>
-                  <a:schemeClr val="tx1"/>
-                </a:solidFill>
-                <a:latin typeface="Calibri" panose="020F0502020204030204" pitchFamily="34" charset="0"/>
-              </a:defRPr>
-            </a:lvl5pPr>
-            <a:lvl6pPr marL="2514600" indent="-228600" eaLnBrk="0" fontAlgn="base" hangingPunct="0">
-              <a:spcBef>
-                <a:spcPct val="0"/>
-              </a:spcBef>
-              <a:spcAft>
-                <a:spcPct val="0"/>
-              </a:spcAft>
-              <a:defRPr>
-                <a:solidFill>
-                  <a:schemeClr val="tx1"/>
-                </a:solidFill>
-                <a:latin typeface="Calibri" panose="020F0502020204030204" pitchFamily="34" charset="0"/>
-              </a:defRPr>
-            </a:lvl6pPr>
-            <a:lvl7pPr marL="2971800" indent="-228600" eaLnBrk="0" fontAlgn="base" hangingPunct="0">
-              <a:spcBef>
-                <a:spcPct val="0"/>
-              </a:spcBef>
-              <a:spcAft>
-                <a:spcPct val="0"/>
-              </a:spcAft>
-              <a:defRPr>
-                <a:solidFill>
-                  <a:schemeClr val="tx1"/>
-                </a:solidFill>
-                <a:latin typeface="Calibri" panose="020F0502020204030204" pitchFamily="34" charset="0"/>
-              </a:defRPr>
-            </a:lvl7pPr>
-            <a:lvl8pPr marL="3429000" indent="-228600" eaLnBrk="0" fontAlgn="base" hangingPunct="0">
-              <a:spcBef>
-                <a:spcPct val="0"/>
-              </a:spcBef>
-              <a:spcAft>
-                <a:spcPct val="0"/>
-              </a:spcAft>
-              <a:defRPr>
-                <a:solidFill>
-                  <a:schemeClr val="tx1"/>
-                </a:solidFill>
-                <a:latin typeface="Calibri" panose="020F0502020204030204" pitchFamily="34" charset="0"/>
-              </a:defRPr>
-            </a:lvl8pPr>
-            <a:lvl9pPr marL="3886200" indent="-228600" eaLnBrk="0" fontAlgn="base" hangingPunct="0">
-              <a:spcBef>
-                <a:spcPct val="0"/>
-              </a:spcBef>
-              <a:spcAft>
-                <a:spcPct val="0"/>
-              </a:spcAft>
-              <a:defRPr>
-                <a:solidFill>
-                  <a:schemeClr val="tx1"/>
-                </a:solidFill>
-                <a:latin typeface="Calibri" panose="020F0502020204030204" pitchFamily="34" charset="0"/>
-              </a:defRPr>
-            </a:lvl9pPr>
-          </a:lstStyle>
-          <a:p>
-            <a:pPr algn="ctr" eaLnBrk="1" hangingPunct="1"/>
-            <a:r>
-              <a:rPr lang="en-US" altLang="en-US" sz="1000" dirty="0">
-                <a:solidFill>
-                  <a:srgbClr val="1E8900"/>
-                </a:solidFill>
-                <a:latin typeface="Arial" panose="020B0604020202020204" pitchFamily="34" charset="0"/>
-                <a:cs typeface="Arial" panose="020B0604020202020204" pitchFamily="34" charset="0"/>
-              </a:rPr>
-              <a:t>10.0.20.0/24</a:t>
-            </a:r>
-          </a:p>
-        </p:txBody>
-      </p:sp>
-      <p:sp>
-        <p:nvSpPr>
-          <p:cNvPr id="27" name="TextBox 14">
-            <a:extLst>
-              <a:ext uri="{FF2B5EF4-FFF2-40B4-BE49-F238E27FC236}">
-                <a16:creationId xmlns:a16="http://schemas.microsoft.com/office/drawing/2014/main" id="{AC9E2F28-671B-423C-829F-228CF5744F91}"/>
-              </a:ext>
-            </a:extLst>
-          </p:cNvPr>
-          <p:cNvSpPr txBox="1">
-            <a:spLocks noChangeArrowheads="1"/>
-          </p:cNvSpPr>
-          <p:nvPr/>
-        </p:nvSpPr>
-        <p:spPr bwMode="auto">
-          <a:xfrm>
-            <a:off x="4265612" y="4909750"/>
-            <a:ext cx="2006600" cy="246063"/>
-          </a:xfrm>
-          <a:prstGeom prst="rect">
-            <a:avLst/>
-          </a:prstGeom>
-          <a:noFill/>
-          <a:ln>
-            <a:noFill/>
-          </a:ln>
-          <a:extLst>
-            <a:ext uri="{909E8E84-426E-40DD-AFC4-6F175D3DCCD1}">
-              <a14:hiddenFill xmlns:a14="http://schemas.microsoft.com/office/drawing/2010/main">
-                <a:solidFill>
-                  <a:srgbClr val="FFFFFF"/>
-                </a:solidFill>
-              </a14:hiddenFill>
-            </a:ext>
-            <a:ext uri="{91240B29-F687-4F45-9708-019B960494DF}">
-              <a14:hiddenLine xmlns:a14="http://schemas.microsoft.com/office/drawing/2010/main" w="9525">
-                <a:solidFill>
-                  <a:srgbClr val="000000"/>
-                </a:solidFill>
-                <a:miter lim="800000"/>
-                <a:headEnd/>
-                <a:tailEnd/>
-              </a14:hiddenLine>
-            </a:ext>
-          </a:extLst>
-        </p:spPr>
-        <p:txBody>
-          <a:bodyPr>
-            <a:spAutoFit/>
-          </a:bodyPr>
-          <a:lstStyle>
-            <a:lvl1pPr>
-              <a:defRPr>
-                <a:solidFill>
-                  <a:schemeClr val="tx1"/>
-                </a:solidFill>
-                <a:latin typeface="Calibri" panose="020F0502020204030204" pitchFamily="34" charset="0"/>
-              </a:defRPr>
-            </a:lvl1pPr>
-            <a:lvl2pPr marL="742950" indent="-285750">
-              <a:defRPr>
-                <a:solidFill>
-                  <a:schemeClr val="tx1"/>
-                </a:solidFill>
-                <a:latin typeface="Calibri" panose="020F0502020204030204" pitchFamily="34" charset="0"/>
-              </a:defRPr>
-            </a:lvl2pPr>
-            <a:lvl3pPr marL="1143000" indent="-228600">
-              <a:defRPr>
-                <a:solidFill>
-                  <a:schemeClr val="tx1"/>
-                </a:solidFill>
-                <a:latin typeface="Calibri" panose="020F0502020204030204" pitchFamily="34" charset="0"/>
-              </a:defRPr>
-            </a:lvl3pPr>
-            <a:lvl4pPr marL="1600200" indent="-228600">
-              <a:defRPr>
-                <a:solidFill>
-                  <a:schemeClr val="tx1"/>
-                </a:solidFill>
-                <a:latin typeface="Calibri" panose="020F0502020204030204" pitchFamily="34" charset="0"/>
-              </a:defRPr>
-            </a:lvl4pPr>
-            <a:lvl5pPr marL="2057400" indent="-228600">
-              <a:defRPr>
-                <a:solidFill>
-                  <a:schemeClr val="tx1"/>
-                </a:solidFill>
-                <a:latin typeface="Calibri" panose="020F0502020204030204" pitchFamily="34" charset="0"/>
-              </a:defRPr>
-            </a:lvl5pPr>
-            <a:lvl6pPr marL="2514600" indent="-228600" eaLnBrk="0" fontAlgn="base" hangingPunct="0">
-              <a:spcBef>
-                <a:spcPct val="0"/>
-              </a:spcBef>
-              <a:spcAft>
-                <a:spcPct val="0"/>
-              </a:spcAft>
-              <a:defRPr>
-                <a:solidFill>
-                  <a:schemeClr val="tx1"/>
-                </a:solidFill>
-                <a:latin typeface="Calibri" panose="020F0502020204030204" pitchFamily="34" charset="0"/>
-              </a:defRPr>
-            </a:lvl6pPr>
-            <a:lvl7pPr marL="2971800" indent="-228600" eaLnBrk="0" fontAlgn="base" hangingPunct="0">
-              <a:spcBef>
-                <a:spcPct val="0"/>
-              </a:spcBef>
-              <a:spcAft>
-                <a:spcPct val="0"/>
-              </a:spcAft>
-              <a:defRPr>
-                <a:solidFill>
-                  <a:schemeClr val="tx1"/>
-                </a:solidFill>
-                <a:latin typeface="Calibri" panose="020F0502020204030204" pitchFamily="34" charset="0"/>
-              </a:defRPr>
-            </a:lvl7pPr>
-            <a:lvl8pPr marL="3429000" indent="-228600" eaLnBrk="0" fontAlgn="base" hangingPunct="0">
-              <a:spcBef>
-                <a:spcPct val="0"/>
-              </a:spcBef>
-              <a:spcAft>
-                <a:spcPct val="0"/>
-              </a:spcAft>
-              <a:defRPr>
-                <a:solidFill>
-                  <a:schemeClr val="tx1"/>
-                </a:solidFill>
-                <a:latin typeface="Calibri" panose="020F0502020204030204" pitchFamily="34" charset="0"/>
-              </a:defRPr>
-            </a:lvl8pPr>
-            <a:lvl9pPr marL="3886200" indent="-228600" eaLnBrk="0" fontAlgn="base" hangingPunct="0">
-              <a:spcBef>
-                <a:spcPct val="0"/>
-              </a:spcBef>
-              <a:spcAft>
-                <a:spcPct val="0"/>
-              </a:spcAft>
-              <a:defRPr>
-                <a:solidFill>
-                  <a:schemeClr val="tx1"/>
-                </a:solidFill>
-                <a:latin typeface="Calibri" panose="020F0502020204030204" pitchFamily="34" charset="0"/>
-              </a:defRPr>
-            </a:lvl9pPr>
-          </a:lstStyle>
-          <a:p>
-            <a:pPr algn="ctr" eaLnBrk="1" hangingPunct="1"/>
-            <a:r>
-              <a:rPr lang="en-US" altLang="en-US" sz="1000" dirty="0">
-                <a:solidFill>
-                  <a:srgbClr val="1E8900"/>
-                </a:solidFill>
-                <a:latin typeface="Arial" panose="020B0604020202020204" pitchFamily="34" charset="0"/>
-                <a:cs typeface="Arial" panose="020B0604020202020204" pitchFamily="34" charset="0"/>
-              </a:rPr>
-              <a:t>10.0.0.0/16</a:t>
-            </a:r>
-          </a:p>
-        </p:txBody>
-      </p:sp>
-      <p:cxnSp>
-        <p:nvCxnSpPr>
-          <p:cNvPr id="31" name="Straight Arrow Connector 13">
-            <a:extLst>
-              <a:ext uri="{FF2B5EF4-FFF2-40B4-BE49-F238E27FC236}">
-                <a16:creationId xmlns:a16="http://schemas.microsoft.com/office/drawing/2014/main" id="{E092DCDA-E8E3-4F30-B64D-E1997A2172E2}"/>
-              </a:ext>
-            </a:extLst>
-          </p:cNvPr>
-          <p:cNvCxnSpPr>
-            <a:cxnSpLocks/>
-          </p:cNvCxnSpPr>
-          <p:nvPr/>
-        </p:nvCxnSpPr>
-        <p:spPr>
-          <a:xfrm>
-            <a:off x="2701487" y="3338755"/>
-            <a:ext cx="0" cy="375231"/>
-          </a:xfrm>
-          <a:prstGeom prst="straightConnector1">
-            <a:avLst/>
-          </a:prstGeom>
-          <a:ln w="12700">
-            <a:solidFill>
-              <a:srgbClr val="545B64"/>
-            </a:solidFill>
-            <a:headEnd type="arrow" w="med" len="med"/>
-            <a:tailEnd type="arrow" w="med" len="med"/>
-          </a:ln>
-        </p:spPr>
-        <p:style>
-          <a:lnRef idx="1">
-            <a:schemeClr val="accent1"/>
-          </a:lnRef>
-          <a:fillRef idx="0">
-            <a:schemeClr val="accent1"/>
-          </a:fillRef>
-          <a:effectRef idx="0">
-            <a:schemeClr val="accent1"/>
-          </a:effectRef>
-          <a:fontRef idx="minor">
-            <a:schemeClr val="tx1"/>
-          </a:fontRef>
-        </p:style>
-      </p:cxnSp>
-      <p:pic>
-        <p:nvPicPr>
-          <p:cNvPr id="43" name="Graphic 12">
-            <a:extLst>
-              <a:ext uri="{FF2B5EF4-FFF2-40B4-BE49-F238E27FC236}">
-                <a16:creationId xmlns:a16="http://schemas.microsoft.com/office/drawing/2014/main" id="{295B33A4-A5B6-4B6D-BAD0-B37D9AD33A10}"/>
-              </a:ext>
-            </a:extLst>
-          </p:cNvPr>
-          <p:cNvPicPr>
-            <a:picLocks noChangeAspect="1" noChangeArrowheads="1"/>
-          </p:cNvPicPr>
-          <p:nvPr/>
-        </p:nvPicPr>
-        <p:blipFill>
-          <a:blip r:embed="rId12">
-            <a:extLst>
-              <a:ext uri="{28A0092B-C50C-407E-A947-70E740481C1C}">
-                <a14:useLocalDpi xmlns:a14="http://schemas.microsoft.com/office/drawing/2010/main" val="0"/>
-              </a:ext>
-            </a:extLst>
-          </a:blip>
-          <a:srcRect/>
-          <a:stretch>
-            <a:fillRect/>
-          </a:stretch>
-        </p:blipFill>
-        <p:spPr bwMode="auto">
-          <a:xfrm>
-            <a:off x="7635874" y="2737063"/>
-            <a:ext cx="469900" cy="469900"/>
-          </a:xfrm>
-          <a:prstGeom prst="rect">
-            <a:avLst/>
-          </a:prstGeom>
-          <a:noFill/>
-          <a:ln>
-            <a:noFill/>
-          </a:ln>
-          <a:extLst>
-            <a:ext uri="{909E8E84-426E-40DD-AFC4-6F175D3DCCD1}">
-              <a14:hiddenFill xmlns:a14="http://schemas.microsoft.com/office/drawing/2010/main">
-                <a:solidFill>
-                  <a:srgbClr val="FFFFFF"/>
-                </a:solidFill>
-              </a14:hiddenFill>
-            </a:ext>
-            <a:ext uri="{91240B29-F687-4F45-9708-019B960494DF}">
-              <a14:hiddenLine xmlns:a14="http://schemas.microsoft.com/office/drawing/2010/main" w="9525">
-                <a:solidFill>
-                  <a:srgbClr val="000000"/>
-                </a:solidFill>
-                <a:miter lim="800000"/>
-                <a:headEnd/>
-                <a:tailEnd/>
-              </a14:hiddenLine>
-            </a:ext>
-          </a:extLst>
-        </p:spPr>
-      </p:pic>
-      <p:sp>
-        <p:nvSpPr>
-          <p:cNvPr id="44" name="TextBox 29">
-            <a:extLst>
-              <a:ext uri="{FF2B5EF4-FFF2-40B4-BE49-F238E27FC236}">
-                <a16:creationId xmlns:a16="http://schemas.microsoft.com/office/drawing/2014/main" id="{432C1DE3-E9C7-4FC1-A8BB-B1D4096D6D5C}"/>
-              </a:ext>
-            </a:extLst>
-          </p:cNvPr>
-          <p:cNvSpPr txBox="1">
-            <a:spLocks noChangeArrowheads="1"/>
-          </p:cNvSpPr>
-          <p:nvPr/>
-        </p:nvSpPr>
-        <p:spPr bwMode="auto">
-          <a:xfrm>
-            <a:off x="7334249" y="3265701"/>
-            <a:ext cx="1073150" cy="261610"/>
-          </a:xfrm>
-          <a:prstGeom prst="rect">
-            <a:avLst/>
-          </a:prstGeom>
-          <a:noFill/>
-          <a:ln>
-            <a:noFill/>
-          </a:ln>
-          <a:extLst>
-            <a:ext uri="{909E8E84-426E-40DD-AFC4-6F175D3DCCD1}">
-              <a14:hiddenFill xmlns:a14="http://schemas.microsoft.com/office/drawing/2010/main">
-                <a:solidFill>
-                  <a:srgbClr val="FFFFFF"/>
-                </a:solidFill>
-              </a14:hiddenFill>
-            </a:ext>
-            <a:ext uri="{91240B29-F687-4F45-9708-019B960494DF}">
-              <a14:hiddenLine xmlns:a14="http://schemas.microsoft.com/office/drawing/2010/main" w="9525">
-                <a:solidFill>
-                  <a:srgbClr val="000000"/>
-                </a:solidFill>
-                <a:miter lim="800000"/>
-                <a:headEnd/>
-                <a:tailEnd/>
-              </a14:hiddenLine>
-            </a:ext>
-          </a:extLst>
-        </p:spPr>
-        <p:txBody>
-          <a:bodyPr>
-            <a:spAutoFit/>
-          </a:bodyPr>
-          <a:lstStyle>
-            <a:lvl1pPr>
-              <a:defRPr>
-                <a:solidFill>
-                  <a:schemeClr val="tx1"/>
-                </a:solidFill>
-                <a:latin typeface="Calibri" panose="020F0502020204030204" pitchFamily="34" charset="0"/>
-              </a:defRPr>
-            </a:lvl1pPr>
-            <a:lvl2pPr marL="742950" indent="-285750">
-              <a:defRPr>
-                <a:solidFill>
-                  <a:schemeClr val="tx1"/>
-                </a:solidFill>
-                <a:latin typeface="Calibri" panose="020F0502020204030204" pitchFamily="34" charset="0"/>
-              </a:defRPr>
-            </a:lvl2pPr>
-            <a:lvl3pPr marL="1143000" indent="-228600">
-              <a:defRPr>
-                <a:solidFill>
-                  <a:schemeClr val="tx1"/>
-                </a:solidFill>
-                <a:latin typeface="Calibri" panose="020F0502020204030204" pitchFamily="34" charset="0"/>
-              </a:defRPr>
-            </a:lvl3pPr>
-            <a:lvl4pPr marL="1600200" indent="-228600">
-              <a:defRPr>
-                <a:solidFill>
-                  <a:schemeClr val="tx1"/>
-                </a:solidFill>
-                <a:latin typeface="Calibri" panose="020F0502020204030204" pitchFamily="34" charset="0"/>
-              </a:defRPr>
-            </a:lvl4pPr>
-            <a:lvl5pPr marL="2057400" indent="-228600">
-              <a:defRPr>
-                <a:solidFill>
-                  <a:schemeClr val="tx1"/>
-                </a:solidFill>
-                <a:latin typeface="Calibri" panose="020F0502020204030204" pitchFamily="34" charset="0"/>
-              </a:defRPr>
-            </a:lvl5pPr>
-            <a:lvl6pPr marL="2514600" indent="-228600" eaLnBrk="0" fontAlgn="base" hangingPunct="0">
-              <a:spcBef>
-                <a:spcPct val="0"/>
-              </a:spcBef>
-              <a:spcAft>
-                <a:spcPct val="0"/>
-              </a:spcAft>
-              <a:defRPr>
-                <a:solidFill>
-                  <a:schemeClr val="tx1"/>
-                </a:solidFill>
-                <a:latin typeface="Calibri" panose="020F0502020204030204" pitchFamily="34" charset="0"/>
-              </a:defRPr>
-            </a:lvl6pPr>
-            <a:lvl7pPr marL="2971800" indent="-228600" eaLnBrk="0" fontAlgn="base" hangingPunct="0">
-              <a:spcBef>
-                <a:spcPct val="0"/>
-              </a:spcBef>
-              <a:spcAft>
-                <a:spcPct val="0"/>
-              </a:spcAft>
-              <a:defRPr>
-                <a:solidFill>
-                  <a:schemeClr val="tx1"/>
-                </a:solidFill>
-                <a:latin typeface="Calibri" panose="020F0502020204030204" pitchFamily="34" charset="0"/>
-              </a:defRPr>
-            </a:lvl7pPr>
-            <a:lvl8pPr marL="3429000" indent="-228600" eaLnBrk="0" fontAlgn="base" hangingPunct="0">
-              <a:spcBef>
-                <a:spcPct val="0"/>
-              </a:spcBef>
-              <a:spcAft>
-                <a:spcPct val="0"/>
-              </a:spcAft>
-              <a:defRPr>
-                <a:solidFill>
-                  <a:schemeClr val="tx1"/>
-                </a:solidFill>
-                <a:latin typeface="Calibri" panose="020F0502020204030204" pitchFamily="34" charset="0"/>
-              </a:defRPr>
-            </a:lvl8pPr>
-            <a:lvl9pPr marL="3886200" indent="-228600" eaLnBrk="0" fontAlgn="base" hangingPunct="0">
-              <a:spcBef>
-                <a:spcPct val="0"/>
-              </a:spcBef>
-              <a:spcAft>
-                <a:spcPct val="0"/>
-              </a:spcAft>
-              <a:defRPr>
-                <a:solidFill>
-                  <a:schemeClr val="tx1"/>
-                </a:solidFill>
-                <a:latin typeface="Calibri" panose="020F0502020204030204" pitchFamily="34" charset="0"/>
-              </a:defRPr>
-            </a:lvl9pPr>
-          </a:lstStyle>
-          <a:p>
-            <a:pPr algn="ctr" eaLnBrk="1" hangingPunct="1"/>
-            <a:r>
-              <a:rPr lang="en-US" altLang="en-US" sz="1100" dirty="0">
-                <a:solidFill>
-                  <a:srgbClr val="000000"/>
-                </a:solidFill>
-                <a:latin typeface="Arial" panose="020B0604020202020204" pitchFamily="34" charset="0"/>
-                <a:cs typeface="Arial" panose="020B0604020202020204" pitchFamily="34" charset="0"/>
-              </a:rPr>
-              <a:t>Internet</a:t>
-            </a:r>
-          </a:p>
-        </p:txBody>
-      </p:sp>
-      <p:cxnSp>
-        <p:nvCxnSpPr>
-          <p:cNvPr id="45" name="Straight Arrow Connector 13">
-            <a:extLst>
-              <a:ext uri="{FF2B5EF4-FFF2-40B4-BE49-F238E27FC236}">
-                <a16:creationId xmlns:a16="http://schemas.microsoft.com/office/drawing/2014/main" id="{AB3B3299-54AC-42A9-A4D0-06C708D4DD57}"/>
-              </a:ext>
-            </a:extLst>
-          </p:cNvPr>
-          <p:cNvCxnSpPr>
-            <a:cxnSpLocks/>
-            <a:stCxn id="43" idx="1"/>
-            <a:endCxn id="57" idx="3"/>
-          </p:cNvCxnSpPr>
-          <p:nvPr/>
-        </p:nvCxnSpPr>
-        <p:spPr>
-          <a:xfrm flipH="1" flipV="1">
-            <a:off x="6529730" y="2968758"/>
-            <a:ext cx="1106144" cy="3255"/>
-          </a:xfrm>
-          <a:prstGeom prst="straightConnector1">
-            <a:avLst/>
-          </a:prstGeom>
-          <a:ln w="12700">
-            <a:solidFill>
-              <a:srgbClr val="545B64"/>
-            </a:solidFill>
-            <a:headEnd type="arrow" w="med" len="med"/>
-            <a:tailEnd type="arrow" w="med" len="med"/>
-          </a:ln>
-        </p:spPr>
-        <p:style>
-          <a:lnRef idx="1">
-            <a:schemeClr val="accent1"/>
-          </a:lnRef>
-          <a:fillRef idx="0">
-            <a:schemeClr val="accent1"/>
-          </a:fillRef>
-          <a:effectRef idx="0">
-            <a:schemeClr val="accent1"/>
-          </a:effectRef>
-          <a:fontRef idx="minor">
-            <a:schemeClr val="tx1"/>
-          </a:fontRef>
-        </p:style>
-      </p:cxnSp>
-      <p:pic>
-        <p:nvPicPr>
-          <p:cNvPr id="48" name="Graphic 23">
-            <a:extLst>
-              <a:ext uri="{FF2B5EF4-FFF2-40B4-BE49-F238E27FC236}">
-                <a16:creationId xmlns:a16="http://schemas.microsoft.com/office/drawing/2014/main" id="{28210B69-1A8E-4190-9342-FD3B547E17B0}"/>
-              </a:ext>
-            </a:extLst>
-          </p:cNvPr>
-          <p:cNvPicPr>
-            <a:picLocks noChangeAspect="1" noChangeArrowheads="1"/>
-          </p:cNvPicPr>
-          <p:nvPr/>
-        </p:nvPicPr>
-        <p:blipFill>
-          <a:blip r:embed="rId13">
-            <a:extLst>
-              <a:ext uri="{96DAC541-7B7A-43D3-8B79-37D633B846F1}">
-                <asvg:svgBlip xmlns:asvg="http://schemas.microsoft.com/office/drawing/2016/SVG/main" r:embed="rId14"/>
-              </a:ext>
-            </a:extLst>
-          </a:blip>
-          <a:srcRect/>
-          <a:stretch/>
-        </p:blipFill>
-        <p:spPr bwMode="auto">
-          <a:xfrm flipH="1">
-            <a:off x="9661523" y="2730915"/>
-            <a:ext cx="469900" cy="469900"/>
-          </a:xfrm>
-          <a:prstGeom prst="rect">
-            <a:avLst/>
-          </a:prstGeom>
-          <a:noFill/>
-          <a:ln>
-            <a:noFill/>
-          </a:ln>
-          <a:extLst>
-            <a:ext uri="{909E8E84-426E-40DD-AFC4-6F175D3DCCD1}">
-              <a14:hiddenFill xmlns:a14="http://schemas.microsoft.com/office/drawing/2010/main">
-                <a:solidFill>
-                  <a:srgbClr val="FFFFFF"/>
-                </a:solidFill>
-              </a14:hiddenFill>
-            </a:ext>
-            <a:ext uri="{91240B29-F687-4F45-9708-019B960494DF}">
-              <a14:hiddenLine xmlns:a14="http://schemas.microsoft.com/office/drawing/2010/main" w="9525">
-                <a:solidFill>
-                  <a:srgbClr val="000000"/>
-                </a:solidFill>
-                <a:miter lim="800000"/>
-                <a:headEnd/>
-                <a:tailEnd/>
-              </a14:hiddenLine>
-            </a:ext>
-          </a:extLst>
-        </p:spPr>
-      </p:pic>
-      <p:sp>
-        <p:nvSpPr>
-          <p:cNvPr id="49" name="TextBox 40">
-            <a:extLst>
-              <a:ext uri="{FF2B5EF4-FFF2-40B4-BE49-F238E27FC236}">
-                <a16:creationId xmlns:a16="http://schemas.microsoft.com/office/drawing/2014/main" id="{6B1EAB84-8A43-4761-A56A-898017C7D172}"/>
-              </a:ext>
-            </a:extLst>
-          </p:cNvPr>
-          <p:cNvSpPr txBox="1">
-            <a:spLocks noChangeArrowheads="1"/>
-          </p:cNvSpPr>
-          <p:nvPr/>
-        </p:nvSpPr>
-        <p:spPr bwMode="auto">
-          <a:xfrm>
-            <a:off x="9359898" y="3302415"/>
-            <a:ext cx="1073150" cy="261610"/>
-          </a:xfrm>
-          <a:prstGeom prst="rect">
-            <a:avLst/>
-          </a:prstGeom>
-          <a:noFill/>
-          <a:ln>
-            <a:noFill/>
-          </a:ln>
-          <a:extLst>
-            <a:ext uri="{909E8E84-426E-40DD-AFC4-6F175D3DCCD1}">
-              <a14:hiddenFill xmlns:a14="http://schemas.microsoft.com/office/drawing/2010/main">
-                <a:solidFill>
-                  <a:srgbClr val="FFFFFF"/>
-                </a:solidFill>
-              </a14:hiddenFill>
-            </a:ext>
-            <a:ext uri="{91240B29-F687-4F45-9708-019B960494DF}">
-              <a14:hiddenLine xmlns:a14="http://schemas.microsoft.com/office/drawing/2010/main" w="9525">
-                <a:solidFill>
-                  <a:srgbClr val="000000"/>
-                </a:solidFill>
-                <a:miter lim="800000"/>
-                <a:headEnd/>
-                <a:tailEnd/>
-              </a14:hiddenLine>
-            </a:ext>
-          </a:extLst>
-        </p:spPr>
-        <p:txBody>
-          <a:bodyPr>
-            <a:spAutoFit/>
-          </a:bodyPr>
-          <a:lstStyle>
-            <a:lvl1pPr>
-              <a:defRPr>
-                <a:solidFill>
-                  <a:schemeClr val="tx1"/>
-                </a:solidFill>
-                <a:latin typeface="Calibri" panose="020F0502020204030204" pitchFamily="34" charset="0"/>
-              </a:defRPr>
-            </a:lvl1pPr>
-            <a:lvl2pPr marL="742950" indent="-285750">
-              <a:defRPr>
-                <a:solidFill>
-                  <a:schemeClr val="tx1"/>
-                </a:solidFill>
-                <a:latin typeface="Calibri" panose="020F0502020204030204" pitchFamily="34" charset="0"/>
-              </a:defRPr>
-            </a:lvl2pPr>
-            <a:lvl3pPr marL="1143000" indent="-228600">
-              <a:defRPr>
-                <a:solidFill>
-                  <a:schemeClr val="tx1"/>
-                </a:solidFill>
-                <a:latin typeface="Calibri" panose="020F0502020204030204" pitchFamily="34" charset="0"/>
-              </a:defRPr>
-            </a:lvl3pPr>
-            <a:lvl4pPr marL="1600200" indent="-228600">
-              <a:defRPr>
-                <a:solidFill>
-                  <a:schemeClr val="tx1"/>
-                </a:solidFill>
-                <a:latin typeface="Calibri" panose="020F0502020204030204" pitchFamily="34" charset="0"/>
-              </a:defRPr>
-            </a:lvl4pPr>
-            <a:lvl5pPr marL="2057400" indent="-228600">
-              <a:defRPr>
-                <a:solidFill>
-                  <a:schemeClr val="tx1"/>
-                </a:solidFill>
-                <a:latin typeface="Calibri" panose="020F0502020204030204" pitchFamily="34" charset="0"/>
-              </a:defRPr>
-            </a:lvl5pPr>
-            <a:lvl6pPr marL="2514600" indent="-228600" eaLnBrk="0" fontAlgn="base" hangingPunct="0">
-              <a:spcBef>
-                <a:spcPct val="0"/>
-              </a:spcBef>
-              <a:spcAft>
-                <a:spcPct val="0"/>
-              </a:spcAft>
-              <a:defRPr>
-                <a:solidFill>
-                  <a:schemeClr val="tx1"/>
-                </a:solidFill>
-                <a:latin typeface="Calibri" panose="020F0502020204030204" pitchFamily="34" charset="0"/>
-              </a:defRPr>
-            </a:lvl6pPr>
-            <a:lvl7pPr marL="2971800" indent="-228600" eaLnBrk="0" fontAlgn="base" hangingPunct="0">
-              <a:spcBef>
-                <a:spcPct val="0"/>
-              </a:spcBef>
-              <a:spcAft>
-                <a:spcPct val="0"/>
-              </a:spcAft>
-              <a:defRPr>
-                <a:solidFill>
-                  <a:schemeClr val="tx1"/>
-                </a:solidFill>
-                <a:latin typeface="Calibri" panose="020F0502020204030204" pitchFamily="34" charset="0"/>
-              </a:defRPr>
-            </a:lvl7pPr>
-            <a:lvl8pPr marL="3429000" indent="-228600" eaLnBrk="0" fontAlgn="base" hangingPunct="0">
-              <a:spcBef>
-                <a:spcPct val="0"/>
-              </a:spcBef>
-              <a:spcAft>
-                <a:spcPct val="0"/>
-              </a:spcAft>
-              <a:defRPr>
-                <a:solidFill>
-                  <a:schemeClr val="tx1"/>
-                </a:solidFill>
-                <a:latin typeface="Calibri" panose="020F0502020204030204" pitchFamily="34" charset="0"/>
-              </a:defRPr>
-            </a:lvl8pPr>
-            <a:lvl9pPr marL="3886200" indent="-228600" eaLnBrk="0" fontAlgn="base" hangingPunct="0">
-              <a:spcBef>
-                <a:spcPct val="0"/>
-              </a:spcBef>
-              <a:spcAft>
-                <a:spcPct val="0"/>
-              </a:spcAft>
-              <a:defRPr>
-                <a:solidFill>
-                  <a:schemeClr val="tx1"/>
-                </a:solidFill>
-                <a:latin typeface="Calibri" panose="020F0502020204030204" pitchFamily="34" charset="0"/>
-              </a:defRPr>
-            </a:lvl9pPr>
-          </a:lstStyle>
-          <a:p>
-            <a:pPr algn="ctr" eaLnBrk="1" hangingPunct="1"/>
-            <a:r>
-              <a:rPr lang="en-US" altLang="en-US" sz="1100" dirty="0">
-                <a:solidFill>
-                  <a:srgbClr val="000000"/>
-                </a:solidFill>
-                <a:latin typeface="Arial" panose="020B0604020202020204" pitchFamily="34" charset="0"/>
-                <a:cs typeface="Arial" panose="020B0604020202020204" pitchFamily="34" charset="0"/>
-              </a:rPr>
-              <a:t>Users</a:t>
-            </a:r>
-          </a:p>
-        </p:txBody>
-      </p:sp>
-      <p:cxnSp>
-        <p:nvCxnSpPr>
-          <p:cNvPr id="50" name="Straight Arrow Connector 13">
-            <a:extLst>
-              <a:ext uri="{FF2B5EF4-FFF2-40B4-BE49-F238E27FC236}">
-                <a16:creationId xmlns:a16="http://schemas.microsoft.com/office/drawing/2014/main" id="{50A9D7E9-EAA6-4703-91F5-E25A17DA4103}"/>
-              </a:ext>
-            </a:extLst>
-          </p:cNvPr>
-          <p:cNvCxnSpPr>
-            <a:cxnSpLocks/>
-            <a:stCxn id="48" idx="3"/>
-            <a:endCxn id="43" idx="3"/>
-          </p:cNvCxnSpPr>
-          <p:nvPr/>
-        </p:nvCxnSpPr>
-        <p:spPr>
-          <a:xfrm flipH="1">
-            <a:off x="8105774" y="2965865"/>
-            <a:ext cx="1555749" cy="6148"/>
-          </a:xfrm>
-          <a:prstGeom prst="straightConnector1">
-            <a:avLst/>
-          </a:prstGeom>
-          <a:ln w="12700">
-            <a:solidFill>
-              <a:srgbClr val="545B64"/>
-            </a:solidFill>
-            <a:headEnd type="arrow" w="med" len="med"/>
-            <a:tailEnd type="arrow" w="med" len="med"/>
-          </a:ln>
-        </p:spPr>
-        <p:style>
-          <a:lnRef idx="1">
-            <a:schemeClr val="accent1"/>
-          </a:lnRef>
-          <a:fillRef idx="0">
-            <a:schemeClr val="accent1"/>
-          </a:fillRef>
-          <a:effectRef idx="0">
-            <a:schemeClr val="accent1"/>
-          </a:effectRef>
-          <a:fontRef idx="minor">
-            <a:schemeClr val="tx1"/>
-          </a:fontRef>
-        </p:style>
-      </p:cxnSp>
-      <p:sp>
-        <p:nvSpPr>
-          <p:cNvPr id="55" name="TextBox 8">
-            <a:extLst>
-              <a:ext uri="{FF2B5EF4-FFF2-40B4-BE49-F238E27FC236}">
-                <a16:creationId xmlns:a16="http://schemas.microsoft.com/office/drawing/2014/main" id="{0652558F-18D7-46DE-B3E5-BBF02356E20E}"/>
-              </a:ext>
-            </a:extLst>
-          </p:cNvPr>
-          <p:cNvSpPr txBox="1">
-            <a:spLocks noChangeArrowheads="1"/>
-          </p:cNvSpPr>
-          <p:nvPr/>
-        </p:nvSpPr>
-        <p:spPr bwMode="auto">
-          <a:xfrm>
-            <a:off x="2250160" y="4520405"/>
+            <a:off x="2234285" y="5520530"/>
             <a:ext cx="1493838" cy="261610"/>
           </a:xfrm>
           <a:prstGeom prst="rect">
@@ -5755,14 +5783,14 @@
             <a:noFill/>
           </a:ln>
           <a:extLst>
-            <a:ext uri="{909E8E84-426E-40DD-AFC4-6F175D3DCCD1}">
+            <a:ext uri="{909E8E84-426E-40dd-AFC4-6F175D3DCCD1}">
               <a14:hiddenFill xmlns:a14="http://schemas.microsoft.com/office/drawing/2010/main">
                 <a:solidFill>
                   <a:srgbClr val="FFFFFF"/>
                 </a:solidFill>
               </a14:hiddenFill>
             </a:ext>
-            <a:ext uri="{91240B29-F687-4F45-9708-019B960494DF}">
+            <a:ext uri="{91240B29-F687-4f45-9708-019B960494DF}">
               <a14:hiddenLine xmlns:a14="http://schemas.microsoft.com/office/drawing/2010/main" w="9525">
                 <a:solidFill>
                   <a:srgbClr val="000000"/>
@@ -5894,7 +5922,7 @@
           <p:cNvPr id="56" name="Graphic 53">
             <a:extLst>
               <a:ext uri="{FF2B5EF4-FFF2-40B4-BE49-F238E27FC236}">
-                <a16:creationId xmlns:a16="http://schemas.microsoft.com/office/drawing/2014/main" id="{2674A563-3220-44B6-B5F0-F1E98B75D09C}"/>
+                <a16:creationId xmlns:a16="http://schemas.microsoft.com/office/drawing/2014/main" xmlns="" id="{2674A563-3220-44B6-B5F0-F1E98B75D09C}"/>
               </a:ext>
             </a:extLst>
           </p:cNvPr>
@@ -5904,7 +5932,7 @@
           <p:nvPr/>
         </p:nvPicPr>
         <p:blipFill>
-          <a:blip r:embed="rId15">
+          <a:blip r:embed="rId16">
             <a:extLst>
               <a:ext uri="{28A0092B-C50C-407E-A947-70E740481C1C}">
                 <a14:useLocalDpi xmlns:a14="http://schemas.microsoft.com/office/drawing/2010/main" val="0"/>
@@ -5918,7 +5946,7 @@
         </p:blipFill>
         <p:spPr bwMode="auto">
           <a:xfrm>
-            <a:off x="2707915" y="4111146"/>
+            <a:off x="2692040" y="5111271"/>
             <a:ext cx="457200" cy="457200"/>
           </a:xfrm>
           <a:prstGeom prst="rect">
@@ -5929,14 +5957,14 @@
             <a:noFill/>
           </a:ln>
           <a:extLst>
-            <a:ext uri="{909E8E84-426E-40DD-AFC4-6F175D3DCCD1}">
+            <a:ext uri="{909E8E84-426E-40dd-AFC4-6F175D3DCCD1}">
               <a14:hiddenFill xmlns:a14="http://schemas.microsoft.com/office/drawing/2010/main">
                 <a:solidFill>
                   <a:srgbClr val="FFFFFF"/>
                 </a:solidFill>
               </a14:hiddenFill>
             </a:ext>
-            <a:ext uri="{91240B29-F687-4F45-9708-019B960494DF}">
+            <a:ext uri="{91240B29-F687-4f45-9708-019B960494DF}">
               <a14:hiddenLine xmlns:a14="http://schemas.microsoft.com/office/drawing/2010/main" w="9525">
                 <a:solidFill>
                   <a:srgbClr val="000000"/>
@@ -5954,7 +5982,7 @@
           <p:cNvPr id="57" name="Graphic 21">
             <a:extLst>
               <a:ext uri="{FF2B5EF4-FFF2-40B4-BE49-F238E27FC236}">
-                <a16:creationId xmlns:a16="http://schemas.microsoft.com/office/drawing/2014/main" id="{4AB77AEE-1513-43F9-9CBC-E6FBAF53482F}"/>
+                <a16:creationId xmlns:a16="http://schemas.microsoft.com/office/drawing/2014/main" xmlns="" id="{4AB77AEE-1513-43F9-9CBC-E6FBAF53482F}"/>
               </a:ext>
             </a:extLst>
           </p:cNvPr>
@@ -5964,7 +5992,7 @@
           <p:nvPr/>
         </p:nvPicPr>
         <p:blipFill>
-          <a:blip r:embed="rId16">
+          <a:blip r:embed="rId17">
             <a:extLst>
               <a:ext uri="{28A0092B-C50C-407E-A947-70E740481C1C}">
                 <a14:useLocalDpi xmlns:a14="http://schemas.microsoft.com/office/drawing/2010/main" val="0"/>
@@ -5978,7 +6006,7 @@
         </p:blipFill>
         <p:spPr bwMode="auto">
           <a:xfrm>
-            <a:off x="6054875" y="2731330"/>
+            <a:off x="7531250" y="3080580"/>
             <a:ext cx="474855" cy="474855"/>
           </a:xfrm>
           <a:prstGeom prst="rect">
@@ -5989,14 +6017,14 @@
             <a:noFill/>
           </a:ln>
           <a:extLst>
-            <a:ext uri="{909E8E84-426E-40DD-AFC4-6F175D3DCCD1}">
+            <a:ext uri="{909E8E84-426E-40dd-AFC4-6F175D3DCCD1}">
               <a14:hiddenFill xmlns:a14="http://schemas.microsoft.com/office/drawing/2010/main">
                 <a:solidFill>
                   <a:srgbClr val="FFFFFF"/>
                 </a:solidFill>
               </a14:hiddenFill>
             </a:ext>
-            <a:ext uri="{91240B29-F687-4F45-9708-019B960494DF}">
+            <a:ext uri="{91240B29-F687-4f45-9708-019B960494DF}">
               <a14:hiddenLine xmlns:a14="http://schemas.microsoft.com/office/drawing/2010/main" w="9525">
                 <a:solidFill>
                   <a:srgbClr val="000000"/>
@@ -6014,7 +6042,7 @@
           <p:cNvPr id="58" name="TextBox 12">
             <a:extLst>
               <a:ext uri="{FF2B5EF4-FFF2-40B4-BE49-F238E27FC236}">
-                <a16:creationId xmlns:a16="http://schemas.microsoft.com/office/drawing/2014/main" id="{8499D2FF-6F72-4F3A-8693-274B735C1F12}"/>
+                <a16:creationId xmlns:a16="http://schemas.microsoft.com/office/drawing/2014/main" xmlns="" id="{8499D2FF-6F72-4F3A-8693-274B735C1F12}"/>
               </a:ext>
             </a:extLst>
           </p:cNvPr>
@@ -6025,7 +6053,7 @@
         </p:nvSpPr>
         <p:spPr bwMode="auto">
           <a:xfrm>
-            <a:off x="5199500" y="3243566"/>
+            <a:off x="6660000" y="3576941"/>
             <a:ext cx="2279650" cy="276999"/>
           </a:xfrm>
           <a:prstGeom prst="rect">
@@ -6036,14 +6064,14 @@
             <a:noFill/>
           </a:ln>
           <a:extLst>
-            <a:ext uri="{909E8E84-426E-40DD-AFC4-6F175D3DCCD1}">
+            <a:ext uri="{909E8E84-426E-40dd-AFC4-6F175D3DCCD1}">
               <a14:hiddenFill xmlns:a14="http://schemas.microsoft.com/office/drawing/2010/main">
                 <a:solidFill>
                   <a:srgbClr val="FFFFFF"/>
                 </a:solidFill>
               </a14:hiddenFill>
             </a:ext>
-            <a:ext uri="{91240B29-F687-4F45-9708-019B960494DF}">
+            <a:ext uri="{91240B29-F687-4f45-9708-019B960494DF}">
               <a14:hiddenLine xmlns:a14="http://schemas.microsoft.com/office/drawing/2010/main" w="9525">
                 <a:solidFill>
                   <a:srgbClr val="000000"/>
@@ -6175,7 +6203,7 @@
           <p:cNvPr id="32" name="Rectangle 5">
             <a:extLst>
               <a:ext uri="{FF2B5EF4-FFF2-40B4-BE49-F238E27FC236}">
-                <a16:creationId xmlns:a16="http://schemas.microsoft.com/office/drawing/2014/main" id="{FB096756-7D20-4ECD-9433-C65DBE27DC15}"/>
+                <a16:creationId xmlns:a16="http://schemas.microsoft.com/office/drawing/2014/main" xmlns="" id="{FB096756-7D20-4ECD-9433-C65DBE27DC15}"/>
               </a:ext>
             </a:extLst>
           </p:cNvPr>
@@ -6185,7 +6213,7 @@
         <p:spPr bwMode="auto">
           <a:xfrm>
             <a:off x="1665999" y="1702186"/>
-            <a:ext cx="3063601" cy="3298439"/>
+            <a:ext cx="5303126" cy="4441439"/>
           </a:xfrm>
           <a:prstGeom prst="rect">
             <a:avLst/>
@@ -6218,25 +6246,86 @@
           <a:bodyPr tIns="91440"/>
           <a:lstStyle/>
           <a:p>
-            <a:pPr algn="ctr" eaLnBrk="1" fontAlgn="auto" hangingPunct="1">
-              <a:spcBef>
-                <a:spcPts val="0"/>
-              </a:spcBef>
-              <a:spcAft>
-                <a:spcPts val="0"/>
-              </a:spcAft>
+            <a:pPr algn="ctr">
               <a:defRPr/>
             </a:pPr>
             <a:r>
-              <a:rPr lang="en-US" sz="1200" dirty="0">
+              <a:rPr lang="en-US" sz="1200" dirty="0" smtClean="0">
                 <a:solidFill>
                   <a:srgbClr val="5B9CD5"/>
                 </a:solidFill>
                 <a:latin typeface="Arial" panose="020B0604020202020204" pitchFamily="34" charset="0"/>
                 <a:cs typeface="Arial" panose="020B0604020202020204" pitchFamily="34" charset="0"/>
               </a:rPr>
-              <a:t>Availability Zone 1</a:t>
-            </a:r>
+              <a:t>A</a:t>
+            </a:r>
+            <a:r>
+              <a:rPr lang="en-US" sz="1200" dirty="0" smtClean="0">
+                <a:solidFill>
+                  <a:srgbClr val="5B9CD5"/>
+                </a:solidFill>
+                <a:latin typeface="Arial" panose="020B0604020202020204" pitchFamily="34" charset="0"/>
+                <a:cs typeface="Arial" panose="020B0604020202020204" pitchFamily="34" charset="0"/>
+              </a:rPr>
+              <a:t>vailability </a:t>
+            </a:r>
+            <a:r>
+              <a:rPr lang="en-US" sz="1200" dirty="0" smtClean="0">
+                <a:solidFill>
+                  <a:srgbClr val="5B9CD5"/>
+                </a:solidFill>
+                <a:latin typeface="Arial" panose="020B0604020202020204" pitchFamily="34" charset="0"/>
+                <a:cs typeface="Arial" panose="020B0604020202020204" pitchFamily="34" charset="0"/>
+              </a:rPr>
+              <a:t>Z</a:t>
+            </a:r>
+            <a:r>
+              <a:rPr lang="en-US" sz="1200" dirty="0" smtClean="0">
+                <a:solidFill>
+                  <a:srgbClr val="5B9CD5"/>
+                </a:solidFill>
+                <a:latin typeface="Arial" panose="020B0604020202020204" pitchFamily="34" charset="0"/>
+                <a:cs typeface="Arial" panose="020B0604020202020204" pitchFamily="34" charset="0"/>
+              </a:rPr>
+              <a:t>one </a:t>
+            </a:r>
+            <a:r>
+              <a:rPr lang="en-US" sz="1200" dirty="0" smtClean="0">
+                <a:solidFill>
+                  <a:srgbClr val="5B9CD5"/>
+                </a:solidFill>
+                <a:latin typeface="Arial" panose="020B0604020202020204" pitchFamily="34" charset="0"/>
+                <a:cs typeface="Arial" panose="020B0604020202020204" pitchFamily="34" charset="0"/>
+              </a:rPr>
+              <a:t>us</a:t>
+            </a:r>
+            <a:r>
+              <a:rPr lang="en-US" sz="1200" dirty="0">
+                <a:solidFill>
+                  <a:srgbClr val="5B9CD5"/>
+                </a:solidFill>
+                <a:latin typeface="Arial" panose="020B0604020202020204" pitchFamily="34" charset="0"/>
+                <a:cs typeface="Arial" panose="020B0604020202020204" pitchFamily="34" charset="0"/>
+              </a:rPr>
+              <a:t>-west-</a:t>
+            </a:r>
+            <a:r>
+              <a:rPr lang="en-US" sz="1200" dirty="0" smtClean="0">
+                <a:solidFill>
+                  <a:srgbClr val="5B9CD5"/>
+                </a:solidFill>
+                <a:latin typeface="Arial" panose="020B0604020202020204" pitchFamily="34" charset="0"/>
+                <a:cs typeface="Arial" panose="020B0604020202020204" pitchFamily="34" charset="0"/>
+              </a:rPr>
+              <a:t>2a</a:t>
+            </a:r>
+            <a:endParaRPr lang="en-US" sz="1200" dirty="0">
+              <a:solidFill>
+                <a:srgbClr val="5B9CD5"/>
+              </a:solidFill>
+              <a:latin typeface="Arial" panose="020B0604020202020204" pitchFamily="34" charset="0"/>
+              <a:cs typeface="Arial" panose="020B0604020202020204" pitchFamily="34" charset="0"/>
+            </a:endParaRPr>
           </a:p>
         </p:txBody>
       </p:sp>
@@ -6245,7 +6334,7 @@
           <p:cNvPr id="35" name="Straight Arrow Connector 13">
             <a:extLst>
               <a:ext uri="{FF2B5EF4-FFF2-40B4-BE49-F238E27FC236}">
-                <a16:creationId xmlns:a16="http://schemas.microsoft.com/office/drawing/2014/main" id="{BAAE18EC-2037-4FD2-B54E-E94CD54F8AB7}"/>
+                <a16:creationId xmlns:a16="http://schemas.microsoft.com/office/drawing/2014/main" xmlns="" id="{BAAE18EC-2037-4FD2-B54E-E94CD54F8AB7}"/>
               </a:ext>
             </a:extLst>
           </p:cNvPr>
@@ -6258,8 +6347,8 @@
         </p:nvCxnSpPr>
         <p:spPr>
           <a:xfrm flipH="1">
-            <a:off x="4499125" y="2968758"/>
-            <a:ext cx="1555750" cy="11023"/>
+            <a:off x="4499125" y="3318008"/>
+            <a:ext cx="3032125" cy="10011"/>
           </a:xfrm>
           <a:prstGeom prst="straightConnector1">
             <a:avLst/>
@@ -6287,6 +6376,713 @@
           </a:fontRef>
         </p:style>
       </p:cxnSp>
+      <p:sp>
+        <p:nvSpPr>
+          <p:cNvPr id="34" name="Rectangle 7">
+            <a:extLst>
+              <a:ext uri="{FF2B5EF4-FFF2-40B4-BE49-F238E27FC236}">
+                <a16:creationId xmlns:a16="http://schemas.microsoft.com/office/drawing/2014/main" xmlns="" id="{0FE6B552-3063-4AA7-857A-DDA653017754}"/>
+              </a:ext>
+            </a:extLst>
+          </p:cNvPr>
+          <p:cNvSpPr/>
+          <p:nvPr/>
+        </p:nvSpPr>
+        <p:spPr>
+          <a:xfrm>
+            <a:off x="4636807" y="4877282"/>
+            <a:ext cx="1935443" cy="853593"/>
+          </a:xfrm>
+          <a:prstGeom prst="rect">
+            <a:avLst/>
+          </a:prstGeom>
+          <a:solidFill>
+            <a:srgbClr val="007CBC">
+              <a:alpha val="9804"/>
+            </a:srgbClr>
+          </a:solidFill>
+          <a:ln w="12700">
+            <a:noFill/>
+            <a:prstDash val="dash"/>
+          </a:ln>
+        </p:spPr>
+        <p:style>
+          <a:lnRef idx="2">
+            <a:schemeClr val="accent1">
+              <a:shade val="50000"/>
+            </a:schemeClr>
+          </a:lnRef>
+          <a:fillRef idx="1">
+            <a:schemeClr val="accent1"/>
+          </a:fillRef>
+          <a:effectRef idx="0">
+            <a:schemeClr val="accent1"/>
+          </a:effectRef>
+          <a:fontRef idx="minor">
+            <a:schemeClr val="lt1"/>
+          </a:fontRef>
+        </p:style>
+        <p:txBody>
+          <a:bodyPr lIns="502920"/>
+          <a:lstStyle/>
+          <a:p>
+            <a:pPr eaLnBrk="1" fontAlgn="auto" hangingPunct="1">
+              <a:spcBef>
+                <a:spcPts val="0"/>
+              </a:spcBef>
+              <a:spcAft>
+                <a:spcPts val="0"/>
+              </a:spcAft>
+              <a:defRPr/>
+            </a:pPr>
+            <a:r>
+              <a:rPr lang="en-US" sz="1200" dirty="0">
+                <a:solidFill>
+                  <a:srgbClr val="5B9CD5"/>
+                </a:solidFill>
+                <a:latin typeface="Arial" panose="020B0604020202020204" pitchFamily="34" charset="0"/>
+                <a:cs typeface="Arial" panose="020B0604020202020204" pitchFamily="34" charset="0"/>
+              </a:rPr>
+              <a:t>Private subnet</a:t>
+            </a:r>
+          </a:p>
+        </p:txBody>
+      </p:sp>
+      <p:pic>
+        <p:nvPicPr>
+          <p:cNvPr id="36" name="Graphic 21">
+            <a:extLst>
+              <a:ext uri="{FF2B5EF4-FFF2-40B4-BE49-F238E27FC236}">
+                <a16:creationId xmlns:a16="http://schemas.microsoft.com/office/drawing/2014/main" xmlns="" id="{B795641F-4738-4043-9E66-2EE9B9839561}"/>
+              </a:ext>
+            </a:extLst>
+          </p:cNvPr>
+          <p:cNvPicPr>
+            <a:picLocks noChangeAspect="1"/>
+          </p:cNvPicPr>
+          <p:nvPr/>
+        </p:nvPicPr>
+        <p:blipFill>
+          <a:blip r:embed="rId15">
+            <a:extLst>
+              <a:ext uri="{96DAC541-7B7A-43D3-8B79-37D633B846F1}">
+                <asvg:svgBlip xmlns:asvg="http://schemas.microsoft.com/office/drawing/2016/SVG/main" xmlns="" r:embed="rId9"/>
+              </a:ext>
+            </a:extLst>
+          </a:blip>
+          <a:stretch>
+            <a:fillRect/>
+          </a:stretch>
+        </p:blipFill>
+        <p:spPr>
+          <a:xfrm>
+            <a:off x="4641570" y="4878871"/>
+            <a:ext cx="361949" cy="361949"/>
+          </a:xfrm>
+          <a:prstGeom prst="rect">
+            <a:avLst/>
+          </a:prstGeom>
+        </p:spPr>
+      </p:pic>
+      <p:sp>
+        <p:nvSpPr>
+          <p:cNvPr id="37" name="TextBox 14">
+            <a:extLst>
+              <a:ext uri="{FF2B5EF4-FFF2-40B4-BE49-F238E27FC236}">
+                <a16:creationId xmlns:a16="http://schemas.microsoft.com/office/drawing/2014/main" xmlns="" id="{8B156ADA-131D-4161-9A4E-52788D50349E}"/>
+              </a:ext>
+            </a:extLst>
+          </p:cNvPr>
+          <p:cNvSpPr txBox="1">
+            <a:spLocks noChangeArrowheads="1"/>
+          </p:cNvSpPr>
+          <p:nvPr/>
+        </p:nvSpPr>
+        <p:spPr bwMode="auto">
+          <a:xfrm>
+            <a:off x="5133694" y="5426704"/>
+            <a:ext cx="2006600" cy="246063"/>
+          </a:xfrm>
+          <a:prstGeom prst="rect">
+            <a:avLst/>
+          </a:prstGeom>
+          <a:noFill/>
+          <a:ln>
+            <a:noFill/>
+          </a:ln>
+          <a:extLst>
+            <a:ext uri="{909E8E84-426E-40dd-AFC4-6F175D3DCCD1}">
+              <a14:hiddenFill xmlns:a14="http://schemas.microsoft.com/office/drawing/2010/main">
+                <a:solidFill>
+                  <a:srgbClr val="FFFFFF"/>
+                </a:solidFill>
+              </a14:hiddenFill>
+            </a:ext>
+            <a:ext uri="{91240B29-F687-4f45-9708-019B960494DF}">
+              <a14:hiddenLine xmlns:a14="http://schemas.microsoft.com/office/drawing/2010/main" w="9525">
+                <a:solidFill>
+                  <a:srgbClr val="000000"/>
+                </a:solidFill>
+                <a:miter lim="800000"/>
+                <a:headEnd/>
+                <a:tailEnd/>
+              </a14:hiddenLine>
+            </a:ext>
+          </a:extLst>
+        </p:spPr>
+        <p:txBody>
+          <a:bodyPr>
+            <a:spAutoFit/>
+          </a:bodyPr>
+          <a:lstStyle>
+            <a:lvl1pPr>
+              <a:defRPr>
+                <a:solidFill>
+                  <a:schemeClr val="tx1"/>
+                </a:solidFill>
+                <a:latin typeface="Calibri" panose="020F0502020204030204" pitchFamily="34" charset="0"/>
+              </a:defRPr>
+            </a:lvl1pPr>
+            <a:lvl2pPr marL="742950" indent="-285750">
+              <a:defRPr>
+                <a:solidFill>
+                  <a:schemeClr val="tx1"/>
+                </a:solidFill>
+                <a:latin typeface="Calibri" panose="020F0502020204030204" pitchFamily="34" charset="0"/>
+              </a:defRPr>
+            </a:lvl2pPr>
+            <a:lvl3pPr marL="1143000" indent="-228600">
+              <a:defRPr>
+                <a:solidFill>
+                  <a:schemeClr val="tx1"/>
+                </a:solidFill>
+                <a:latin typeface="Calibri" panose="020F0502020204030204" pitchFamily="34" charset="0"/>
+              </a:defRPr>
+            </a:lvl3pPr>
+            <a:lvl4pPr marL="1600200" indent="-228600">
+              <a:defRPr>
+                <a:solidFill>
+                  <a:schemeClr val="tx1"/>
+                </a:solidFill>
+                <a:latin typeface="Calibri" panose="020F0502020204030204" pitchFamily="34" charset="0"/>
+              </a:defRPr>
+            </a:lvl4pPr>
+            <a:lvl5pPr marL="2057400" indent="-228600">
+              <a:defRPr>
+                <a:solidFill>
+                  <a:schemeClr val="tx1"/>
+                </a:solidFill>
+                <a:latin typeface="Calibri" panose="020F0502020204030204" pitchFamily="34" charset="0"/>
+              </a:defRPr>
+            </a:lvl5pPr>
+            <a:lvl6pPr marL="2514600" indent="-228600" eaLnBrk="0" fontAlgn="base" hangingPunct="0">
+              <a:spcBef>
+                <a:spcPct val="0"/>
+              </a:spcBef>
+              <a:spcAft>
+                <a:spcPct val="0"/>
+              </a:spcAft>
+              <a:defRPr>
+                <a:solidFill>
+                  <a:schemeClr val="tx1"/>
+                </a:solidFill>
+                <a:latin typeface="Calibri" panose="020F0502020204030204" pitchFamily="34" charset="0"/>
+              </a:defRPr>
+            </a:lvl6pPr>
+            <a:lvl7pPr marL="2971800" indent="-228600" eaLnBrk="0" fontAlgn="base" hangingPunct="0">
+              <a:spcBef>
+                <a:spcPct val="0"/>
+              </a:spcBef>
+              <a:spcAft>
+                <a:spcPct val="0"/>
+              </a:spcAft>
+              <a:defRPr>
+                <a:solidFill>
+                  <a:schemeClr val="tx1"/>
+                </a:solidFill>
+                <a:latin typeface="Calibri" panose="020F0502020204030204" pitchFamily="34" charset="0"/>
+              </a:defRPr>
+            </a:lvl7pPr>
+            <a:lvl8pPr marL="3429000" indent="-228600" eaLnBrk="0" fontAlgn="base" hangingPunct="0">
+              <a:spcBef>
+                <a:spcPct val="0"/>
+              </a:spcBef>
+              <a:spcAft>
+                <a:spcPct val="0"/>
+              </a:spcAft>
+              <a:defRPr>
+                <a:solidFill>
+                  <a:schemeClr val="tx1"/>
+                </a:solidFill>
+                <a:latin typeface="Calibri" panose="020F0502020204030204" pitchFamily="34" charset="0"/>
+              </a:defRPr>
+            </a:lvl8pPr>
+            <a:lvl9pPr marL="3886200" indent="-228600" eaLnBrk="0" fontAlgn="base" hangingPunct="0">
+              <a:spcBef>
+                <a:spcPct val="0"/>
+              </a:spcBef>
+              <a:spcAft>
+                <a:spcPct val="0"/>
+              </a:spcAft>
+              <a:defRPr>
+                <a:solidFill>
+                  <a:schemeClr val="tx1"/>
+                </a:solidFill>
+                <a:latin typeface="Calibri" panose="020F0502020204030204" pitchFamily="34" charset="0"/>
+              </a:defRPr>
+            </a:lvl9pPr>
+          </a:lstStyle>
+          <a:p>
+            <a:pPr algn="ctr" eaLnBrk="1" hangingPunct="1"/>
+            <a:r>
+              <a:rPr lang="en-US" altLang="en-US" sz="1000" dirty="0" smtClean="0">
+                <a:solidFill>
+                  <a:srgbClr val="1E8900"/>
+                </a:solidFill>
+                <a:latin typeface="Arial" panose="020B0604020202020204" pitchFamily="34" charset="0"/>
+                <a:cs typeface="Arial" panose="020B0604020202020204" pitchFamily="34" charset="0"/>
+              </a:rPr>
+              <a:t>10.0.2</a:t>
+            </a:r>
+            <a:r>
+              <a:rPr lang="en-US" altLang="en-US" sz="1000" dirty="0" smtClean="0">
+                <a:solidFill>
+                  <a:srgbClr val="1E8900"/>
+                </a:solidFill>
+                <a:latin typeface="Arial" panose="020B0604020202020204" pitchFamily="34" charset="0"/>
+                <a:cs typeface="Arial" panose="020B0604020202020204" pitchFamily="34" charset="0"/>
+              </a:rPr>
+              <a:t>1</a:t>
+            </a:r>
+            <a:r>
+              <a:rPr lang="en-US" altLang="en-US" sz="1000" dirty="0" smtClean="0">
+                <a:solidFill>
+                  <a:srgbClr val="1E8900"/>
+                </a:solidFill>
+                <a:latin typeface="Arial" panose="020B0604020202020204" pitchFamily="34" charset="0"/>
+                <a:cs typeface="Arial" panose="020B0604020202020204" pitchFamily="34" charset="0"/>
+              </a:rPr>
+              <a:t>.0</a:t>
+            </a:r>
+            <a:r>
+              <a:rPr lang="en-US" altLang="en-US" sz="1000" dirty="0">
+                <a:solidFill>
+                  <a:srgbClr val="1E8900"/>
+                </a:solidFill>
+                <a:latin typeface="Arial" panose="020B0604020202020204" pitchFamily="34" charset="0"/>
+                <a:cs typeface="Arial" panose="020B0604020202020204" pitchFamily="34" charset="0"/>
+              </a:rPr>
+              <a:t>/24</a:t>
+            </a:r>
+          </a:p>
+        </p:txBody>
+      </p:sp>
+      <p:pic>
+        <p:nvPicPr>
+          <p:cNvPr id="38" name="Graphic 53">
+            <a:extLst>
+              <a:ext uri="{FF2B5EF4-FFF2-40B4-BE49-F238E27FC236}">
+                <a16:creationId xmlns:a16="http://schemas.microsoft.com/office/drawing/2014/main" xmlns="" id="{2674A563-3220-44B6-B5F0-F1E98B75D09C}"/>
+              </a:ext>
+            </a:extLst>
+          </p:cNvPr>
+          <p:cNvPicPr>
+            <a:picLocks noChangeAspect="1" noChangeArrowheads="1"/>
+          </p:cNvPicPr>
+          <p:nvPr/>
+        </p:nvPicPr>
+        <p:blipFill>
+          <a:blip r:embed="rId16">
+            <a:extLst>
+              <a:ext uri="{28A0092B-C50C-407E-A947-70E740481C1C}">
+                <a14:useLocalDpi xmlns:a14="http://schemas.microsoft.com/office/drawing/2010/main" val="0"/>
+              </a:ext>
+            </a:extLst>
+          </a:blip>
+          <a:srcRect/>
+          <a:stretch>
+            <a:fillRect/>
+          </a:stretch>
+        </p:blipFill>
+        <p:spPr bwMode="auto">
+          <a:xfrm>
+            <a:off x="5051065" y="5152546"/>
+            <a:ext cx="457200" cy="457200"/>
+          </a:xfrm>
+          <a:prstGeom prst="rect">
+            <a:avLst/>
+          </a:prstGeom>
+          <a:noFill/>
+          <a:ln>
+            <a:noFill/>
+          </a:ln>
+          <a:extLst>
+            <a:ext uri="{909E8E84-426E-40dd-AFC4-6F175D3DCCD1}">
+              <a14:hiddenFill xmlns:a14="http://schemas.microsoft.com/office/drawing/2010/main">
+                <a:solidFill>
+                  <a:srgbClr val="FFFFFF"/>
+                </a:solidFill>
+              </a14:hiddenFill>
+            </a:ext>
+            <a:ext uri="{91240B29-F687-4f45-9708-019B960494DF}">
+              <a14:hiddenLine xmlns:a14="http://schemas.microsoft.com/office/drawing/2010/main" w="9525">
+                <a:solidFill>
+                  <a:srgbClr val="000000"/>
+                </a:solidFill>
+                <a:miter lim="800000"/>
+                <a:headEnd/>
+                <a:tailEnd/>
+              </a14:hiddenLine>
+            </a:ext>
+          </a:extLst>
+        </p:spPr>
+      </p:pic>
+      <p:graphicFrame>
+        <p:nvGraphicFramePr>
+          <p:cNvPr id="9" name="表 8"/>
+          <p:cNvGraphicFramePr>
+            <a:graphicFrameLocks noGrp="1"/>
+          </p:cNvGraphicFramePr>
+          <p:nvPr>
+            <p:extLst>
+              <p:ext uri="{D42A27DB-BD31-4B8C-83A1-F6EECF244321}">
+                <p14:modId xmlns:p14="http://schemas.microsoft.com/office/powerpoint/2010/main" val="852643538"/>
+              </p:ext>
+            </p:extLst>
+          </p:nvPr>
+        </p:nvGraphicFramePr>
+        <p:xfrm>
+          <a:off x="2809875" y="2783416"/>
+          <a:ext cx="1317625" cy="1036320"/>
+        </p:xfrm>
+        <a:graphic>
+          <a:graphicData uri="http://schemas.openxmlformats.org/drawingml/2006/table">
+            <a:tbl>
+              <a:tblPr firstRow="1" bandRow="1">
+                <a:tableStyleId>{5C22544A-7EE6-4342-B048-85BDC9FD1C3A}</a:tableStyleId>
+              </a:tblPr>
+              <a:tblGrid>
+                <a:gridCol w="1317625"/>
+              </a:tblGrid>
+              <a:tr h="220927">
+                <a:tc>
+                  <a:txBody>
+                    <a:bodyPr/>
+                    <a:lstStyle/>
+                    <a:p>
+                      <a:r>
+                        <a:rPr kumimoji="1" lang="en-US" altLang="ja-JP" sz="1100" dirty="0" err="1" smtClean="0"/>
+                        <a:t>PHPWebApp</a:t>
+                      </a:r>
+                      <a:endParaRPr kumimoji="1" lang="ja-JP" altLang="en-US" sz="1100" dirty="0"/>
+                    </a:p>
+                  </a:txBody>
+                  <a:tcPr/>
+                </a:tc>
+              </a:tr>
+              <a:tr h="220927">
+                <a:tc>
+                  <a:txBody>
+                    <a:bodyPr/>
+                    <a:lstStyle/>
+                    <a:p>
+                      <a:r>
+                        <a:rPr kumimoji="1" lang="en-US" altLang="ja-JP" sz="1100" dirty="0" err="1" smtClean="0"/>
+                        <a:t>phpMysqlAdmin</a:t>
+                      </a:r>
+                      <a:endParaRPr kumimoji="1" lang="ja-JP" altLang="en-US" sz="1100" dirty="0"/>
+                    </a:p>
+                  </a:txBody>
+                  <a:tcPr/>
+                </a:tc>
+              </a:tr>
+              <a:tr h="220927">
+                <a:tc>
+                  <a:txBody>
+                    <a:bodyPr/>
+                    <a:lstStyle/>
+                    <a:p>
+                      <a:r>
+                        <a:rPr kumimoji="1" lang="en-US" altLang="ja-JP" sz="1100" dirty="0" smtClean="0"/>
+                        <a:t>Apache</a:t>
+                      </a:r>
+                      <a:endParaRPr kumimoji="1" lang="ja-JP" altLang="en-US" sz="1100" dirty="0"/>
+                    </a:p>
+                  </a:txBody>
+                  <a:tcPr/>
+                </a:tc>
+              </a:tr>
+              <a:tr h="220927">
+                <a:tc>
+                  <a:txBody>
+                    <a:bodyPr/>
+                    <a:lstStyle/>
+                    <a:p>
+                      <a:r>
+                        <a:rPr kumimoji="1" lang="en-US" altLang="ja-JP" sz="1100" dirty="0" err="1" smtClean="0"/>
+                        <a:t>WordPress</a:t>
+                      </a:r>
+                      <a:endParaRPr kumimoji="1" lang="ja-JP" altLang="en-US" sz="1100" dirty="0"/>
+                    </a:p>
+                  </a:txBody>
+                  <a:tcPr/>
+                </a:tc>
+              </a:tr>
+            </a:tbl>
+          </a:graphicData>
+        </a:graphic>
+      </p:graphicFrame>
+      <p:sp>
+        <p:nvSpPr>
+          <p:cNvPr id="65" name="Rectangle 30">
+            <a:extLst>
+              <a:ext uri="{FF2B5EF4-FFF2-40B4-BE49-F238E27FC236}">
+                <a16:creationId xmlns:a16="http://schemas.microsoft.com/office/drawing/2014/main" xmlns="" id="{DD71A436-7CFE-4AAB-9C07-FBAD9AE23C01}"/>
+              </a:ext>
+            </a:extLst>
+          </p:cNvPr>
+          <p:cNvSpPr/>
+          <p:nvPr/>
+        </p:nvSpPr>
+        <p:spPr>
+          <a:xfrm>
+            <a:off x="4573308" y="4567667"/>
+            <a:ext cx="2062442" cy="1194958"/>
+          </a:xfrm>
+          <a:prstGeom prst="rect">
+            <a:avLst/>
+          </a:prstGeom>
+          <a:noFill/>
+          <a:ln w="12700">
+            <a:solidFill>
+              <a:srgbClr val="DF3312"/>
+            </a:solidFill>
+          </a:ln>
+        </p:spPr>
+        <p:style>
+          <a:lnRef idx="2">
+            <a:schemeClr val="accent1">
+              <a:shade val="50000"/>
+            </a:schemeClr>
+          </a:lnRef>
+          <a:fillRef idx="1">
+            <a:schemeClr val="accent1"/>
+          </a:fillRef>
+          <a:effectRef idx="0">
+            <a:schemeClr val="accent1"/>
+          </a:effectRef>
+          <a:fontRef idx="minor">
+            <a:schemeClr val="lt1"/>
+          </a:fontRef>
+        </p:style>
+        <p:txBody>
+          <a:bodyPr tIns="91440" anchorCtr="1"/>
+          <a:lstStyle/>
+          <a:p>
+            <a:pPr lvl="1">
+              <a:defRPr/>
+            </a:pPr>
+            <a:r>
+              <a:rPr lang="en-US" sz="1200" dirty="0">
+                <a:solidFill>
+                  <a:srgbClr val="DF3312"/>
+                </a:solidFill>
+                <a:latin typeface="Arial" panose="020B0604020202020204" pitchFamily="34" charset="0"/>
+                <a:cs typeface="Arial" panose="020B0604020202020204" pitchFamily="34" charset="0"/>
+              </a:rPr>
+              <a:t>Security </a:t>
+            </a:r>
+            <a:r>
+              <a:rPr lang="en-US" sz="1200" dirty="0" smtClean="0">
+                <a:solidFill>
+                  <a:srgbClr val="DF3312"/>
+                </a:solidFill>
+                <a:latin typeface="Arial" panose="020B0604020202020204" pitchFamily="34" charset="0"/>
+                <a:cs typeface="Arial" panose="020B0604020202020204" pitchFamily="34" charset="0"/>
+              </a:rPr>
+              <a:t>group</a:t>
+            </a:r>
+            <a:r>
+              <a:rPr lang="en-US" altLang="ja-JP" sz="1200" dirty="0" smtClean="0">
+                <a:solidFill>
+                  <a:srgbClr val="DF3312"/>
+                </a:solidFill>
+                <a:latin typeface="Arial" panose="020B0604020202020204" pitchFamily="34" charset="0"/>
+                <a:cs typeface="Arial" panose="020B0604020202020204" pitchFamily="34" charset="0"/>
+              </a:rPr>
+              <a:t>③</a:t>
+            </a:r>
+            <a:endParaRPr lang="en-US" sz="1200" dirty="0">
+              <a:solidFill>
+                <a:srgbClr val="DF3312"/>
+              </a:solidFill>
+              <a:latin typeface="Arial" panose="020B0604020202020204" pitchFamily="34" charset="0"/>
+              <a:cs typeface="Arial" panose="020B0604020202020204" pitchFamily="34" charset="0"/>
+            </a:endParaRPr>
+          </a:p>
+        </p:txBody>
+      </p:sp>
+      <p:sp>
+        <p:nvSpPr>
+          <p:cNvPr id="66" name="TextBox 8">
+            <a:extLst>
+              <a:ext uri="{FF2B5EF4-FFF2-40B4-BE49-F238E27FC236}">
+                <a16:creationId xmlns:a16="http://schemas.microsoft.com/office/drawing/2014/main" xmlns="" id="{0652558F-18D7-46DE-B3E5-BBF02356E20E}"/>
+              </a:ext>
+            </a:extLst>
+          </p:cNvPr>
+          <p:cNvSpPr txBox="1">
+            <a:spLocks noChangeArrowheads="1"/>
+          </p:cNvSpPr>
+          <p:nvPr/>
+        </p:nvSpPr>
+        <p:spPr bwMode="auto">
+          <a:xfrm>
+            <a:off x="4513935" y="5530055"/>
+            <a:ext cx="1493838" cy="261610"/>
+          </a:xfrm>
+          <a:prstGeom prst="rect">
+            <a:avLst/>
+          </a:prstGeom>
+          <a:noFill/>
+          <a:ln>
+            <a:noFill/>
+          </a:ln>
+          <a:extLst>
+            <a:ext uri="{909E8E84-426E-40dd-AFC4-6F175D3DCCD1}">
+              <a14:hiddenFill xmlns:a14="http://schemas.microsoft.com/office/drawing/2010/main">
+                <a:solidFill>
+                  <a:srgbClr val="FFFFFF"/>
+                </a:solidFill>
+              </a14:hiddenFill>
+            </a:ext>
+            <a:ext uri="{91240B29-F687-4f45-9708-019B960494DF}">
+              <a14:hiddenLine xmlns:a14="http://schemas.microsoft.com/office/drawing/2010/main" w="9525">
+                <a:solidFill>
+                  <a:srgbClr val="000000"/>
+                </a:solidFill>
+                <a:miter lim="800000"/>
+                <a:headEnd/>
+                <a:tailEnd/>
+              </a14:hiddenLine>
+            </a:ext>
+          </a:extLst>
+        </p:spPr>
+        <p:txBody>
+          <a:bodyPr>
+            <a:spAutoFit/>
+          </a:bodyPr>
+          <a:lstStyle>
+            <a:lvl1pPr>
+              <a:defRPr>
+                <a:solidFill>
+                  <a:schemeClr val="tx1"/>
+                </a:solidFill>
+                <a:latin typeface="Calibri" panose="020F0502020204030204" pitchFamily="34" charset="0"/>
+              </a:defRPr>
+            </a:lvl1pPr>
+            <a:lvl2pPr marL="742950" indent="-285750">
+              <a:defRPr>
+                <a:solidFill>
+                  <a:schemeClr val="tx1"/>
+                </a:solidFill>
+                <a:latin typeface="Calibri" panose="020F0502020204030204" pitchFamily="34" charset="0"/>
+              </a:defRPr>
+            </a:lvl2pPr>
+            <a:lvl3pPr marL="1143000" indent="-228600">
+              <a:defRPr>
+                <a:solidFill>
+                  <a:schemeClr val="tx1"/>
+                </a:solidFill>
+                <a:latin typeface="Calibri" panose="020F0502020204030204" pitchFamily="34" charset="0"/>
+              </a:defRPr>
+            </a:lvl3pPr>
+            <a:lvl4pPr marL="1600200" indent="-228600">
+              <a:defRPr>
+                <a:solidFill>
+                  <a:schemeClr val="tx1"/>
+                </a:solidFill>
+                <a:latin typeface="Calibri" panose="020F0502020204030204" pitchFamily="34" charset="0"/>
+              </a:defRPr>
+            </a:lvl4pPr>
+            <a:lvl5pPr marL="2057400" indent="-228600">
+              <a:defRPr>
+                <a:solidFill>
+                  <a:schemeClr val="tx1"/>
+                </a:solidFill>
+                <a:latin typeface="Calibri" panose="020F0502020204030204" pitchFamily="34" charset="0"/>
+              </a:defRPr>
+            </a:lvl5pPr>
+            <a:lvl6pPr marL="2514600" indent="-228600" eaLnBrk="0" fontAlgn="base" hangingPunct="0">
+              <a:spcBef>
+                <a:spcPct val="0"/>
+              </a:spcBef>
+              <a:spcAft>
+                <a:spcPct val="0"/>
+              </a:spcAft>
+              <a:defRPr>
+                <a:solidFill>
+                  <a:schemeClr val="tx1"/>
+                </a:solidFill>
+                <a:latin typeface="Calibri" panose="020F0502020204030204" pitchFamily="34" charset="0"/>
+              </a:defRPr>
+            </a:lvl6pPr>
+            <a:lvl7pPr marL="2971800" indent="-228600" eaLnBrk="0" fontAlgn="base" hangingPunct="0">
+              <a:spcBef>
+                <a:spcPct val="0"/>
+              </a:spcBef>
+              <a:spcAft>
+                <a:spcPct val="0"/>
+              </a:spcAft>
+              <a:defRPr>
+                <a:solidFill>
+                  <a:schemeClr val="tx1"/>
+                </a:solidFill>
+                <a:latin typeface="Calibri" panose="020F0502020204030204" pitchFamily="34" charset="0"/>
+              </a:defRPr>
+            </a:lvl7pPr>
+            <a:lvl8pPr marL="3429000" indent="-228600" eaLnBrk="0" fontAlgn="base" hangingPunct="0">
+              <a:spcBef>
+                <a:spcPct val="0"/>
+              </a:spcBef>
+              <a:spcAft>
+                <a:spcPct val="0"/>
+              </a:spcAft>
+              <a:defRPr>
+                <a:solidFill>
+                  <a:schemeClr val="tx1"/>
+                </a:solidFill>
+                <a:latin typeface="Calibri" panose="020F0502020204030204" pitchFamily="34" charset="0"/>
+              </a:defRPr>
+            </a:lvl8pPr>
+            <a:lvl9pPr marL="3886200" indent="-228600" eaLnBrk="0" fontAlgn="base" hangingPunct="0">
+              <a:spcBef>
+                <a:spcPct val="0"/>
+              </a:spcBef>
+              <a:spcAft>
+                <a:spcPct val="0"/>
+              </a:spcAft>
+              <a:defRPr>
+                <a:solidFill>
+                  <a:schemeClr val="tx1"/>
+                </a:solidFill>
+                <a:latin typeface="Calibri" panose="020F0502020204030204" pitchFamily="34" charset="0"/>
+              </a:defRPr>
+            </a:lvl9pPr>
+          </a:lstStyle>
+          <a:p>
+            <a:pPr algn="ctr" eaLnBrk="1" hangingPunct="1"/>
+            <a:r>
+              <a:rPr lang="en-US" altLang="en-US" sz="1100" dirty="0">
+                <a:latin typeface="Arial" panose="020B0604020202020204" pitchFamily="34" charset="0"/>
+                <a:ea typeface="Amazon Ember" panose="020B0603020204020204" pitchFamily="34" charset="0"/>
+                <a:cs typeface="Arial" panose="020B0604020202020204" pitchFamily="34" charset="0"/>
+              </a:rPr>
+              <a:t>MySQL instance</a:t>
+            </a:r>
+          </a:p>
+        </p:txBody>
+      </p:sp>
     </p:spTree>
     <p:extLst>
       <p:ext uri="{BB962C8B-B14F-4D97-AF65-F5344CB8AC3E}">
@@ -6297,6 +7093,13 @@
   <p:clrMapOvr>
     <a:masterClrMapping/>
   </p:clrMapOvr>
+  <p:timing>
+    <p:tnLst>
+      <p:par>
+        <p:cTn xmlns:p14="http://schemas.microsoft.com/office/powerpoint/2010/main" id="1" dur="indefinite" restart="never" nodeType="tmRoot"/>
+      </p:par>
+    </p:tnLst>
+  </p:timing>
 </p:sld>
 </file>
 
@@ -6343,7 +7146,7 @@
     </a:clrScheme>
     <a:fontScheme name="Office">
       <a:majorFont>
-        <a:latin typeface="游ゴシック Light" panose="020F0302020204030204"/>
+        <a:latin typeface="游ゴシック Light"/>
         <a:ea typeface=""/>
         <a:cs typeface=""/>
         <a:font script="Jpan" typeface="游ゴシック Light"/>
@@ -6395,7 +7198,7 @@
         <a:font script="Tfng" typeface="Ebrima"/>
       </a:majorFont>
       <a:minorFont>
-        <a:latin typeface="游ゴシック" panose="020F0502020204030204"/>
+        <a:latin typeface="游ゴシック"/>
         <a:ea typeface=""/>
         <a:cs typeface=""/>
         <a:font script="Jpan" typeface="游ゴシック"/>
@@ -6589,7 +7392,7 @@
   <a:extraClrSchemeLst/>
   <a:extLst>
     <a:ext uri="{05A4C25C-085E-4340-85A3-A5531E510DB2}">
-      <thm15:themeFamily xmlns:thm15="http://schemas.microsoft.com/office/thememl/2012/main" name="Office Theme" id="{62F939B6-93AF-4DB8-9C6B-D6C7DFDC589F}" vid="{4A3C46E8-61CC-4603-A589-7422A47A8E4A}"/>
+      <thm15:themeFamily xmlns:thm15="http://schemas.microsoft.com/office/thememl/2012/main" xmlns="" name="Office Theme" id="{62F939B6-93AF-4DB8-9C6B-D6C7DFDC589F}" vid="{4A3C46E8-61CC-4603-A589-7422A47A8E4A}"/>
     </a:ext>
   </a:extLst>
 </a:theme>
